--- a/figures/ArchitectureBlockDiagram.pptx
+++ b/figures/ArchitectureBlockDiagram.pptx
@@ -6,6 +6,7 @@
   </p:sldMasterIdLst>
   <p:sldIdLst>
     <p:sldId id="256" r:id="rId2"/>
+    <p:sldId id="257" r:id="rId3"/>
   </p:sldIdLst>
   <p:sldSz cx="9509125" cy="6950075"/>
   <p:notesSz cx="6858000" cy="9144000"/>
@@ -104,6 +105,22 @@
       </a:defRPr>
     </a:lvl9pPr>
   </p:defaultTextStyle>
+  <p:extLst>
+    <p:ext uri="{EFAFB233-063F-42B5-8137-9DF3F51BA10A}">
+      <p15:sldGuideLst xmlns:p15="http://schemas.microsoft.com/office/powerpoint/2012/main">
+        <p15:guide id="1" orient="horz" pos="2189">
+          <p15:clr>
+            <a:srgbClr val="A4A3A4"/>
+          </p15:clr>
+        </p15:guide>
+        <p15:guide id="2" pos="2995">
+          <p15:clr>
+            <a:srgbClr val="A4A3A4"/>
+          </p15:clr>
+        </p15:guide>
+      </p15:sldGuideLst>
+    </p:ext>
+  </p:extLst>
 </p:presentation>
 </file>
 
@@ -145,10 +162,9 @@
           <a:lstStyle/>
           <a:p>
             <a:r>
-              <a:rPr lang="en-US" smtClean="0"/>
+              <a:rPr lang="en-US"/>
               <a:t>Click to edit Master title style</a:t>
             </a:r>
-            <a:endParaRPr lang="en-US"/>
           </a:p>
         </p:txBody>
       </p:sp>
@@ -264,10 +280,9 @@
           </a:lstStyle>
           <a:p>
             <a:r>
-              <a:rPr lang="en-US" smtClean="0"/>
+              <a:rPr lang="en-US"/>
               <a:t>Click to edit Master subtitle style</a:t>
             </a:r>
-            <a:endParaRPr lang="en-US"/>
           </a:p>
         </p:txBody>
       </p:sp>
@@ -288,7 +303,7 @@
           <a:p>
             <a:fld id="{C4F534F7-F5CD-427C-B85F-C3A991DE7E1B}" type="datetimeFigureOut">
               <a:rPr lang="en-US" smtClean="0"/>
-              <a:t>12/20/2018</a:t>
+              <a:t>12/20/18</a:t>
             </a:fld>
             <a:endParaRPr lang="en-US"/>
           </a:p>
@@ -382,10 +397,9 @@
           <a:lstStyle/>
           <a:p>
             <a:r>
-              <a:rPr lang="en-US" smtClean="0"/>
+              <a:rPr lang="en-US"/>
               <a:t>Click to edit Master title style</a:t>
             </a:r>
-            <a:endParaRPr lang="en-US"/>
           </a:p>
         </p:txBody>
       </p:sp>
@@ -406,38 +420,37 @@
           <a:p>
             <a:pPr lvl="0"/>
             <a:r>
-              <a:rPr lang="en-US" smtClean="0"/>
+              <a:rPr lang="en-US"/>
               <a:t>Click to edit Master text styles</a:t>
             </a:r>
           </a:p>
           <a:p>
             <a:pPr lvl="1"/>
             <a:r>
-              <a:rPr lang="en-US" smtClean="0"/>
+              <a:rPr lang="en-US"/>
               <a:t>Second level</a:t>
             </a:r>
           </a:p>
           <a:p>
             <a:pPr lvl="2"/>
             <a:r>
-              <a:rPr lang="en-US" smtClean="0"/>
+              <a:rPr lang="en-US"/>
               <a:t>Third level</a:t>
             </a:r>
           </a:p>
           <a:p>
             <a:pPr lvl="3"/>
             <a:r>
-              <a:rPr lang="en-US" smtClean="0"/>
+              <a:rPr lang="en-US"/>
               <a:t>Fourth level</a:t>
             </a:r>
           </a:p>
           <a:p>
             <a:pPr lvl="4"/>
             <a:r>
-              <a:rPr lang="en-US" smtClean="0"/>
+              <a:rPr lang="en-US"/>
               <a:t>Fifth level</a:t>
             </a:r>
-            <a:endParaRPr lang="en-US"/>
           </a:p>
         </p:txBody>
       </p:sp>
@@ -458,7 +471,7 @@
           <a:p>
             <a:fld id="{C4F534F7-F5CD-427C-B85F-C3A991DE7E1B}" type="datetimeFigureOut">
               <a:rPr lang="en-US" smtClean="0"/>
-              <a:t>12/20/2018</a:t>
+              <a:t>12/20/18</a:t>
             </a:fld>
             <a:endParaRPr lang="en-US"/>
           </a:p>
@@ -557,10 +570,9 @@
           <a:lstStyle/>
           <a:p>
             <a:r>
-              <a:rPr lang="en-US" smtClean="0"/>
+              <a:rPr lang="en-US"/>
               <a:t>Click to edit Master title style</a:t>
             </a:r>
-            <a:endParaRPr lang="en-US"/>
           </a:p>
         </p:txBody>
       </p:sp>
@@ -586,38 +598,37 @@
           <a:p>
             <a:pPr lvl="0"/>
             <a:r>
-              <a:rPr lang="en-US" smtClean="0"/>
+              <a:rPr lang="en-US"/>
               <a:t>Click to edit Master text styles</a:t>
             </a:r>
           </a:p>
           <a:p>
             <a:pPr lvl="1"/>
             <a:r>
-              <a:rPr lang="en-US" smtClean="0"/>
+              <a:rPr lang="en-US"/>
               <a:t>Second level</a:t>
             </a:r>
           </a:p>
           <a:p>
             <a:pPr lvl="2"/>
             <a:r>
-              <a:rPr lang="en-US" smtClean="0"/>
+              <a:rPr lang="en-US"/>
               <a:t>Third level</a:t>
             </a:r>
           </a:p>
           <a:p>
             <a:pPr lvl="3"/>
             <a:r>
-              <a:rPr lang="en-US" smtClean="0"/>
+              <a:rPr lang="en-US"/>
               <a:t>Fourth level</a:t>
             </a:r>
           </a:p>
           <a:p>
             <a:pPr lvl="4"/>
             <a:r>
-              <a:rPr lang="en-US" smtClean="0"/>
+              <a:rPr lang="en-US"/>
               <a:t>Fifth level</a:t>
             </a:r>
-            <a:endParaRPr lang="en-US"/>
           </a:p>
         </p:txBody>
       </p:sp>
@@ -638,7 +649,7 @@
           <a:p>
             <a:fld id="{C4F534F7-F5CD-427C-B85F-C3A991DE7E1B}" type="datetimeFigureOut">
               <a:rPr lang="en-US" smtClean="0"/>
-              <a:t>12/20/2018</a:t>
+              <a:t>12/20/18</a:t>
             </a:fld>
             <a:endParaRPr lang="en-US"/>
           </a:p>
@@ -732,10 +743,9 @@
           <a:lstStyle/>
           <a:p>
             <a:r>
-              <a:rPr lang="en-US" smtClean="0"/>
+              <a:rPr lang="en-US"/>
               <a:t>Click to edit Master title style</a:t>
             </a:r>
-            <a:endParaRPr lang="en-US"/>
           </a:p>
         </p:txBody>
       </p:sp>
@@ -756,38 +766,37 @@
           <a:p>
             <a:pPr lvl="0"/>
             <a:r>
-              <a:rPr lang="en-US" smtClean="0"/>
+              <a:rPr lang="en-US"/>
               <a:t>Click to edit Master text styles</a:t>
             </a:r>
           </a:p>
           <a:p>
             <a:pPr lvl="1"/>
             <a:r>
-              <a:rPr lang="en-US" smtClean="0"/>
+              <a:rPr lang="en-US"/>
               <a:t>Second level</a:t>
             </a:r>
           </a:p>
           <a:p>
             <a:pPr lvl="2"/>
             <a:r>
-              <a:rPr lang="en-US" smtClean="0"/>
+              <a:rPr lang="en-US"/>
               <a:t>Third level</a:t>
             </a:r>
           </a:p>
           <a:p>
             <a:pPr lvl="3"/>
             <a:r>
-              <a:rPr lang="en-US" smtClean="0"/>
+              <a:rPr lang="en-US"/>
               <a:t>Fourth level</a:t>
             </a:r>
           </a:p>
           <a:p>
             <a:pPr lvl="4"/>
             <a:r>
-              <a:rPr lang="en-US" smtClean="0"/>
+              <a:rPr lang="en-US"/>
               <a:t>Fifth level</a:t>
             </a:r>
-            <a:endParaRPr lang="en-US"/>
           </a:p>
         </p:txBody>
       </p:sp>
@@ -808,7 +817,7 @@
           <a:p>
             <a:fld id="{C4F534F7-F5CD-427C-B85F-C3A991DE7E1B}" type="datetimeFigureOut">
               <a:rPr lang="en-US" smtClean="0"/>
-              <a:t>12/20/2018</a:t>
+              <a:t>12/20/18</a:t>
             </a:fld>
             <a:endParaRPr lang="en-US"/>
           </a:p>
@@ -911,10 +920,9 @@
           </a:lstStyle>
           <a:p>
             <a:r>
-              <a:rPr lang="en-US" smtClean="0"/>
+              <a:rPr lang="en-US"/>
               <a:t>Click to edit Master title style</a:t>
             </a:r>
-            <a:endParaRPr lang="en-US"/>
           </a:p>
         </p:txBody>
       </p:sp>
@@ -1031,7 +1039,7 @@
           <a:p>
             <a:pPr lvl="0"/>
             <a:r>
-              <a:rPr lang="en-US" smtClean="0"/>
+              <a:rPr lang="en-US"/>
               <a:t>Click to edit Master text styles</a:t>
             </a:r>
           </a:p>
@@ -1054,7 +1062,7 @@
           <a:p>
             <a:fld id="{C4F534F7-F5CD-427C-B85F-C3A991DE7E1B}" type="datetimeFigureOut">
               <a:rPr lang="en-US" smtClean="0"/>
-              <a:t>12/20/2018</a:t>
+              <a:t>12/20/18</a:t>
             </a:fld>
             <a:endParaRPr lang="en-US"/>
           </a:p>
@@ -1148,10 +1156,9 @@
           <a:lstStyle/>
           <a:p>
             <a:r>
-              <a:rPr lang="en-US" smtClean="0"/>
+              <a:rPr lang="en-US"/>
               <a:t>Click to edit Master title style</a:t>
             </a:r>
-            <a:endParaRPr lang="en-US"/>
           </a:p>
         </p:txBody>
       </p:sp>
@@ -1205,38 +1212,37 @@
           <a:p>
             <a:pPr lvl="0"/>
             <a:r>
-              <a:rPr lang="en-US" smtClean="0"/>
+              <a:rPr lang="en-US"/>
               <a:t>Click to edit Master text styles</a:t>
             </a:r>
           </a:p>
           <a:p>
             <a:pPr lvl="1"/>
             <a:r>
-              <a:rPr lang="en-US" smtClean="0"/>
+              <a:rPr lang="en-US"/>
               <a:t>Second level</a:t>
             </a:r>
           </a:p>
           <a:p>
             <a:pPr lvl="2"/>
             <a:r>
-              <a:rPr lang="en-US" smtClean="0"/>
+              <a:rPr lang="en-US"/>
               <a:t>Third level</a:t>
             </a:r>
           </a:p>
           <a:p>
             <a:pPr lvl="3"/>
             <a:r>
-              <a:rPr lang="en-US" smtClean="0"/>
+              <a:rPr lang="en-US"/>
               <a:t>Fourth level</a:t>
             </a:r>
           </a:p>
           <a:p>
             <a:pPr lvl="4"/>
             <a:r>
-              <a:rPr lang="en-US" smtClean="0"/>
+              <a:rPr lang="en-US"/>
               <a:t>Fifth level</a:t>
             </a:r>
-            <a:endParaRPr lang="en-US"/>
           </a:p>
         </p:txBody>
       </p:sp>
@@ -1290,38 +1296,37 @@
           <a:p>
             <a:pPr lvl="0"/>
             <a:r>
-              <a:rPr lang="en-US" smtClean="0"/>
+              <a:rPr lang="en-US"/>
               <a:t>Click to edit Master text styles</a:t>
             </a:r>
           </a:p>
           <a:p>
             <a:pPr lvl="1"/>
             <a:r>
-              <a:rPr lang="en-US" smtClean="0"/>
+              <a:rPr lang="en-US"/>
               <a:t>Second level</a:t>
             </a:r>
           </a:p>
           <a:p>
             <a:pPr lvl="2"/>
             <a:r>
-              <a:rPr lang="en-US" smtClean="0"/>
+              <a:rPr lang="en-US"/>
               <a:t>Third level</a:t>
             </a:r>
           </a:p>
           <a:p>
             <a:pPr lvl="3"/>
             <a:r>
-              <a:rPr lang="en-US" smtClean="0"/>
+              <a:rPr lang="en-US"/>
               <a:t>Fourth level</a:t>
             </a:r>
           </a:p>
           <a:p>
             <a:pPr lvl="4"/>
             <a:r>
-              <a:rPr lang="en-US" smtClean="0"/>
+              <a:rPr lang="en-US"/>
               <a:t>Fifth level</a:t>
             </a:r>
-            <a:endParaRPr lang="en-US"/>
           </a:p>
         </p:txBody>
       </p:sp>
@@ -1342,7 +1347,7 @@
           <a:p>
             <a:fld id="{C4F534F7-F5CD-427C-B85F-C3A991DE7E1B}" type="datetimeFigureOut">
               <a:rPr lang="en-US" smtClean="0"/>
-              <a:t>12/20/2018</a:t>
+              <a:t>12/20/18</a:t>
             </a:fld>
             <a:endParaRPr lang="en-US"/>
           </a:p>
@@ -1440,10 +1445,9 @@
           </a:lstStyle>
           <a:p>
             <a:r>
-              <a:rPr lang="en-US" smtClean="0"/>
+              <a:rPr lang="en-US"/>
               <a:t>Click to edit Master title style</a:t>
             </a:r>
-            <a:endParaRPr lang="en-US"/>
           </a:p>
         </p:txBody>
       </p:sp>
@@ -1506,7 +1510,7 @@
           <a:p>
             <a:pPr lvl="0"/>
             <a:r>
-              <a:rPr lang="en-US" smtClean="0"/>
+              <a:rPr lang="en-US"/>
               <a:t>Click to edit Master text styles</a:t>
             </a:r>
           </a:p>
@@ -1562,38 +1566,37 @@
           <a:p>
             <a:pPr lvl="0"/>
             <a:r>
-              <a:rPr lang="en-US" smtClean="0"/>
+              <a:rPr lang="en-US"/>
               <a:t>Click to edit Master text styles</a:t>
             </a:r>
           </a:p>
           <a:p>
             <a:pPr lvl="1"/>
             <a:r>
-              <a:rPr lang="en-US" smtClean="0"/>
+              <a:rPr lang="en-US"/>
               <a:t>Second level</a:t>
             </a:r>
           </a:p>
           <a:p>
             <a:pPr lvl="2"/>
             <a:r>
-              <a:rPr lang="en-US" smtClean="0"/>
+              <a:rPr lang="en-US"/>
               <a:t>Third level</a:t>
             </a:r>
           </a:p>
           <a:p>
             <a:pPr lvl="3"/>
             <a:r>
-              <a:rPr lang="en-US" smtClean="0"/>
+              <a:rPr lang="en-US"/>
               <a:t>Fourth level</a:t>
             </a:r>
           </a:p>
           <a:p>
             <a:pPr lvl="4"/>
             <a:r>
-              <a:rPr lang="en-US" smtClean="0"/>
+              <a:rPr lang="en-US"/>
               <a:t>Fifth level</a:t>
             </a:r>
-            <a:endParaRPr lang="en-US"/>
           </a:p>
         </p:txBody>
       </p:sp>
@@ -1656,7 +1659,7 @@
           <a:p>
             <a:pPr lvl="0"/>
             <a:r>
-              <a:rPr lang="en-US" smtClean="0"/>
+              <a:rPr lang="en-US"/>
               <a:t>Click to edit Master text styles</a:t>
             </a:r>
           </a:p>
@@ -1712,38 +1715,37 @@
           <a:p>
             <a:pPr lvl="0"/>
             <a:r>
-              <a:rPr lang="en-US" smtClean="0"/>
+              <a:rPr lang="en-US"/>
               <a:t>Click to edit Master text styles</a:t>
             </a:r>
           </a:p>
           <a:p>
             <a:pPr lvl="1"/>
             <a:r>
-              <a:rPr lang="en-US" smtClean="0"/>
+              <a:rPr lang="en-US"/>
               <a:t>Second level</a:t>
             </a:r>
           </a:p>
           <a:p>
             <a:pPr lvl="2"/>
             <a:r>
-              <a:rPr lang="en-US" smtClean="0"/>
+              <a:rPr lang="en-US"/>
               <a:t>Third level</a:t>
             </a:r>
           </a:p>
           <a:p>
             <a:pPr lvl="3"/>
             <a:r>
-              <a:rPr lang="en-US" smtClean="0"/>
+              <a:rPr lang="en-US"/>
               <a:t>Fourth level</a:t>
             </a:r>
           </a:p>
           <a:p>
             <a:pPr lvl="4"/>
             <a:r>
-              <a:rPr lang="en-US" smtClean="0"/>
+              <a:rPr lang="en-US"/>
               <a:t>Fifth level</a:t>
             </a:r>
-            <a:endParaRPr lang="en-US"/>
           </a:p>
         </p:txBody>
       </p:sp>
@@ -1764,7 +1766,7 @@
           <a:p>
             <a:fld id="{C4F534F7-F5CD-427C-B85F-C3A991DE7E1B}" type="datetimeFigureOut">
               <a:rPr lang="en-US" smtClean="0"/>
-              <a:t>12/20/2018</a:t>
+              <a:t>12/20/18</a:t>
             </a:fld>
             <a:endParaRPr lang="en-US"/>
           </a:p>
@@ -1858,10 +1860,9 @@
           <a:lstStyle/>
           <a:p>
             <a:r>
-              <a:rPr lang="en-US" smtClean="0"/>
+              <a:rPr lang="en-US"/>
               <a:t>Click to edit Master title style</a:t>
             </a:r>
-            <a:endParaRPr lang="en-US"/>
           </a:p>
         </p:txBody>
       </p:sp>
@@ -1882,7 +1883,7 @@
           <a:p>
             <a:fld id="{C4F534F7-F5CD-427C-B85F-C3A991DE7E1B}" type="datetimeFigureOut">
               <a:rPr lang="en-US" smtClean="0"/>
-              <a:t>12/20/2018</a:t>
+              <a:t>12/20/18</a:t>
             </a:fld>
             <a:endParaRPr lang="en-US"/>
           </a:p>
@@ -1977,7 +1978,7 @@
           <a:p>
             <a:fld id="{C4F534F7-F5CD-427C-B85F-C3A991DE7E1B}" type="datetimeFigureOut">
               <a:rPr lang="en-US" smtClean="0"/>
-              <a:t>12/20/2018</a:t>
+              <a:t>12/20/18</a:t>
             </a:fld>
             <a:endParaRPr lang="en-US"/>
           </a:p>
@@ -2080,10 +2081,9 @@
           </a:lstStyle>
           <a:p>
             <a:r>
-              <a:rPr lang="en-US" smtClean="0"/>
+              <a:rPr lang="en-US"/>
               <a:t>Click to edit Master title style</a:t>
             </a:r>
-            <a:endParaRPr lang="en-US"/>
           </a:p>
         </p:txBody>
       </p:sp>
@@ -2137,38 +2137,37 @@
           <a:p>
             <a:pPr lvl="0"/>
             <a:r>
-              <a:rPr lang="en-US" smtClean="0"/>
+              <a:rPr lang="en-US"/>
               <a:t>Click to edit Master text styles</a:t>
             </a:r>
           </a:p>
           <a:p>
             <a:pPr lvl="1"/>
             <a:r>
-              <a:rPr lang="en-US" smtClean="0"/>
+              <a:rPr lang="en-US"/>
               <a:t>Second level</a:t>
             </a:r>
           </a:p>
           <a:p>
             <a:pPr lvl="2"/>
             <a:r>
-              <a:rPr lang="en-US" smtClean="0"/>
+              <a:rPr lang="en-US"/>
               <a:t>Third level</a:t>
             </a:r>
           </a:p>
           <a:p>
             <a:pPr lvl="3"/>
             <a:r>
-              <a:rPr lang="en-US" smtClean="0"/>
+              <a:rPr lang="en-US"/>
               <a:t>Fourth level</a:t>
             </a:r>
           </a:p>
           <a:p>
             <a:pPr lvl="4"/>
             <a:r>
-              <a:rPr lang="en-US" smtClean="0"/>
+              <a:rPr lang="en-US"/>
               <a:t>Fifth level</a:t>
             </a:r>
-            <a:endParaRPr lang="en-US"/>
           </a:p>
         </p:txBody>
       </p:sp>
@@ -2231,7 +2230,7 @@
           <a:p>
             <a:pPr lvl="0"/>
             <a:r>
-              <a:rPr lang="en-US" smtClean="0"/>
+              <a:rPr lang="en-US"/>
               <a:t>Click to edit Master text styles</a:t>
             </a:r>
           </a:p>
@@ -2254,7 +2253,7 @@
           <a:p>
             <a:fld id="{C4F534F7-F5CD-427C-B85F-C3A991DE7E1B}" type="datetimeFigureOut">
               <a:rPr lang="en-US" smtClean="0"/>
-              <a:t>12/20/2018</a:t>
+              <a:t>12/20/18</a:t>
             </a:fld>
             <a:endParaRPr lang="en-US"/>
           </a:p>
@@ -2357,10 +2356,9 @@
           </a:lstStyle>
           <a:p>
             <a:r>
-              <a:rPr lang="en-US" smtClean="0"/>
+              <a:rPr lang="en-US"/>
               <a:t>Click to edit Master title style</a:t>
             </a:r>
-            <a:endParaRPr lang="en-US"/>
           </a:p>
         </p:txBody>
       </p:sp>
@@ -2484,7 +2482,7 @@
           <a:p>
             <a:pPr lvl="0"/>
             <a:r>
-              <a:rPr lang="en-US" smtClean="0"/>
+              <a:rPr lang="en-US"/>
               <a:t>Click to edit Master text styles</a:t>
             </a:r>
           </a:p>
@@ -2507,7 +2505,7 @@
           <a:p>
             <a:fld id="{C4F534F7-F5CD-427C-B85F-C3A991DE7E1B}" type="datetimeFigureOut">
               <a:rPr lang="en-US" smtClean="0"/>
-              <a:t>12/20/2018</a:t>
+              <a:t>12/20/18</a:t>
             </a:fld>
             <a:endParaRPr lang="en-US"/>
           </a:p>
@@ -2616,10 +2614,9 @@
           <a:lstStyle/>
           <a:p>
             <a:r>
-              <a:rPr lang="en-US" smtClean="0"/>
+              <a:rPr lang="en-US"/>
               <a:t>Click to edit Master title style</a:t>
             </a:r>
-            <a:endParaRPr lang="en-US"/>
           </a:p>
         </p:txBody>
       </p:sp>
@@ -2650,38 +2647,37 @@
           <a:p>
             <a:pPr lvl="0"/>
             <a:r>
-              <a:rPr lang="en-US" smtClean="0"/>
+              <a:rPr lang="en-US"/>
               <a:t>Click to edit Master text styles</a:t>
             </a:r>
           </a:p>
           <a:p>
             <a:pPr lvl="1"/>
             <a:r>
-              <a:rPr lang="en-US" smtClean="0"/>
+              <a:rPr lang="en-US"/>
               <a:t>Second level</a:t>
             </a:r>
           </a:p>
           <a:p>
             <a:pPr lvl="2"/>
             <a:r>
-              <a:rPr lang="en-US" smtClean="0"/>
+              <a:rPr lang="en-US"/>
               <a:t>Third level</a:t>
             </a:r>
           </a:p>
           <a:p>
             <a:pPr lvl="3"/>
             <a:r>
-              <a:rPr lang="en-US" smtClean="0"/>
+              <a:rPr lang="en-US"/>
               <a:t>Fourth level</a:t>
             </a:r>
           </a:p>
           <a:p>
             <a:pPr lvl="4"/>
             <a:r>
-              <a:rPr lang="en-US" smtClean="0"/>
+              <a:rPr lang="en-US"/>
               <a:t>Fifth level</a:t>
             </a:r>
-            <a:endParaRPr lang="en-US"/>
           </a:p>
         </p:txBody>
       </p:sp>
@@ -2720,7 +2716,7 @@
           <a:p>
             <a:fld id="{C4F534F7-F5CD-427C-B85F-C3A991DE7E1B}" type="datetimeFigureOut">
               <a:rPr lang="en-US" smtClean="0"/>
-              <a:t>12/20/2018</a:t>
+              <a:t>12/20/18</a:t>
             </a:fld>
             <a:endParaRPr lang="en-US"/>
           </a:p>
@@ -3100,7 +3096,7 @@
           <p:cNvPr id="76" name="Rectangle 75">
             <a:extLst>
               <a:ext uri="{FF2B5EF4-FFF2-40B4-BE49-F238E27FC236}">
-                <a16:creationId xmlns:a16="http://schemas.microsoft.com/office/drawing/2014/main" xmlns="" id="{0E34ED88-2F29-5C4A-8401-A5B7542BBB84}"/>
+                <a16:creationId xmlns:a16="http://schemas.microsoft.com/office/drawing/2014/main" id="{0E34ED88-2F29-5C4A-8401-A5B7542BBB84}"/>
               </a:ext>
             </a:extLst>
           </p:cNvPr>
@@ -3109,7 +3105,7 @@
         </p:nvSpPr>
         <p:spPr>
           <a:xfrm>
-            <a:off x="615378" y="5101677"/>
+            <a:off x="642200" y="5030452"/>
             <a:ext cx="8383217" cy="1397527"/>
           </a:xfrm>
           <a:prstGeom prst="rect">
@@ -3175,7 +3171,7 @@
           <p:cNvPr id="77" name="Rectangle 76">
             <a:extLst>
               <a:ext uri="{FF2B5EF4-FFF2-40B4-BE49-F238E27FC236}">
-                <a16:creationId xmlns:a16="http://schemas.microsoft.com/office/drawing/2014/main" xmlns="" id="{B126887C-2B1F-534A-9595-8146A6BFEF51}"/>
+                <a16:creationId xmlns:a16="http://schemas.microsoft.com/office/drawing/2014/main" id="{B126887C-2B1F-534A-9595-8146A6BFEF51}"/>
               </a:ext>
             </a:extLst>
           </p:cNvPr>
@@ -3184,16 +3180,16 @@
         </p:nvSpPr>
         <p:spPr>
           <a:xfrm>
-            <a:off x="1940343" y="1542518"/>
+            <a:off x="1967165" y="1471293"/>
             <a:ext cx="5865878" cy="2985346"/>
           </a:xfrm>
           <a:prstGeom prst="rect">
             <a:avLst/>
           </a:prstGeom>
           <a:solidFill>
-            <a:sysClr val="window" lastClr="FFFFFF">
-              <a:lumMod val="95000"/>
-            </a:sysClr>
+            <a:schemeClr val="bg2">
+              <a:lumMod val="75000"/>
+            </a:schemeClr>
           </a:solidFill>
           <a:ln w="34925" cap="flat" cmpd="sng" algn="ctr">
             <a:solidFill>
@@ -3250,7 +3246,7 @@
           <p:cNvPr id="78" name="Rectangle 77">
             <a:extLst>
               <a:ext uri="{FF2B5EF4-FFF2-40B4-BE49-F238E27FC236}">
-                <a16:creationId xmlns:a16="http://schemas.microsoft.com/office/drawing/2014/main" xmlns="" id="{22719A5A-3253-9D4D-B2CF-32CD84CEF205}"/>
+                <a16:creationId xmlns:a16="http://schemas.microsoft.com/office/drawing/2014/main" id="{22719A5A-3253-9D4D-B2CF-32CD84CEF205}"/>
               </a:ext>
             </a:extLst>
           </p:cNvPr>
@@ -3259,7 +3255,7 @@
         </p:nvSpPr>
         <p:spPr>
           <a:xfrm>
-            <a:off x="645301" y="2371037"/>
+            <a:off x="672123" y="2299812"/>
             <a:ext cx="1120391" cy="582427"/>
           </a:xfrm>
           <a:prstGeom prst="rect">
@@ -3302,7 +3298,7 @@
               <a:defRPr/>
             </a:pPr>
             <a:r>
-              <a:rPr kumimoji="0" lang="en-US" sz="1800" b="0" i="0" u="none" strike="noStrike" kern="0" cap="none" spc="0" normalizeH="0" baseline="0" noProof="0" dirty="0">
+              <a:rPr kumimoji="0" lang="en-US" sz="1800" i="0" u="none" strike="noStrike" kern="0" cap="none" spc="0" normalizeH="0" baseline="0" noProof="0" dirty="0">
                 <a:ln>
                   <a:noFill/>
                 </a:ln>
@@ -3338,7 +3334,7 @@
               <a:defRPr/>
             </a:pPr>
             <a:r>
-              <a:rPr kumimoji="0" lang="en-US" sz="1800" b="0" i="0" u="none" strike="noStrike" kern="0" cap="none" spc="0" normalizeH="0" baseline="0" noProof="0" dirty="0">
+              <a:rPr kumimoji="0" lang="en-US" sz="1800" i="0" u="none" strike="noStrike" kern="0" cap="none" spc="0" normalizeH="0" baseline="0" noProof="0" dirty="0">
                 <a:ln>
                   <a:noFill/>
                 </a:ln>
@@ -3362,7 +3358,7 @@
           <p:cNvPr id="79" name="Rectangle 78">
             <a:extLst>
               <a:ext uri="{FF2B5EF4-FFF2-40B4-BE49-F238E27FC236}">
-                <a16:creationId xmlns:a16="http://schemas.microsoft.com/office/drawing/2014/main" xmlns="" id="{D72404A3-DBC3-144F-BD5D-CE7DEA00A220}"/>
+                <a16:creationId xmlns:a16="http://schemas.microsoft.com/office/drawing/2014/main" id="{D72404A3-DBC3-144F-BD5D-CE7DEA00A220}"/>
               </a:ext>
             </a:extLst>
           </p:cNvPr>
@@ -3371,7 +3367,7 @@
         </p:nvSpPr>
         <p:spPr>
           <a:xfrm>
-            <a:off x="7980871" y="2371036"/>
+            <a:off x="8007693" y="2299811"/>
             <a:ext cx="1120391" cy="582427"/>
           </a:xfrm>
           <a:prstGeom prst="rect">
@@ -3414,7 +3410,7 @@
               <a:defRPr/>
             </a:pPr>
             <a:r>
-              <a:rPr kumimoji="0" lang="en-US" sz="1800" b="0" i="0" u="none" strike="noStrike" kern="0" cap="none" spc="0" normalizeH="0" baseline="0" noProof="0" dirty="0">
+              <a:rPr kumimoji="0" lang="en-US" sz="1800" i="0" u="none" strike="noStrike" kern="0" cap="none" spc="0" normalizeH="0" baseline="0" noProof="0" dirty="0">
                 <a:ln>
                   <a:noFill/>
                 </a:ln>
@@ -3450,7 +3446,7 @@
               <a:defRPr/>
             </a:pPr>
             <a:r>
-              <a:rPr kumimoji="0" lang="en-US" sz="1800" b="0" i="0" u="none" strike="noStrike" kern="0" cap="none" spc="0" normalizeH="0" baseline="0" noProof="0" dirty="0">
+              <a:rPr kumimoji="0" lang="en-US" sz="1800" i="0" u="none" strike="noStrike" kern="0" cap="none" spc="0" normalizeH="0" baseline="0" noProof="0" dirty="0">
                 <a:ln>
                   <a:noFill/>
                 </a:ln>
@@ -3474,7 +3470,7 @@
           <p:cNvPr id="80" name="Rectangle 79">
             <a:extLst>
               <a:ext uri="{FF2B5EF4-FFF2-40B4-BE49-F238E27FC236}">
-                <a16:creationId xmlns:a16="http://schemas.microsoft.com/office/drawing/2014/main" xmlns="" id="{890AD21C-71E3-F642-A48D-C334EC0B1863}"/>
+                <a16:creationId xmlns:a16="http://schemas.microsoft.com/office/drawing/2014/main" id="{890AD21C-71E3-F642-A48D-C334EC0B1863}"/>
               </a:ext>
             </a:extLst>
           </p:cNvPr>
@@ -3483,7 +3479,7 @@
         </p:nvSpPr>
         <p:spPr>
           <a:xfrm rot="17681335">
-            <a:off x="603082" y="1024582"/>
+            <a:off x="629904" y="953357"/>
             <a:ext cx="2181375" cy="287363"/>
           </a:xfrm>
           <a:prstGeom prst="rect">
@@ -3526,7 +3522,7 @@
               <a:defRPr/>
             </a:pPr>
             <a:r>
-              <a:rPr kumimoji="0" lang="en-US" sz="1800" b="0" i="0" u="none" strike="noStrike" kern="0" cap="none" spc="0" normalizeH="0" baseline="0" noProof="0" dirty="0">
+              <a:rPr kumimoji="0" lang="en-US" sz="1800" i="0" u="none" strike="noStrike" kern="0" cap="none" spc="0" normalizeH="0" baseline="0" noProof="0" dirty="0">
                 <a:ln>
                   <a:noFill/>
                 </a:ln>
@@ -3550,7 +3546,7 @@
           <p:cNvPr id="81" name="Rectangle 80">
             <a:extLst>
               <a:ext uri="{FF2B5EF4-FFF2-40B4-BE49-F238E27FC236}">
-                <a16:creationId xmlns:a16="http://schemas.microsoft.com/office/drawing/2014/main" xmlns="" id="{4AA5C52C-5A08-F148-935A-F9E796346515}"/>
+                <a16:creationId xmlns:a16="http://schemas.microsoft.com/office/drawing/2014/main" id="{4AA5C52C-5A08-F148-935A-F9E796346515}"/>
               </a:ext>
             </a:extLst>
           </p:cNvPr>
@@ -3559,7 +3555,7 @@
         </p:nvSpPr>
         <p:spPr>
           <a:xfrm rot="261970">
-            <a:off x="3040341" y="3503537"/>
+            <a:off x="3067163" y="3432312"/>
             <a:ext cx="1294486" cy="291845"/>
           </a:xfrm>
           <a:prstGeom prst="rect">
@@ -3626,7 +3622,7 @@
           <p:cNvPr id="82" name="Group 81">
             <a:extLst>
               <a:ext uri="{FF2B5EF4-FFF2-40B4-BE49-F238E27FC236}">
-                <a16:creationId xmlns:a16="http://schemas.microsoft.com/office/drawing/2014/main" xmlns="" id="{3BCB957B-8DEA-1A4E-972C-A5805B9C22B1}"/>
+                <a16:creationId xmlns:a16="http://schemas.microsoft.com/office/drawing/2014/main" id="{3BCB957B-8DEA-1A4E-972C-A5805B9C22B1}"/>
               </a:ext>
             </a:extLst>
           </p:cNvPr>
@@ -3635,7 +3631,7 @@
         </p:nvGrpSpPr>
         <p:grpSpPr>
           <a:xfrm rot="3269915">
-            <a:off x="4121755" y="2328389"/>
+            <a:off x="4148577" y="2257164"/>
             <a:ext cx="2019910" cy="1036869"/>
             <a:chOff x="5437021" y="2056061"/>
             <a:chExt cx="2019910" cy="1036869"/>
@@ -3646,7 +3642,7 @@
             <p:cNvPr id="83" name="Rectangle 82">
               <a:extLst>
                 <a:ext uri="{FF2B5EF4-FFF2-40B4-BE49-F238E27FC236}">
-                  <a16:creationId xmlns:a16="http://schemas.microsoft.com/office/drawing/2014/main" xmlns="" id="{9ECADDBC-80A9-B042-B0CD-BBD7DF4A58D1}"/>
+                  <a16:creationId xmlns:a16="http://schemas.microsoft.com/office/drawing/2014/main" id="{9ECADDBC-80A9-B042-B0CD-BBD7DF4A58D1}"/>
                 </a:ext>
               </a:extLst>
             </p:cNvPr>
@@ -3719,7 +3715,7 @@
             <p:cNvPr id="84" name="Rectangle 83">
               <a:extLst>
                 <a:ext uri="{FF2B5EF4-FFF2-40B4-BE49-F238E27FC236}">
-                  <a16:creationId xmlns:a16="http://schemas.microsoft.com/office/drawing/2014/main" xmlns="" id="{98CD55E0-74BE-1A41-B122-A0F3FA2CEF0E}"/>
+                  <a16:creationId xmlns:a16="http://schemas.microsoft.com/office/drawing/2014/main" id="{98CD55E0-74BE-1A41-B122-A0F3FA2CEF0E}"/>
                 </a:ext>
               </a:extLst>
             </p:cNvPr>
@@ -3792,7 +3788,7 @@
             <p:cNvPr id="85" name="Rectangle 84">
               <a:extLst>
                 <a:ext uri="{FF2B5EF4-FFF2-40B4-BE49-F238E27FC236}">
-                  <a16:creationId xmlns:a16="http://schemas.microsoft.com/office/drawing/2014/main" xmlns="" id="{7559C87F-5282-B34D-B22C-73DB21BDC6A4}"/>
+                  <a16:creationId xmlns:a16="http://schemas.microsoft.com/office/drawing/2014/main" id="{7559C87F-5282-B34D-B22C-73DB21BDC6A4}"/>
                 </a:ext>
               </a:extLst>
             </p:cNvPr>
@@ -3861,7 +3857,7 @@
           <p:cNvPr id="86" name="Rectangle 85">
             <a:extLst>
               <a:ext uri="{FF2B5EF4-FFF2-40B4-BE49-F238E27FC236}">
-                <a16:creationId xmlns:a16="http://schemas.microsoft.com/office/drawing/2014/main" xmlns="" id="{8EE46952-19B6-484B-9EF1-62E137E03645}"/>
+                <a16:creationId xmlns:a16="http://schemas.microsoft.com/office/drawing/2014/main" id="{8EE46952-19B6-484B-9EF1-62E137E03645}"/>
               </a:ext>
             </a:extLst>
           </p:cNvPr>
@@ -3870,7 +3866,7 @@
         </p:nvSpPr>
         <p:spPr>
           <a:xfrm>
-            <a:off x="6388522" y="2128505"/>
+            <a:off x="6415344" y="2057280"/>
             <a:ext cx="845821" cy="824959"/>
           </a:xfrm>
           <a:prstGeom prst="rect">
@@ -3909,23 +3905,6 @@
               <a:tabLst/>
               <a:defRPr/>
             </a:pPr>
-            <a:r>
-              <a:rPr kumimoji="0" lang="en-US" sz="1800" b="0" i="0" u="none" strike="noStrike" kern="0" cap="none" spc="0" normalizeH="0" baseline="0" noProof="0" dirty="0" err="1">
-                <a:ln>
-                  <a:noFill/>
-                </a:ln>
-                <a:solidFill>
-                  <a:prstClr val="black"/>
-                </a:solidFill>
-                <a:effectLst/>
-                <a:uLnTx/>
-                <a:uFillTx/>
-                <a:latin typeface="Calibri" panose="020F0502020204030204"/>
-                <a:ea typeface="+mn-ea"/>
-                <a:cs typeface="+mn-cs"/>
-              </a:rPr>
-              <a:t>cADR</a:t>
-            </a:r>
             <a:r>
               <a:rPr kumimoji="0" lang="en-US" sz="1800" b="0" i="0" u="none" strike="noStrike" kern="0" cap="none" spc="0" normalizeH="0" baseline="0" noProof="0" dirty="0">
                 <a:ln>
@@ -3941,7 +3920,7 @@
                 <a:ea typeface="+mn-ea"/>
                 <a:cs typeface="+mn-cs"/>
               </a:rPr>
-              <a:t> Cold Heads</a:t>
+              <a:t>cADR Cold Heads</a:t>
             </a:r>
           </a:p>
         </p:txBody>
@@ -3951,7 +3930,7 @@
           <p:cNvPr id="87" name="Rectangle 86">
             <a:extLst>
               <a:ext uri="{FF2B5EF4-FFF2-40B4-BE49-F238E27FC236}">
-                <a16:creationId xmlns:a16="http://schemas.microsoft.com/office/drawing/2014/main" xmlns="" id="{CFDF541D-29B0-E746-9928-FF2AD23A375C}"/>
+                <a16:creationId xmlns:a16="http://schemas.microsoft.com/office/drawing/2014/main" id="{CFDF541D-29B0-E746-9928-FF2AD23A375C}"/>
               </a:ext>
             </a:extLst>
           </p:cNvPr>
@@ -3960,7 +3939,7 @@
         </p:nvSpPr>
         <p:spPr>
           <a:xfrm>
-            <a:off x="6388522" y="3140090"/>
+            <a:off x="6415344" y="3068865"/>
             <a:ext cx="845821" cy="824959"/>
           </a:xfrm>
           <a:prstGeom prst="rect">
@@ -4024,7 +4003,7 @@
           <p:cNvPr id="88" name="Rectangle 87">
             <a:extLst>
               <a:ext uri="{FF2B5EF4-FFF2-40B4-BE49-F238E27FC236}">
-                <a16:creationId xmlns:a16="http://schemas.microsoft.com/office/drawing/2014/main" xmlns="" id="{E62E4D15-9589-4C42-B6D8-14DC5A62D2E7}"/>
+                <a16:creationId xmlns:a16="http://schemas.microsoft.com/office/drawing/2014/main" id="{E62E4D15-9589-4C42-B6D8-14DC5A62D2E7}"/>
               </a:ext>
             </a:extLst>
           </p:cNvPr>
@@ -4033,7 +4012,7 @@
         </p:nvSpPr>
         <p:spPr>
           <a:xfrm>
-            <a:off x="859961" y="5559975"/>
+            <a:off x="886783" y="5488750"/>
             <a:ext cx="1845650" cy="591418"/>
           </a:xfrm>
           <a:prstGeom prst="rect">
@@ -4095,7 +4074,7 @@
           <p:cNvPr id="89" name="Rectangle 88">
             <a:extLst>
               <a:ext uri="{FF2B5EF4-FFF2-40B4-BE49-F238E27FC236}">
-                <a16:creationId xmlns:a16="http://schemas.microsoft.com/office/drawing/2014/main" xmlns="" id="{2853F098-83B5-BA4B-B909-7D0D84221A7D}"/>
+                <a16:creationId xmlns:a16="http://schemas.microsoft.com/office/drawing/2014/main" id="{2853F098-83B5-BA4B-B909-7D0D84221A7D}"/>
               </a:ext>
             </a:extLst>
           </p:cNvPr>
@@ -4104,7 +4083,7 @@
         </p:nvSpPr>
         <p:spPr>
           <a:xfrm>
-            <a:off x="2986026" y="5571426"/>
+            <a:off x="3012848" y="5500201"/>
             <a:ext cx="1402233" cy="575197"/>
           </a:xfrm>
           <a:prstGeom prst="rect">
@@ -4142,7 +4121,7 @@
               <a:defRPr/>
             </a:pPr>
             <a:r>
-              <a:rPr kumimoji="0" lang="en-US" sz="1800" b="0" i="0" u="none" strike="noStrike" kern="0" cap="none" spc="0" normalizeH="0" baseline="0" noProof="0" dirty="0" err="1">
+              <a:rPr kumimoji="0" lang="en-US" sz="1800" b="0" i="0" u="none" strike="noStrike" kern="0" cap="none" spc="0" normalizeH="0" baseline="0" noProof="0" dirty="0">
                 <a:ln>
                   <a:noFill/>
                 </a:ln>
@@ -4158,20 +4137,6 @@
               </a:rPr>
               <a:t>cADR</a:t>
             </a:r>
-            <a:endParaRPr kumimoji="0" lang="en-US" sz="1800" b="0" i="0" u="none" strike="noStrike" kern="0" cap="none" spc="0" normalizeH="0" baseline="0" noProof="0" dirty="0">
-              <a:ln>
-                <a:noFill/>
-              </a:ln>
-              <a:solidFill>
-                <a:prstClr val="black"/>
-              </a:solidFill>
-              <a:effectLst/>
-              <a:uLnTx/>
-              <a:uFillTx/>
-              <a:latin typeface="Calibri" panose="020F0502020204030204"/>
-              <a:ea typeface="+mn-ea"/>
-              <a:cs typeface="+mn-cs"/>
-            </a:endParaRPr>
           </a:p>
           <a:p>
             <a:pPr marL="0" marR="0" lvl="0" indent="0" algn="ctr" defTabSz="914322" eaLnBrk="1" fontAlgn="auto" latinLnBrk="0" hangingPunct="1">
@@ -4216,7 +4181,7 @@
           <p:cNvPr id="90" name="Rectangle 89">
             <a:extLst>
               <a:ext uri="{FF2B5EF4-FFF2-40B4-BE49-F238E27FC236}">
-                <a16:creationId xmlns:a16="http://schemas.microsoft.com/office/drawing/2014/main" xmlns="" id="{B0281A0D-04C7-0D44-9D91-65319090D3CC}"/>
+                <a16:creationId xmlns:a16="http://schemas.microsoft.com/office/drawing/2014/main" id="{B0281A0D-04C7-0D44-9D91-65319090D3CC}"/>
               </a:ext>
             </a:extLst>
           </p:cNvPr>
@@ -4225,7 +4190,7 @@
         </p:nvSpPr>
         <p:spPr>
           <a:xfrm>
-            <a:off x="5029592" y="5570005"/>
+            <a:off x="5056414" y="5498780"/>
             <a:ext cx="1402233" cy="575197"/>
           </a:xfrm>
           <a:prstGeom prst="rect">
@@ -4287,7 +4252,7 @@
           <p:cNvPr id="91" name="Rectangle 90">
             <a:extLst>
               <a:ext uri="{FF2B5EF4-FFF2-40B4-BE49-F238E27FC236}">
-                <a16:creationId xmlns:a16="http://schemas.microsoft.com/office/drawing/2014/main" xmlns="" id="{381BC572-655B-6E40-96E5-D533E0D98171}"/>
+                <a16:creationId xmlns:a16="http://schemas.microsoft.com/office/drawing/2014/main" id="{381BC572-655B-6E40-96E5-D533E0D98171}"/>
               </a:ext>
             </a:extLst>
           </p:cNvPr>
@@ -4296,7 +4261,7 @@
         </p:nvSpPr>
         <p:spPr>
           <a:xfrm>
-            <a:off x="7073159" y="5559978"/>
+            <a:off x="7099981" y="5488753"/>
             <a:ext cx="1402233" cy="575197"/>
           </a:xfrm>
           <a:prstGeom prst="rect">
@@ -4358,7 +4323,7 @@
           <p:cNvPr id="92" name="Rectangle 91">
             <a:extLst>
               <a:ext uri="{FF2B5EF4-FFF2-40B4-BE49-F238E27FC236}">
-                <a16:creationId xmlns:a16="http://schemas.microsoft.com/office/drawing/2014/main" xmlns="" id="{E504DDFF-11ED-2643-9845-216E0567BD30}"/>
+                <a16:creationId xmlns:a16="http://schemas.microsoft.com/office/drawing/2014/main" id="{E504DDFF-11ED-2643-9845-216E0567BD30}"/>
               </a:ext>
             </a:extLst>
           </p:cNvPr>
@@ -4367,7 +4332,7 @@
         </p:nvSpPr>
         <p:spPr>
           <a:xfrm>
-            <a:off x="30162" y="4670482"/>
+            <a:off x="56984" y="4599257"/>
             <a:ext cx="9421978" cy="291845"/>
           </a:xfrm>
           <a:prstGeom prst="rect">
@@ -4434,7 +4399,7 @@
           <p:cNvPr id="93" name="Rectangle 92">
             <a:extLst>
               <a:ext uri="{FF2B5EF4-FFF2-40B4-BE49-F238E27FC236}">
-                <a16:creationId xmlns:a16="http://schemas.microsoft.com/office/drawing/2014/main" xmlns="" id="{2B3C5A34-6B37-604F-BB07-E253D3C45347}"/>
+                <a16:creationId xmlns:a16="http://schemas.microsoft.com/office/drawing/2014/main" id="{2B3C5A34-6B37-604F-BB07-E253D3C45347}"/>
               </a:ext>
             </a:extLst>
           </p:cNvPr>
@@ -4443,7 +4408,7 @@
         </p:nvSpPr>
         <p:spPr>
           <a:xfrm>
-            <a:off x="615378" y="6638615"/>
+            <a:off x="642200" y="6567390"/>
             <a:ext cx="8383217" cy="291845"/>
           </a:xfrm>
           <a:prstGeom prst="rect">
@@ -4499,41 +4464,7 @@
                 <a:ea typeface="+mn-ea"/>
                 <a:cs typeface="+mn-cs"/>
               </a:rPr>
-              <a:t>Spacecraft </a:t>
-            </a:r>
-            <a:r>
-              <a:rPr kumimoji="0" lang="en-US" sz="1800" b="0" i="0" u="none" strike="noStrike" kern="0" cap="none" spc="0" normalizeH="0" baseline="0" noProof="0" dirty="0" err="1">
-                <a:ln>
-                  <a:noFill/>
-                </a:ln>
-                <a:solidFill>
-                  <a:prstClr val="black"/>
-                </a:solidFill>
-                <a:effectLst/>
-                <a:uLnTx/>
-                <a:uFillTx/>
-                <a:latin typeface="Calibri" panose="020F0502020204030204"/>
-                <a:ea typeface="+mn-ea"/>
-                <a:cs typeface="+mn-cs"/>
-              </a:rPr>
-              <a:t>Despun</a:t>
-            </a:r>
-            <a:r>
-              <a:rPr kumimoji="0" lang="en-US" sz="1800" b="0" i="0" u="none" strike="noStrike" kern="0" cap="none" spc="0" normalizeH="0" baseline="0" noProof="0" dirty="0">
-                <a:ln>
-                  <a:noFill/>
-                </a:ln>
-                <a:solidFill>
-                  <a:prstClr val="black"/>
-                </a:solidFill>
-                <a:effectLst/>
-                <a:uLnTx/>
-                <a:uFillTx/>
-                <a:latin typeface="Calibri" panose="020F0502020204030204"/>
-                <a:ea typeface="+mn-ea"/>
-                <a:cs typeface="+mn-cs"/>
-              </a:rPr>
-              <a:t> Module</a:t>
+              <a:t>Spacecraft Despun Module</a:t>
             </a:r>
           </a:p>
         </p:txBody>
@@ -4543,7 +4474,7 @@
           <p:cNvPr id="94" name="Rectangle 93">
             <a:extLst>
               <a:ext uri="{FF2B5EF4-FFF2-40B4-BE49-F238E27FC236}">
-                <a16:creationId xmlns:a16="http://schemas.microsoft.com/office/drawing/2014/main" xmlns="" id="{8EA61550-55D6-2E45-B430-5066BF0A5F95}"/>
+                <a16:creationId xmlns:a16="http://schemas.microsoft.com/office/drawing/2014/main" id="{8EA61550-55D6-2E45-B430-5066BF0A5F95}"/>
               </a:ext>
             </a:extLst>
           </p:cNvPr>
@@ -4552,7 +4483,7 @@
         </p:nvSpPr>
         <p:spPr>
           <a:xfrm>
-            <a:off x="2049159" y="1657038"/>
+            <a:off x="2075981" y="1585813"/>
             <a:ext cx="5640020" cy="2511638"/>
           </a:xfrm>
           <a:prstGeom prst="rect">
@@ -4611,7 +4542,7 @@
           <p:cNvPr id="95" name="Rectangle 94">
             <a:extLst>
               <a:ext uri="{FF2B5EF4-FFF2-40B4-BE49-F238E27FC236}">
-                <a16:creationId xmlns:a16="http://schemas.microsoft.com/office/drawing/2014/main" xmlns="" id="{862AD9E8-AA9B-204F-B973-9AD63D324FB6}"/>
+                <a16:creationId xmlns:a16="http://schemas.microsoft.com/office/drawing/2014/main" id="{862AD9E8-AA9B-204F-B973-9AD63D324FB6}"/>
               </a:ext>
             </a:extLst>
           </p:cNvPr>
@@ -4620,7 +4551,7 @@
         </p:nvSpPr>
         <p:spPr>
           <a:xfrm rot="20231048">
-            <a:off x="1804960" y="1291682"/>
+            <a:off x="1831782" y="1220457"/>
             <a:ext cx="1505086" cy="832941"/>
           </a:xfrm>
           <a:prstGeom prst="rect">
@@ -4679,7 +4610,7 @@
           <p:cNvPr id="96" name="Straight Connector 95">
             <a:extLst>
               <a:ext uri="{FF2B5EF4-FFF2-40B4-BE49-F238E27FC236}">
-                <a16:creationId xmlns:a16="http://schemas.microsoft.com/office/drawing/2014/main" xmlns="" id="{AFFEBB43-3329-0746-B65A-AADD0AE32E68}"/>
+                <a16:creationId xmlns:a16="http://schemas.microsoft.com/office/drawing/2014/main" id="{AFFEBB43-3329-0746-B65A-AADD0AE32E68}"/>
               </a:ext>
             </a:extLst>
           </p:cNvPr>
@@ -4691,7 +4622,7 @@
         </p:nvCxnSpPr>
         <p:spPr>
           <a:xfrm flipH="1">
-            <a:off x="701702" y="2953464"/>
+            <a:off x="728524" y="2882239"/>
             <a:ext cx="503794" cy="2148213"/>
           </a:xfrm>
           <a:prstGeom prst="line">
@@ -4713,7 +4644,7 @@
           <p:cNvPr id="97" name="Straight Connector 96">
             <a:extLst>
               <a:ext uri="{FF2B5EF4-FFF2-40B4-BE49-F238E27FC236}">
-                <a16:creationId xmlns:a16="http://schemas.microsoft.com/office/drawing/2014/main" xmlns="" id="{E4175E1B-B1FD-1A49-ACAF-CFBB2DDB0E3A}"/>
+                <a16:creationId xmlns:a16="http://schemas.microsoft.com/office/drawing/2014/main" id="{E4175E1B-B1FD-1A49-ACAF-CFBB2DDB0E3A}"/>
               </a:ext>
             </a:extLst>
           </p:cNvPr>
@@ -4725,7 +4656,7 @@
         </p:nvCxnSpPr>
         <p:spPr>
           <a:xfrm>
-            <a:off x="1205496" y="2953464"/>
+            <a:off x="1232318" y="2882239"/>
             <a:ext cx="347894" cy="2148213"/>
           </a:xfrm>
           <a:prstGeom prst="line">
@@ -4747,7 +4678,7 @@
           <p:cNvPr id="98" name="Straight Connector 97">
             <a:extLst>
               <a:ext uri="{FF2B5EF4-FFF2-40B4-BE49-F238E27FC236}">
-                <a16:creationId xmlns:a16="http://schemas.microsoft.com/office/drawing/2014/main" xmlns="" id="{63343321-7A06-204C-AB0B-20C7EA3CDDFB}"/>
+                <a16:creationId xmlns:a16="http://schemas.microsoft.com/office/drawing/2014/main" id="{63343321-7A06-204C-AB0B-20C7EA3CDDFB}"/>
               </a:ext>
             </a:extLst>
           </p:cNvPr>
@@ -4759,7 +4690,7 @@
         </p:nvCxnSpPr>
         <p:spPr>
           <a:xfrm flipH="1">
-            <a:off x="8040078" y="2953462"/>
+            <a:off x="8066900" y="2882237"/>
             <a:ext cx="500989" cy="2148214"/>
           </a:xfrm>
           <a:prstGeom prst="line">
@@ -4781,7 +4712,7 @@
           <p:cNvPr id="99" name="Straight Connector 98">
             <a:extLst>
               <a:ext uri="{FF2B5EF4-FFF2-40B4-BE49-F238E27FC236}">
-                <a16:creationId xmlns:a16="http://schemas.microsoft.com/office/drawing/2014/main" xmlns="" id="{A75813D9-971B-DD46-94B2-6BE4D067B690}"/>
+                <a16:creationId xmlns:a16="http://schemas.microsoft.com/office/drawing/2014/main" id="{A75813D9-971B-DD46-94B2-6BE4D067B690}"/>
               </a:ext>
             </a:extLst>
           </p:cNvPr>
@@ -4792,7 +4723,7 @@
         </p:nvCxnSpPr>
         <p:spPr>
           <a:xfrm>
-            <a:off x="8541067" y="2953464"/>
+            <a:off x="8567889" y="2882239"/>
             <a:ext cx="358228" cy="2153717"/>
           </a:xfrm>
           <a:prstGeom prst="line">
@@ -4814,7 +4745,7 @@
           <p:cNvPr id="100" name="TextBox 99">
             <a:extLst>
               <a:ext uri="{FF2B5EF4-FFF2-40B4-BE49-F238E27FC236}">
-                <a16:creationId xmlns:a16="http://schemas.microsoft.com/office/drawing/2014/main" xmlns="" id="{D0AFE340-19FD-924F-9754-05B73D6A6D41}"/>
+                <a16:creationId xmlns:a16="http://schemas.microsoft.com/office/drawing/2014/main" id="{D0AFE340-19FD-924F-9754-05B73D6A6D41}"/>
               </a:ext>
             </a:extLst>
           </p:cNvPr>
@@ -4823,7 +4754,7 @@
         </p:nvSpPr>
         <p:spPr>
           <a:xfrm>
-            <a:off x="4790571" y="288076"/>
+            <a:off x="4672123" y="216851"/>
             <a:ext cx="1065126" cy="923324"/>
           </a:xfrm>
           <a:prstGeom prst="rect">
@@ -4921,7 +4852,7 @@
               <a:defRPr/>
             </a:pPr>
             <a:r>
-              <a:rPr kumimoji="0" lang="en-US" sz="1800" b="0" i="0" u="none" strike="noStrike" kern="0" cap="none" spc="0" normalizeH="0" baseline="0" noProof="0" dirty="0" smtClean="0">
+              <a:rPr kumimoji="0" lang="en-US" sz="1800" b="0" i="0" u="none" strike="noStrike" kern="0" cap="none" spc="0" normalizeH="0" baseline="0" noProof="0" dirty="0">
                 <a:ln>
                   <a:noFill/>
                 </a:ln>
@@ -4934,17 +4865,6 @@
               </a:rPr>
               <a:t>Power</a:t>
             </a:r>
-            <a:endParaRPr kumimoji="0" lang="en-US" sz="1800" b="0" i="0" u="none" strike="noStrike" kern="0" cap="none" spc="0" normalizeH="0" baseline="0" noProof="0" dirty="0">
-              <a:ln>
-                <a:noFill/>
-              </a:ln>
-              <a:solidFill>
-                <a:prstClr val="black"/>
-              </a:solidFill>
-              <a:effectLst/>
-              <a:uLnTx/>
-              <a:uFillTx/>
-            </a:endParaRPr>
           </a:p>
         </p:txBody>
       </p:sp>
@@ -4953,7 +4873,7 @@
           <p:cNvPr id="101" name="Straight Connector 100">
             <a:extLst>
               <a:ext uri="{FF2B5EF4-FFF2-40B4-BE49-F238E27FC236}">
-                <a16:creationId xmlns:a16="http://schemas.microsoft.com/office/drawing/2014/main" xmlns="" id="{9EAEB46E-3293-D744-A9AC-08CA552937EE}"/>
+                <a16:creationId xmlns:a16="http://schemas.microsoft.com/office/drawing/2014/main" id="{9EAEB46E-3293-D744-A9AC-08CA552937EE}"/>
               </a:ext>
             </a:extLst>
           </p:cNvPr>
@@ -4964,7 +4884,7 @@
         </p:nvCxnSpPr>
         <p:spPr>
           <a:xfrm flipH="1">
-            <a:off x="8642863" y="774387"/>
+            <a:off x="8524415" y="703162"/>
             <a:ext cx="828969" cy="0"/>
           </a:xfrm>
           <a:prstGeom prst="line">
@@ -4986,7 +4906,7 @@
           <p:cNvPr id="102" name="Straight Connector 101">
             <a:extLst>
               <a:ext uri="{FF2B5EF4-FFF2-40B4-BE49-F238E27FC236}">
-                <a16:creationId xmlns:a16="http://schemas.microsoft.com/office/drawing/2014/main" xmlns="" id="{96EA4931-AB94-7543-BDD2-7E04E005A06C}"/>
+                <a16:creationId xmlns:a16="http://schemas.microsoft.com/office/drawing/2014/main" id="{96EA4931-AB94-7543-BDD2-7E04E005A06C}"/>
               </a:ext>
             </a:extLst>
           </p:cNvPr>
@@ -4997,7 +4917,7 @@
         </p:nvCxnSpPr>
         <p:spPr>
           <a:xfrm flipH="1">
-            <a:off x="5855697" y="492280"/>
+            <a:off x="5737249" y="421055"/>
             <a:ext cx="828969" cy="0"/>
           </a:xfrm>
           <a:prstGeom prst="line">
@@ -5019,7 +4939,7 @@
           <p:cNvPr id="103" name="Straight Connector 102">
             <a:extLst>
               <a:ext uri="{FF2B5EF4-FFF2-40B4-BE49-F238E27FC236}">
-                <a16:creationId xmlns:a16="http://schemas.microsoft.com/office/drawing/2014/main" xmlns="" id="{4967923F-C8D7-4046-BE44-1B202FCD0B87}"/>
+                <a16:creationId xmlns:a16="http://schemas.microsoft.com/office/drawing/2014/main" id="{4967923F-C8D7-4046-BE44-1B202FCD0B87}"/>
               </a:ext>
             </a:extLst>
           </p:cNvPr>
@@ -5032,7 +4952,7 @@
         </p:nvCxnSpPr>
         <p:spPr>
           <a:xfrm>
-            <a:off x="1824317" y="1228279"/>
+            <a:off x="1851139" y="1157054"/>
             <a:ext cx="1874378" cy="2275682"/>
           </a:xfrm>
           <a:prstGeom prst="line">
@@ -5054,7 +4974,7 @@
           <p:cNvPr id="104" name="Rectangle 103">
             <a:extLst>
               <a:ext uri="{FF2B5EF4-FFF2-40B4-BE49-F238E27FC236}">
-                <a16:creationId xmlns:a16="http://schemas.microsoft.com/office/drawing/2014/main" xmlns="" id="{7C4E09E1-C374-8947-AE80-F5767FEE4DD4}"/>
+                <a16:creationId xmlns:a16="http://schemas.microsoft.com/office/drawing/2014/main" id="{7C4E09E1-C374-8947-AE80-F5767FEE4DD4}"/>
               </a:ext>
             </a:extLst>
           </p:cNvPr>
@@ -5063,7 +4983,7 @@
         </p:nvSpPr>
         <p:spPr>
           <a:xfrm rot="20234725">
-            <a:off x="1915698" y="1823635"/>
+            <a:off x="1942520" y="1752410"/>
             <a:ext cx="1512330" cy="291845"/>
           </a:xfrm>
           <a:prstGeom prst="rect">
@@ -5127,7 +5047,7 @@
           <p:cNvPr id="105" name="Straight Connector 104">
             <a:extLst>
               <a:ext uri="{FF2B5EF4-FFF2-40B4-BE49-F238E27FC236}">
-                <a16:creationId xmlns:a16="http://schemas.microsoft.com/office/drawing/2014/main" xmlns="" id="{F0FC1448-983B-5247-AA19-B4F256D8D719}"/>
+                <a16:creationId xmlns:a16="http://schemas.microsoft.com/office/drawing/2014/main" id="{F0FC1448-983B-5247-AA19-B4F256D8D719}"/>
               </a:ext>
             </a:extLst>
           </p:cNvPr>
@@ -5139,7 +5059,7 @@
         </p:nvCxnSpPr>
         <p:spPr>
           <a:xfrm flipV="1">
-            <a:off x="1824317" y="618793"/>
+            <a:off x="1851139" y="547568"/>
             <a:ext cx="2298830" cy="609485"/>
           </a:xfrm>
           <a:prstGeom prst="line">
@@ -5161,7 +5081,7 @@
           <p:cNvPr id="106" name="Straight Connector 105">
             <a:extLst>
               <a:ext uri="{FF2B5EF4-FFF2-40B4-BE49-F238E27FC236}">
-                <a16:creationId xmlns:a16="http://schemas.microsoft.com/office/drawing/2014/main" xmlns="" id="{2B275C7A-BCD0-CF49-94B4-71C02A4BEFC3}"/>
+                <a16:creationId xmlns:a16="http://schemas.microsoft.com/office/drawing/2014/main" id="{2B275C7A-BCD0-CF49-94B4-71C02A4BEFC3}"/>
               </a:ext>
             </a:extLst>
           </p:cNvPr>
@@ -5172,7 +5092,7 @@
         </p:nvCxnSpPr>
         <p:spPr>
           <a:xfrm flipH="1">
-            <a:off x="5855697" y="769040"/>
+            <a:off x="5737249" y="697815"/>
             <a:ext cx="828969" cy="0"/>
           </a:xfrm>
           <a:prstGeom prst="line">
@@ -5194,7 +5114,7 @@
           <p:cNvPr id="107" name="Straight Connector 106">
             <a:extLst>
               <a:ext uri="{FF2B5EF4-FFF2-40B4-BE49-F238E27FC236}">
-                <a16:creationId xmlns:a16="http://schemas.microsoft.com/office/drawing/2014/main" xmlns="" id="{72991B5E-63E3-A849-A861-9F9D61E4EE83}"/>
+                <a16:creationId xmlns:a16="http://schemas.microsoft.com/office/drawing/2014/main" id="{72991B5E-63E3-A849-A861-9F9D61E4EE83}"/>
               </a:ext>
             </a:extLst>
           </p:cNvPr>
@@ -5205,7 +5125,7 @@
         </p:nvCxnSpPr>
         <p:spPr>
           <a:xfrm flipV="1">
-            <a:off x="5845741" y="3447669"/>
+            <a:off x="5872563" y="3376444"/>
             <a:ext cx="0" cy="1781527"/>
           </a:xfrm>
           <a:prstGeom prst="line">
@@ -5227,7 +5147,7 @@
           <p:cNvPr id="108" name="Straight Connector 107">
             <a:extLst>
               <a:ext uri="{FF2B5EF4-FFF2-40B4-BE49-F238E27FC236}">
-                <a16:creationId xmlns:a16="http://schemas.microsoft.com/office/drawing/2014/main" xmlns="" id="{C323AE2F-FBC2-8E43-8A83-66DC0998F418}"/>
+                <a16:creationId xmlns:a16="http://schemas.microsoft.com/office/drawing/2014/main" id="{C323AE2F-FBC2-8E43-8A83-66DC0998F418}"/>
               </a:ext>
             </a:extLst>
           </p:cNvPr>
@@ -5238,7 +5158,7 @@
         </p:nvCxnSpPr>
         <p:spPr>
           <a:xfrm>
-            <a:off x="1780220" y="5203889"/>
+            <a:off x="1807042" y="5132664"/>
             <a:ext cx="4070285" cy="11724"/>
           </a:xfrm>
           <a:prstGeom prst="line">
@@ -5260,7 +5180,7 @@
           <p:cNvPr id="109" name="Straight Connector 108">
             <a:extLst>
               <a:ext uri="{FF2B5EF4-FFF2-40B4-BE49-F238E27FC236}">
-                <a16:creationId xmlns:a16="http://schemas.microsoft.com/office/drawing/2014/main" xmlns="" id="{C8726E31-2139-154E-8BB5-F20824B1A333}"/>
+                <a16:creationId xmlns:a16="http://schemas.microsoft.com/office/drawing/2014/main" id="{C8726E31-2139-154E-8BB5-F20824B1A333}"/>
               </a:ext>
             </a:extLst>
           </p:cNvPr>
@@ -5271,7 +5191,7 @@
         </p:nvCxnSpPr>
         <p:spPr>
           <a:xfrm>
-            <a:off x="1766992" y="5195098"/>
+            <a:off x="1793814" y="5123873"/>
             <a:ext cx="0" cy="374904"/>
           </a:xfrm>
           <a:prstGeom prst="line">
@@ -5293,7 +5213,7 @@
           <p:cNvPr id="110" name="Straight Connector 109">
             <a:extLst>
               <a:ext uri="{FF2B5EF4-FFF2-40B4-BE49-F238E27FC236}">
-                <a16:creationId xmlns:a16="http://schemas.microsoft.com/office/drawing/2014/main" xmlns="" id="{D61CAA18-96E5-CB40-9ABC-714943646B70}"/>
+                <a16:creationId xmlns:a16="http://schemas.microsoft.com/office/drawing/2014/main" id="{D61CAA18-96E5-CB40-9ABC-714943646B70}"/>
               </a:ext>
             </a:extLst>
           </p:cNvPr>
@@ -5304,7 +5224,7 @@
         </p:nvCxnSpPr>
         <p:spPr>
           <a:xfrm>
-            <a:off x="1739217" y="6151394"/>
+            <a:off x="1766039" y="6080169"/>
             <a:ext cx="14547" cy="472591"/>
           </a:xfrm>
           <a:prstGeom prst="line">
@@ -5326,7 +5246,7 @@
           <p:cNvPr id="111" name="Straight Connector 110">
             <a:extLst>
               <a:ext uri="{FF2B5EF4-FFF2-40B4-BE49-F238E27FC236}">
-                <a16:creationId xmlns:a16="http://schemas.microsoft.com/office/drawing/2014/main" xmlns="" id="{D8D679FD-5FFD-B94A-AED0-48B8AE1B681F}"/>
+                <a16:creationId xmlns:a16="http://schemas.microsoft.com/office/drawing/2014/main" id="{D8D679FD-5FFD-B94A-AED0-48B8AE1B681F}"/>
               </a:ext>
             </a:extLst>
           </p:cNvPr>
@@ -5337,7 +5257,7 @@
         </p:nvCxnSpPr>
         <p:spPr>
           <a:xfrm flipH="1">
-            <a:off x="5855697" y="1041369"/>
+            <a:off x="5737249" y="970144"/>
             <a:ext cx="828969" cy="0"/>
           </a:xfrm>
           <a:prstGeom prst="line">
@@ -5359,7 +5279,7 @@
           <p:cNvPr id="112" name="Straight Connector 111">
             <a:extLst>
               <a:ext uri="{FF2B5EF4-FFF2-40B4-BE49-F238E27FC236}">
-                <a16:creationId xmlns:a16="http://schemas.microsoft.com/office/drawing/2014/main" xmlns="" id="{08F534AB-1429-334C-959C-3E70CD52FB04}"/>
+                <a16:creationId xmlns:a16="http://schemas.microsoft.com/office/drawing/2014/main" id="{08F534AB-1429-334C-959C-3E70CD52FB04}"/>
               </a:ext>
             </a:extLst>
           </p:cNvPr>
@@ -5370,7 +5290,7 @@
         </p:nvCxnSpPr>
         <p:spPr>
           <a:xfrm flipV="1">
-            <a:off x="5922347" y="3379157"/>
+            <a:off x="5949169" y="3307932"/>
             <a:ext cx="0" cy="1918283"/>
           </a:xfrm>
           <a:prstGeom prst="line">
@@ -5392,7 +5312,7 @@
           <p:cNvPr id="113" name="Straight Connector 112">
             <a:extLst>
               <a:ext uri="{FF2B5EF4-FFF2-40B4-BE49-F238E27FC236}">
-                <a16:creationId xmlns:a16="http://schemas.microsoft.com/office/drawing/2014/main" xmlns="" id="{4199ADA4-F641-F34F-A59F-D7BDB1CA083B}"/>
+                <a16:creationId xmlns:a16="http://schemas.microsoft.com/office/drawing/2014/main" id="{4199ADA4-F641-F34F-A59F-D7BDB1CA083B}"/>
               </a:ext>
             </a:extLst>
           </p:cNvPr>
@@ -5403,7 +5323,7 @@
         </p:nvCxnSpPr>
         <p:spPr>
           <a:xfrm>
-            <a:off x="1821064" y="5276655"/>
+            <a:off x="1847886" y="5205430"/>
             <a:ext cx="4101283" cy="6525"/>
           </a:xfrm>
           <a:prstGeom prst="line">
@@ -5425,7 +5345,7 @@
           <p:cNvPr id="114" name="Straight Connector 113">
             <a:extLst>
               <a:ext uri="{FF2B5EF4-FFF2-40B4-BE49-F238E27FC236}">
-                <a16:creationId xmlns:a16="http://schemas.microsoft.com/office/drawing/2014/main" xmlns="" id="{B42FCC8F-EF9B-BB44-AE0E-3B927948492D}"/>
+                <a16:creationId xmlns:a16="http://schemas.microsoft.com/office/drawing/2014/main" id="{B42FCC8F-EF9B-BB44-AE0E-3B927948492D}"/>
               </a:ext>
             </a:extLst>
           </p:cNvPr>
@@ -5436,7 +5356,7 @@
         </p:nvCxnSpPr>
         <p:spPr>
           <a:xfrm>
-            <a:off x="1821062" y="5268550"/>
+            <a:off x="1847884" y="5197325"/>
             <a:ext cx="0" cy="301455"/>
           </a:xfrm>
           <a:prstGeom prst="line">
@@ -5458,7 +5378,7 @@
           <p:cNvPr id="115" name="Straight Connector 114">
             <a:extLst>
               <a:ext uri="{FF2B5EF4-FFF2-40B4-BE49-F238E27FC236}">
-                <a16:creationId xmlns:a16="http://schemas.microsoft.com/office/drawing/2014/main" xmlns="" id="{CA7DC867-93C7-B842-A97F-787BCCE68CEA}"/>
+                <a16:creationId xmlns:a16="http://schemas.microsoft.com/office/drawing/2014/main" id="{CA7DC867-93C7-B842-A97F-787BCCE68CEA}"/>
               </a:ext>
             </a:extLst>
           </p:cNvPr>
@@ -5469,7 +5389,7 @@
         </p:nvCxnSpPr>
         <p:spPr>
           <a:xfrm flipV="1">
-            <a:off x="1827126" y="6135172"/>
+            <a:off x="1853948" y="6063947"/>
             <a:ext cx="1" cy="488812"/>
           </a:xfrm>
           <a:prstGeom prst="line">
@@ -5491,7 +5411,7 @@
           <p:cNvPr id="116" name="Straight Connector 115">
             <a:extLst>
               <a:ext uri="{FF2B5EF4-FFF2-40B4-BE49-F238E27FC236}">
-                <a16:creationId xmlns:a16="http://schemas.microsoft.com/office/drawing/2014/main" xmlns="" id="{6AC92157-BCEA-B44D-9987-E201474A4C41}"/>
+                <a16:creationId xmlns:a16="http://schemas.microsoft.com/office/drawing/2014/main" id="{6AC92157-BCEA-B44D-9987-E201474A4C41}"/>
               </a:ext>
             </a:extLst>
           </p:cNvPr>
@@ -5502,7 +5422,7 @@
         </p:nvCxnSpPr>
         <p:spPr>
           <a:xfrm flipH="1">
-            <a:off x="6270044" y="2566387"/>
+            <a:off x="6296866" y="2495162"/>
             <a:ext cx="108005" cy="0"/>
           </a:xfrm>
           <a:prstGeom prst="line">
@@ -5524,7 +5444,7 @@
           <p:cNvPr id="117" name="Straight Connector 116">
             <a:extLst>
               <a:ext uri="{FF2B5EF4-FFF2-40B4-BE49-F238E27FC236}">
-                <a16:creationId xmlns:a16="http://schemas.microsoft.com/office/drawing/2014/main" xmlns="" id="{8C8EBF2C-9C8E-504F-834E-2A6410CFA94E}"/>
+                <a16:creationId xmlns:a16="http://schemas.microsoft.com/office/drawing/2014/main" id="{8C8EBF2C-9C8E-504F-834E-2A6410CFA94E}"/>
               </a:ext>
             </a:extLst>
           </p:cNvPr>
@@ -5535,7 +5455,7 @@
         </p:nvCxnSpPr>
         <p:spPr>
           <a:xfrm flipV="1">
-            <a:off x="6270043" y="2553560"/>
+            <a:off x="6296865" y="2482335"/>
             <a:ext cx="0" cy="2824227"/>
           </a:xfrm>
           <a:prstGeom prst="line">
@@ -5557,7 +5477,7 @@
           <p:cNvPr id="118" name="Straight Connector 117">
             <a:extLst>
               <a:ext uri="{FF2B5EF4-FFF2-40B4-BE49-F238E27FC236}">
-                <a16:creationId xmlns:a16="http://schemas.microsoft.com/office/drawing/2014/main" xmlns="" id="{AA63D20A-2AB9-F046-BFAA-F0D6172A7B41}"/>
+                <a16:creationId xmlns:a16="http://schemas.microsoft.com/office/drawing/2014/main" id="{AA63D20A-2AB9-F046-BFAA-F0D6172A7B41}"/>
               </a:ext>
             </a:extLst>
           </p:cNvPr>
@@ -5568,7 +5488,7 @@
         </p:nvCxnSpPr>
         <p:spPr>
           <a:xfrm>
-            <a:off x="3678204" y="5354493"/>
+            <a:off x="3705026" y="5283268"/>
             <a:ext cx="2594122" cy="11402"/>
           </a:xfrm>
           <a:prstGeom prst="line">
@@ -5590,7 +5510,7 @@
           <p:cNvPr id="119" name="Straight Connector 118">
             <a:extLst>
               <a:ext uri="{FF2B5EF4-FFF2-40B4-BE49-F238E27FC236}">
-                <a16:creationId xmlns:a16="http://schemas.microsoft.com/office/drawing/2014/main" xmlns="" id="{7CC1EEC9-CFD2-8343-BB55-BE483C111FEB}"/>
+                <a16:creationId xmlns:a16="http://schemas.microsoft.com/office/drawing/2014/main" id="{7CC1EEC9-CFD2-8343-BB55-BE483C111FEB}"/>
               </a:ext>
             </a:extLst>
           </p:cNvPr>
@@ -5602,7 +5522,7 @@
         </p:nvCxnSpPr>
         <p:spPr>
           <a:xfrm>
-            <a:off x="3687141" y="5343241"/>
+            <a:off x="3713963" y="5272016"/>
             <a:ext cx="0" cy="228185"/>
           </a:xfrm>
           <a:prstGeom prst="line">
@@ -5624,7 +5544,7 @@
           <p:cNvPr id="120" name="Straight Connector 119">
             <a:extLst>
               <a:ext uri="{FF2B5EF4-FFF2-40B4-BE49-F238E27FC236}">
-                <a16:creationId xmlns:a16="http://schemas.microsoft.com/office/drawing/2014/main" xmlns="" id="{D937EB13-DF5C-0643-A0B1-2962374B4F59}"/>
+                <a16:creationId xmlns:a16="http://schemas.microsoft.com/office/drawing/2014/main" id="{D937EB13-DF5C-0643-A0B1-2962374B4F59}"/>
               </a:ext>
             </a:extLst>
           </p:cNvPr>
@@ -5635,7 +5555,7 @@
         </p:nvCxnSpPr>
         <p:spPr>
           <a:xfrm>
-            <a:off x="3546933" y="6151394"/>
+            <a:off x="3573755" y="6080169"/>
             <a:ext cx="0" cy="472591"/>
           </a:xfrm>
           <a:prstGeom prst="line">
@@ -5657,7 +5577,7 @@
           <p:cNvPr id="121" name="Straight Connector 120">
             <a:extLst>
               <a:ext uri="{FF2B5EF4-FFF2-40B4-BE49-F238E27FC236}">
-                <a16:creationId xmlns:a16="http://schemas.microsoft.com/office/drawing/2014/main" xmlns="" id="{4642743E-C07C-084E-8F9B-7C2569C9D4B9}"/>
+                <a16:creationId xmlns:a16="http://schemas.microsoft.com/office/drawing/2014/main" id="{4642743E-C07C-084E-8F9B-7C2569C9D4B9}"/>
               </a:ext>
             </a:extLst>
           </p:cNvPr>
@@ -5668,7 +5588,7 @@
         </p:nvCxnSpPr>
         <p:spPr>
           <a:xfrm>
-            <a:off x="7793145" y="6151394"/>
+            <a:off x="7819967" y="6080169"/>
             <a:ext cx="0" cy="472591"/>
           </a:xfrm>
           <a:prstGeom prst="line">
@@ -5690,7 +5610,7 @@
           <p:cNvPr id="122" name="Straight Connector 121">
             <a:extLst>
               <a:ext uri="{FF2B5EF4-FFF2-40B4-BE49-F238E27FC236}">
-                <a16:creationId xmlns:a16="http://schemas.microsoft.com/office/drawing/2014/main" xmlns="" id="{C9A1CC23-6908-9B4E-9945-3688381C2631}"/>
+                <a16:creationId xmlns:a16="http://schemas.microsoft.com/office/drawing/2014/main" id="{C9A1CC23-6908-9B4E-9945-3688381C2631}"/>
               </a:ext>
             </a:extLst>
           </p:cNvPr>
@@ -5702,7 +5622,7 @@
         </p:nvCxnSpPr>
         <p:spPr>
           <a:xfrm>
-            <a:off x="6446777" y="5847573"/>
+            <a:off x="6473599" y="5776348"/>
             <a:ext cx="626382" cy="2"/>
           </a:xfrm>
           <a:prstGeom prst="line">
@@ -5724,7 +5644,7 @@
           <p:cNvPr id="123" name="Straight Connector 122">
             <a:extLst>
               <a:ext uri="{FF2B5EF4-FFF2-40B4-BE49-F238E27FC236}">
-                <a16:creationId xmlns:a16="http://schemas.microsoft.com/office/drawing/2014/main" xmlns="" id="{B24E6B6D-129A-2D46-9BCE-92E794022010}"/>
+                <a16:creationId xmlns:a16="http://schemas.microsoft.com/office/drawing/2014/main" id="{B24E6B6D-129A-2D46-9BCE-92E794022010}"/>
               </a:ext>
             </a:extLst>
           </p:cNvPr>
@@ -5735,7 +5655,7 @@
         </p:nvCxnSpPr>
         <p:spPr>
           <a:xfrm flipH="1">
-            <a:off x="8641574" y="492473"/>
+            <a:off x="8523126" y="421248"/>
             <a:ext cx="828969" cy="0"/>
           </a:xfrm>
           <a:prstGeom prst="line">
@@ -5744,7 +5664,7 @@
           <a:noFill/>
           <a:ln w="34925" cap="flat" cmpd="sng" algn="ctr">
             <a:solidFill>
-              <a:srgbClr val="92D050"/>
+              <a:srgbClr val="00B050"/>
             </a:solidFill>
             <a:prstDash val="solid"/>
             <a:miter lim="800000"/>
@@ -5757,7 +5677,7 @@
           <p:cNvPr id="124" name="Straight Connector 123">
             <a:extLst>
               <a:ext uri="{FF2B5EF4-FFF2-40B4-BE49-F238E27FC236}">
-                <a16:creationId xmlns:a16="http://schemas.microsoft.com/office/drawing/2014/main" xmlns="" id="{A3C422AA-6611-1349-84DD-3EAC7A58C89D}"/>
+                <a16:creationId xmlns:a16="http://schemas.microsoft.com/office/drawing/2014/main" id="{A3C422AA-6611-1349-84DD-3EAC7A58C89D}"/>
               </a:ext>
             </a:extLst>
           </p:cNvPr>
@@ -5768,7 +5688,7 @@
         </p:nvCxnSpPr>
         <p:spPr>
           <a:xfrm flipH="1">
-            <a:off x="5399536" y="2365157"/>
+            <a:off x="5426358" y="2293932"/>
             <a:ext cx="978515" cy="0"/>
           </a:xfrm>
           <a:prstGeom prst="line">
@@ -5777,7 +5697,7 @@
           <a:noFill/>
           <a:ln w="34925" cap="flat" cmpd="sng" algn="ctr">
             <a:solidFill>
-              <a:srgbClr val="92D050"/>
+              <a:srgbClr val="00B050"/>
             </a:solidFill>
             <a:prstDash val="solid"/>
             <a:miter lim="800000"/>
@@ -5792,7 +5712,7 @@
           <p:cNvPr id="125" name="Straight Connector 124">
             <a:extLst>
               <a:ext uri="{FF2B5EF4-FFF2-40B4-BE49-F238E27FC236}">
-                <a16:creationId xmlns:a16="http://schemas.microsoft.com/office/drawing/2014/main" xmlns="" id="{8D91C36B-D79C-7F44-A05E-11D806A4DD36}"/>
+                <a16:creationId xmlns:a16="http://schemas.microsoft.com/office/drawing/2014/main" id="{8D91C36B-D79C-7F44-A05E-11D806A4DD36}"/>
               </a:ext>
             </a:extLst>
           </p:cNvPr>
@@ -5803,7 +5723,7 @@
         </p:nvCxnSpPr>
         <p:spPr>
           <a:xfrm flipV="1">
-            <a:off x="5082468" y="1550443"/>
+            <a:off x="5109290" y="1479218"/>
             <a:ext cx="580414" cy="507441"/>
           </a:xfrm>
           <a:prstGeom prst="line">
@@ -5825,7 +5745,7 @@
           <p:cNvPr id="126" name="Straight Connector 125">
             <a:extLst>
               <a:ext uri="{FF2B5EF4-FFF2-40B4-BE49-F238E27FC236}">
-                <a16:creationId xmlns:a16="http://schemas.microsoft.com/office/drawing/2014/main" xmlns="" id="{F4924469-665B-A244-9E17-4F239E954503}"/>
+                <a16:creationId xmlns:a16="http://schemas.microsoft.com/office/drawing/2014/main" id="{F4924469-665B-A244-9E17-4F239E954503}"/>
               </a:ext>
             </a:extLst>
           </p:cNvPr>
@@ -5836,7 +5756,7 @@
         </p:nvCxnSpPr>
         <p:spPr>
           <a:xfrm flipV="1">
-            <a:off x="3589575" y="3797590"/>
+            <a:off x="3616397" y="3726365"/>
             <a:ext cx="102390" cy="738379"/>
           </a:xfrm>
           <a:prstGeom prst="line">
@@ -5858,7 +5778,7 @@
           <p:cNvPr id="127" name="Straight Connector 126">
             <a:extLst>
               <a:ext uri="{FF2B5EF4-FFF2-40B4-BE49-F238E27FC236}">
-                <a16:creationId xmlns:a16="http://schemas.microsoft.com/office/drawing/2014/main" xmlns="" id="{EB4FAA58-199D-0146-8999-7BD747133121}"/>
+                <a16:creationId xmlns:a16="http://schemas.microsoft.com/office/drawing/2014/main" id="{EB4FAA58-199D-0146-8999-7BD747133121}"/>
               </a:ext>
             </a:extLst>
           </p:cNvPr>
@@ -5869,7 +5789,7 @@
         </p:nvCxnSpPr>
         <p:spPr>
           <a:xfrm flipH="1">
-            <a:off x="7247208" y="2464452"/>
+            <a:off x="7274030" y="2393227"/>
             <a:ext cx="535902" cy="1"/>
           </a:xfrm>
           <a:prstGeom prst="line">
@@ -5891,7 +5811,7 @@
           <p:cNvPr id="128" name="Straight Connector 127">
             <a:extLst>
               <a:ext uri="{FF2B5EF4-FFF2-40B4-BE49-F238E27FC236}">
-                <a16:creationId xmlns:a16="http://schemas.microsoft.com/office/drawing/2014/main" xmlns="" id="{39C6F551-AFA7-194E-87FC-CA6BCF8A2D79}"/>
+                <a16:creationId xmlns:a16="http://schemas.microsoft.com/office/drawing/2014/main" id="{39C6F551-AFA7-194E-87FC-CA6BCF8A2D79}"/>
               </a:ext>
             </a:extLst>
           </p:cNvPr>
@@ -5902,7 +5822,7 @@
         </p:nvCxnSpPr>
         <p:spPr>
           <a:xfrm flipV="1">
-            <a:off x="6809756" y="3961544"/>
+            <a:off x="6836578" y="3890319"/>
             <a:ext cx="0" cy="580950"/>
           </a:xfrm>
           <a:prstGeom prst="line">
@@ -5924,7 +5844,7 @@
           <p:cNvPr id="129" name="Straight Connector 128">
             <a:extLst>
               <a:ext uri="{FF2B5EF4-FFF2-40B4-BE49-F238E27FC236}">
-                <a16:creationId xmlns:a16="http://schemas.microsoft.com/office/drawing/2014/main" xmlns="" id="{92DE041B-6C6A-4147-9C67-C5078E3976A5}"/>
+                <a16:creationId xmlns:a16="http://schemas.microsoft.com/office/drawing/2014/main" id="{92DE041B-6C6A-4147-9C67-C5078E3976A5}"/>
               </a:ext>
             </a:extLst>
           </p:cNvPr>
@@ -5936,7 +5856,7 @@
         </p:nvCxnSpPr>
         <p:spPr>
           <a:xfrm flipV="1">
-            <a:off x="7806221" y="2662250"/>
+            <a:off x="7833043" y="2591025"/>
             <a:ext cx="174651" cy="632"/>
           </a:xfrm>
           <a:prstGeom prst="line">
@@ -5958,7 +5878,7 @@
           <p:cNvPr id="130" name="Straight Connector 129">
             <a:extLst>
               <a:ext uri="{FF2B5EF4-FFF2-40B4-BE49-F238E27FC236}">
-                <a16:creationId xmlns:a16="http://schemas.microsoft.com/office/drawing/2014/main" xmlns="" id="{34401DEF-E40B-214F-87EB-C96E5242BD07}"/>
+                <a16:creationId xmlns:a16="http://schemas.microsoft.com/office/drawing/2014/main" id="{34401DEF-E40B-214F-87EB-C96E5242BD07}"/>
               </a:ext>
             </a:extLst>
           </p:cNvPr>
@@ -5969,7 +5889,7 @@
         </p:nvCxnSpPr>
         <p:spPr>
           <a:xfrm flipH="1">
-            <a:off x="1765692" y="2662881"/>
+            <a:off x="1792514" y="2591656"/>
             <a:ext cx="174651" cy="0"/>
           </a:xfrm>
           <a:prstGeom prst="line">
@@ -5991,7 +5911,7 @@
           <p:cNvPr id="131" name="Straight Connector 130">
             <a:extLst>
               <a:ext uri="{FF2B5EF4-FFF2-40B4-BE49-F238E27FC236}">
-                <a16:creationId xmlns:a16="http://schemas.microsoft.com/office/drawing/2014/main" xmlns="" id="{75B87E43-74F7-9C40-8DBC-51CB2BBD244B}"/>
+                <a16:creationId xmlns:a16="http://schemas.microsoft.com/office/drawing/2014/main" id="{75B87E43-74F7-9C40-8DBC-51CB2BBD244B}"/>
               </a:ext>
             </a:extLst>
           </p:cNvPr>
@@ -6002,7 +5922,7 @@
         </p:nvCxnSpPr>
         <p:spPr>
           <a:xfrm flipV="1">
-            <a:off x="1097621" y="2081421"/>
+            <a:off x="1124443" y="2010196"/>
             <a:ext cx="0" cy="283737"/>
           </a:xfrm>
           <a:prstGeom prst="line">
@@ -6024,7 +5944,7 @@
           <p:cNvPr id="132" name="Straight Connector 131">
             <a:extLst>
               <a:ext uri="{FF2B5EF4-FFF2-40B4-BE49-F238E27FC236}">
-                <a16:creationId xmlns:a16="http://schemas.microsoft.com/office/drawing/2014/main" xmlns="" id="{ABE03EF7-9D06-3840-8543-94435276E965}"/>
+                <a16:creationId xmlns:a16="http://schemas.microsoft.com/office/drawing/2014/main" id="{ABE03EF7-9D06-3840-8543-94435276E965}"/>
               </a:ext>
             </a:extLst>
           </p:cNvPr>
@@ -6036,7 +5956,7 @@
         </p:nvCxnSpPr>
         <p:spPr>
           <a:xfrm flipV="1">
-            <a:off x="6811433" y="2953463"/>
+            <a:off x="6838255" y="2882238"/>
             <a:ext cx="0" cy="186628"/>
           </a:xfrm>
           <a:prstGeom prst="line">
@@ -6045,7 +5965,7 @@
           <a:noFill/>
           <a:ln w="34925" cap="flat" cmpd="sng" algn="ctr">
             <a:solidFill>
-              <a:srgbClr val="92D050"/>
+              <a:srgbClr val="00B050"/>
             </a:solidFill>
             <a:prstDash val="solid"/>
             <a:miter lim="800000"/>
@@ -6060,7 +5980,7 @@
           <p:cNvPr id="133" name="Straight Connector 132">
             <a:extLst>
               <a:ext uri="{FF2B5EF4-FFF2-40B4-BE49-F238E27FC236}">
-                <a16:creationId xmlns:a16="http://schemas.microsoft.com/office/drawing/2014/main" xmlns="" id="{0CC784A9-D3B6-E741-8F87-1E8DD9075FCC}"/>
+                <a16:creationId xmlns:a16="http://schemas.microsoft.com/office/drawing/2014/main" id="{0CC784A9-D3B6-E741-8F87-1E8DD9075FCC}"/>
               </a:ext>
             </a:extLst>
           </p:cNvPr>
@@ -6071,7 +5991,7 @@
         </p:nvCxnSpPr>
         <p:spPr>
           <a:xfrm flipH="1">
-            <a:off x="7247207" y="3552569"/>
+            <a:off x="7274029" y="3481344"/>
             <a:ext cx="441972" cy="0"/>
           </a:xfrm>
           <a:prstGeom prst="line">
@@ -6080,7 +6000,7 @@
           <a:noFill/>
           <a:ln w="34925" cap="flat" cmpd="sng" algn="ctr">
             <a:solidFill>
-              <a:srgbClr val="92D050"/>
+              <a:srgbClr val="00B050"/>
             </a:solidFill>
             <a:prstDash val="solid"/>
             <a:miter lim="800000"/>
@@ -6095,7 +6015,7 @@
           <p:cNvPr id="134" name="Straight Connector 133">
             <a:extLst>
               <a:ext uri="{FF2B5EF4-FFF2-40B4-BE49-F238E27FC236}">
-                <a16:creationId xmlns:a16="http://schemas.microsoft.com/office/drawing/2014/main" xmlns="" id="{C40BE0BB-B8B3-B742-95BC-23ABC7652121}"/>
+                <a16:creationId xmlns:a16="http://schemas.microsoft.com/office/drawing/2014/main" id="{C40BE0BB-B8B3-B742-95BC-23ABC7652121}"/>
               </a:ext>
             </a:extLst>
           </p:cNvPr>
@@ -6106,7 +6026,7 @@
         </p:nvCxnSpPr>
         <p:spPr>
           <a:xfrm flipV="1">
-            <a:off x="6968221" y="3973327"/>
+            <a:off x="6995043" y="3902102"/>
             <a:ext cx="0" cy="1484005"/>
           </a:xfrm>
           <a:prstGeom prst="line">
@@ -6115,7 +6035,7 @@
           <a:noFill/>
           <a:ln w="34925" cap="flat" cmpd="sng" algn="ctr">
             <a:solidFill>
-              <a:srgbClr val="92D050"/>
+              <a:srgbClr val="00B050"/>
             </a:solidFill>
             <a:prstDash val="solid"/>
             <a:miter lim="800000"/>
@@ -6129,7 +6049,7 @@
           <p:cNvPr id="135" name="Straight Connector 134">
             <a:extLst>
               <a:ext uri="{FF2B5EF4-FFF2-40B4-BE49-F238E27FC236}">
-                <a16:creationId xmlns:a16="http://schemas.microsoft.com/office/drawing/2014/main" xmlns="" id="{FC6924A2-464C-4543-8176-C3BABE699A44}"/>
+                <a16:creationId xmlns:a16="http://schemas.microsoft.com/office/drawing/2014/main" id="{FC6924A2-464C-4543-8176-C3BABE699A44}"/>
               </a:ext>
             </a:extLst>
           </p:cNvPr>
@@ -6140,7 +6060,7 @@
         </p:nvCxnSpPr>
         <p:spPr>
           <a:xfrm>
-            <a:off x="5734646" y="5437940"/>
+            <a:off x="5761468" y="5366715"/>
             <a:ext cx="1235448" cy="0"/>
           </a:xfrm>
           <a:prstGeom prst="line">
@@ -6149,7 +6069,7 @@
           <a:noFill/>
           <a:ln w="34925" cap="flat" cmpd="sng" algn="ctr">
             <a:solidFill>
-              <a:srgbClr val="92D050"/>
+              <a:srgbClr val="00B050"/>
             </a:solidFill>
             <a:prstDash val="solid"/>
             <a:miter lim="800000"/>
@@ -6164,7 +6084,7 @@
           <p:cNvPr id="136" name="Straight Connector 135">
             <a:extLst>
               <a:ext uri="{FF2B5EF4-FFF2-40B4-BE49-F238E27FC236}">
-                <a16:creationId xmlns:a16="http://schemas.microsoft.com/office/drawing/2014/main" xmlns="" id="{8BEEE66E-7896-5A42-904D-D68735A32C3B}"/>
+                <a16:creationId xmlns:a16="http://schemas.microsoft.com/office/drawing/2014/main" id="{8BEEE66E-7896-5A42-904D-D68735A32C3B}"/>
               </a:ext>
             </a:extLst>
           </p:cNvPr>
@@ -6176,7 +6096,7 @@
         </p:nvCxnSpPr>
         <p:spPr>
           <a:xfrm flipV="1">
-            <a:off x="5730708" y="5419276"/>
+            <a:off x="5757530" y="5348051"/>
             <a:ext cx="0" cy="150728"/>
           </a:xfrm>
           <a:prstGeom prst="line">
@@ -6185,7 +6105,7 @@
           <a:noFill/>
           <a:ln w="34925" cap="flat" cmpd="sng" algn="ctr">
             <a:solidFill>
-              <a:srgbClr val="92D050"/>
+              <a:srgbClr val="00B050"/>
             </a:solidFill>
             <a:prstDash val="solid"/>
             <a:miter lim="800000"/>
@@ -6200,7 +6120,7 @@
           <p:cNvPr id="137" name="Rectangle 136">
             <a:extLst>
               <a:ext uri="{FF2B5EF4-FFF2-40B4-BE49-F238E27FC236}">
-                <a16:creationId xmlns:a16="http://schemas.microsoft.com/office/drawing/2014/main" xmlns="" id="{F466AEDA-FEBD-6248-9A7F-A66C6CB7FCE8}"/>
+                <a16:creationId xmlns:a16="http://schemas.microsoft.com/office/drawing/2014/main" id="{F466AEDA-FEBD-6248-9A7F-A66C6CB7FCE8}"/>
               </a:ext>
             </a:extLst>
           </p:cNvPr>
@@ -6209,7 +6129,7 @@
         </p:nvSpPr>
         <p:spPr>
           <a:xfrm rot="3316525">
-            <a:off x="3881006" y="3111539"/>
+            <a:off x="3907828" y="3040314"/>
             <a:ext cx="1674479" cy="81227"/>
           </a:xfrm>
           <a:prstGeom prst="rect">
@@ -6270,7 +6190,7 @@
           <p:cNvPr id="138" name="Straight Connector 137">
             <a:extLst>
               <a:ext uri="{FF2B5EF4-FFF2-40B4-BE49-F238E27FC236}">
-                <a16:creationId xmlns:a16="http://schemas.microsoft.com/office/drawing/2014/main" xmlns="" id="{A4BBA751-1983-474B-9183-0A9E79B8BB76}"/>
+                <a16:creationId xmlns:a16="http://schemas.microsoft.com/office/drawing/2014/main" id="{A4BBA751-1983-474B-9183-0A9E79B8BB76}"/>
               </a:ext>
             </a:extLst>
           </p:cNvPr>
@@ -6282,7 +6202,7 @@
         </p:nvCxnSpPr>
         <p:spPr>
           <a:xfrm flipH="1">
-            <a:off x="3698694" y="2540984"/>
+            <a:off x="3725516" y="2469759"/>
             <a:ext cx="1383772" cy="962977"/>
           </a:xfrm>
           <a:prstGeom prst="line">
@@ -6304,7 +6224,7 @@
           <p:cNvPr id="139" name="Straight Connector 138">
             <a:extLst>
               <a:ext uri="{FF2B5EF4-FFF2-40B4-BE49-F238E27FC236}">
-                <a16:creationId xmlns:a16="http://schemas.microsoft.com/office/drawing/2014/main" xmlns="" id="{A3C422AA-6611-1349-84DD-3EAC7A58C89D}"/>
+                <a16:creationId xmlns:a16="http://schemas.microsoft.com/office/drawing/2014/main" id="{A3C422AA-6611-1349-84DD-3EAC7A58C89D}"/>
               </a:ext>
             </a:extLst>
           </p:cNvPr>
@@ -6315,7 +6235,7 @@
         </p:nvCxnSpPr>
         <p:spPr>
           <a:xfrm flipH="1">
-            <a:off x="3938504" y="4088413"/>
+            <a:off x="3965326" y="4017188"/>
             <a:ext cx="2614284" cy="0"/>
           </a:xfrm>
           <a:prstGeom prst="line">
@@ -6324,7 +6244,7 @@
           <a:noFill/>
           <a:ln w="34925" cap="flat" cmpd="sng" algn="ctr">
             <a:solidFill>
-              <a:srgbClr val="92D050"/>
+              <a:srgbClr val="00B050"/>
             </a:solidFill>
             <a:prstDash val="solid"/>
             <a:miter lim="800000"/>
@@ -6339,7 +6259,7 @@
           <p:cNvPr id="140" name="Straight Connector 139">
             <a:extLst>
               <a:ext uri="{FF2B5EF4-FFF2-40B4-BE49-F238E27FC236}">
-                <a16:creationId xmlns:a16="http://schemas.microsoft.com/office/drawing/2014/main" xmlns="" id="{0CC784A9-D3B6-E741-8F87-1E8DD9075FCC}"/>
+                <a16:creationId xmlns:a16="http://schemas.microsoft.com/office/drawing/2014/main" id="{0CC784A9-D3B6-E741-8F87-1E8DD9075FCC}"/>
               </a:ext>
             </a:extLst>
           </p:cNvPr>
@@ -6350,7 +6270,7 @@
         </p:nvCxnSpPr>
         <p:spPr>
           <a:xfrm flipV="1">
-            <a:off x="3938502" y="3831874"/>
+            <a:off x="3965324" y="3760649"/>
             <a:ext cx="3" cy="256541"/>
           </a:xfrm>
           <a:prstGeom prst="line">
@@ -6359,7 +6279,7 @@
           <a:noFill/>
           <a:ln w="34925" cap="flat" cmpd="sng" algn="ctr">
             <a:solidFill>
-              <a:srgbClr val="92D050"/>
+              <a:srgbClr val="00B050"/>
             </a:solidFill>
             <a:prstDash val="solid"/>
             <a:miter lim="800000"/>
@@ -6374,7 +6294,7 @@
           <p:cNvPr id="141" name="Straight Connector 140">
             <a:extLst>
               <a:ext uri="{FF2B5EF4-FFF2-40B4-BE49-F238E27FC236}">
-                <a16:creationId xmlns:a16="http://schemas.microsoft.com/office/drawing/2014/main" xmlns="" id="{0CC784A9-D3B6-E741-8F87-1E8DD9075FCC}"/>
+                <a16:creationId xmlns:a16="http://schemas.microsoft.com/office/drawing/2014/main" id="{0CC784A9-D3B6-E741-8F87-1E8DD9075FCC}"/>
               </a:ext>
             </a:extLst>
           </p:cNvPr>
@@ -6385,7 +6305,7 @@
         </p:nvCxnSpPr>
         <p:spPr>
           <a:xfrm flipV="1">
-            <a:off x="6564725" y="3960759"/>
+            <a:off x="6591547" y="3889534"/>
             <a:ext cx="3" cy="144811"/>
           </a:xfrm>
           <a:prstGeom prst="line">
@@ -6394,7 +6314,7 @@
           <a:noFill/>
           <a:ln w="34925" cap="flat" cmpd="sng" algn="ctr">
             <a:solidFill>
-              <a:srgbClr val="92D050"/>
+              <a:srgbClr val="00B050"/>
             </a:solidFill>
             <a:prstDash val="solid"/>
             <a:miter lim="800000"/>
@@ -6412,7 +6332,7 @@
         </p:nvSpPr>
         <p:spPr>
           <a:xfrm>
-            <a:off x="2032518" y="3843953"/>
+            <a:off x="2059340" y="3772728"/>
             <a:ext cx="1483082" cy="369326"/>
           </a:xfrm>
           <a:prstGeom prst="rect">
@@ -6464,7 +6384,7 @@
           <p:cNvPr id="143" name="Straight Connector 142">
             <a:extLst>
               <a:ext uri="{FF2B5EF4-FFF2-40B4-BE49-F238E27FC236}">
-                <a16:creationId xmlns:a16="http://schemas.microsoft.com/office/drawing/2014/main" xmlns="" id="{A3C422AA-6611-1349-84DD-3EAC7A58C89D}"/>
+                <a16:creationId xmlns:a16="http://schemas.microsoft.com/office/drawing/2014/main" id="{A3C422AA-6611-1349-84DD-3EAC7A58C89D}"/>
               </a:ext>
             </a:extLst>
           </p:cNvPr>
@@ -6475,7 +6395,7 @@
         </p:nvCxnSpPr>
         <p:spPr>
           <a:xfrm flipH="1">
-            <a:off x="5406417" y="2517557"/>
+            <a:off x="5433239" y="2446332"/>
             <a:ext cx="978515" cy="0"/>
           </a:xfrm>
           <a:prstGeom prst="line">
@@ -6484,7 +6404,7 @@
           <a:noFill/>
           <a:ln w="34925" cap="flat" cmpd="sng" algn="ctr">
             <a:solidFill>
-              <a:srgbClr val="92D050"/>
+              <a:srgbClr val="00B050"/>
             </a:solidFill>
             <a:prstDash val="solid"/>
             <a:miter lim="800000"/>
@@ -6502,7 +6422,7 @@
         </p:nvSpPr>
         <p:spPr>
           <a:xfrm rot="19528294">
-            <a:off x="3936218" y="1804545"/>
+            <a:off x="3963040" y="1733320"/>
             <a:ext cx="869453" cy="369326"/>
           </a:xfrm>
           <a:prstGeom prst="rect">
@@ -6558,7 +6478,7 @@
         </p:nvSpPr>
         <p:spPr>
           <a:xfrm>
-            <a:off x="7027053" y="295631"/>
+            <a:off x="6908605" y="224406"/>
             <a:ext cx="1682867" cy="646325"/>
           </a:xfrm>
           <a:prstGeom prst="rect">
@@ -6642,6 +6562,3503 @@
     <p:extLst>
       <p:ext uri="{BB962C8B-B14F-4D97-AF65-F5344CB8AC3E}">
         <p14:creationId xmlns:p14="http://schemas.microsoft.com/office/powerpoint/2010/main" val="1680959998"/>
+      </p:ext>
+    </p:extLst>
+  </p:cSld>
+  <p:clrMapOvr>
+    <a:masterClrMapping/>
+  </p:clrMapOvr>
+</p:sld>
+</file>
+
+<file path=ppt/slides/slide2.xml><?xml version="1.0" encoding="utf-8"?>
+<p:sld xmlns:a="http://schemas.openxmlformats.org/drawingml/2006/main" xmlns:r="http://schemas.openxmlformats.org/officeDocument/2006/relationships" xmlns:p="http://schemas.openxmlformats.org/presentationml/2006/main">
+  <p:cSld>
+    <p:spTree>
+      <p:nvGrpSpPr>
+        <p:cNvPr id="1" name=""/>
+        <p:cNvGrpSpPr/>
+        <p:nvPr/>
+      </p:nvGrpSpPr>
+      <p:grpSpPr>
+        <a:xfrm>
+          <a:off x="0" y="0"/>
+          <a:ext cx="0" cy="0"/>
+          <a:chOff x="0" y="0"/>
+          <a:chExt cx="0" cy="0"/>
+        </a:xfrm>
+      </p:grpSpPr>
+      <p:sp>
+        <p:nvSpPr>
+          <p:cNvPr id="76" name="Rectangle 75">
+            <a:extLst>
+              <a:ext uri="{FF2B5EF4-FFF2-40B4-BE49-F238E27FC236}">
+                <a16:creationId xmlns:a16="http://schemas.microsoft.com/office/drawing/2014/main" id="{0E34ED88-2F29-5C4A-8401-A5B7542BBB84}"/>
+              </a:ext>
+            </a:extLst>
+          </p:cNvPr>
+          <p:cNvSpPr/>
+          <p:nvPr/>
+        </p:nvSpPr>
+        <p:spPr>
+          <a:xfrm>
+            <a:off x="615378" y="5030452"/>
+            <a:ext cx="8383217" cy="1397527"/>
+          </a:xfrm>
+          <a:prstGeom prst="rect">
+            <a:avLst/>
+          </a:prstGeom>
+          <a:solidFill>
+            <a:sysClr val="window" lastClr="FFFFFF">
+              <a:lumMod val="85000"/>
+            </a:sysClr>
+          </a:solidFill>
+          <a:ln w="34925" cap="flat" cmpd="sng" algn="ctr">
+            <a:solidFill>
+              <a:sysClr val="windowText" lastClr="000000"/>
+            </a:solidFill>
+            <a:prstDash val="solid"/>
+            <a:miter lim="800000"/>
+          </a:ln>
+          <a:effectLst/>
+        </p:spPr>
+        <p:txBody>
+          <a:bodyPr lIns="91432" tIns="45717" rIns="91432" bIns="45717" rtlCol="0" anchor="b" anchorCtr="0"/>
+          <a:lstStyle/>
+          <a:p>
+            <a:pPr marL="0" marR="0" lvl="0" indent="0" algn="ctr" defTabSz="914322" eaLnBrk="1" fontAlgn="auto" latinLnBrk="0" hangingPunct="1">
+              <a:lnSpc>
+                <a:spcPct val="100000"/>
+              </a:lnSpc>
+              <a:spcBef>
+                <a:spcPts val="0"/>
+              </a:spcBef>
+              <a:spcAft>
+                <a:spcPts val="0"/>
+              </a:spcAft>
+              <a:buClrTx/>
+              <a:buSzTx/>
+              <a:buFontTx/>
+              <a:buNone/>
+              <a:tabLst/>
+              <a:defRPr/>
+            </a:pPr>
+            <a:r>
+              <a:rPr kumimoji="0" lang="en-US" sz="1800" b="1" i="0" u="none" strike="noStrike" kern="0" cap="none" spc="0" normalizeH="0" baseline="0" noProof="0" dirty="0">
+                <a:ln>
+                  <a:noFill/>
+                </a:ln>
+                <a:solidFill>
+                  <a:prstClr val="black"/>
+                </a:solidFill>
+                <a:effectLst/>
+                <a:uLnTx/>
+                <a:uFillTx/>
+                <a:latin typeface="Calibri" panose="020F0502020204030204"/>
+                <a:ea typeface="+mn-ea"/>
+                <a:cs typeface="+mn-cs"/>
+              </a:rPr>
+              <a:t>Spacecraft Spun Module</a:t>
+            </a:r>
+          </a:p>
+        </p:txBody>
+      </p:sp>
+      <p:sp>
+        <p:nvSpPr>
+          <p:cNvPr id="77" name="Rectangle 76">
+            <a:extLst>
+              <a:ext uri="{FF2B5EF4-FFF2-40B4-BE49-F238E27FC236}">
+                <a16:creationId xmlns:a16="http://schemas.microsoft.com/office/drawing/2014/main" id="{B126887C-2B1F-534A-9595-8146A6BFEF51}"/>
+              </a:ext>
+            </a:extLst>
+          </p:cNvPr>
+          <p:cNvSpPr/>
+          <p:nvPr/>
+        </p:nvSpPr>
+        <p:spPr>
+          <a:xfrm>
+            <a:off x="1940343" y="1471293"/>
+            <a:ext cx="5865878" cy="2985346"/>
+          </a:xfrm>
+          <a:prstGeom prst="rect">
+            <a:avLst/>
+          </a:prstGeom>
+          <a:solidFill>
+            <a:schemeClr val="bg2">
+              <a:lumMod val="75000"/>
+            </a:schemeClr>
+          </a:solidFill>
+          <a:ln w="34925" cap="flat" cmpd="sng" algn="ctr">
+            <a:solidFill>
+              <a:sysClr val="windowText" lastClr="000000"/>
+            </a:solidFill>
+            <a:prstDash val="solid"/>
+            <a:miter lim="800000"/>
+          </a:ln>
+          <a:effectLst/>
+        </p:spPr>
+        <p:txBody>
+          <a:bodyPr lIns="91432" tIns="45717" rIns="91432" bIns="45717" rtlCol="0" anchor="b" anchorCtr="0"/>
+          <a:lstStyle/>
+          <a:p>
+            <a:pPr marL="0" marR="0" lvl="0" indent="0" algn="ctr" defTabSz="914322" eaLnBrk="1" fontAlgn="auto" latinLnBrk="0" hangingPunct="1">
+              <a:lnSpc>
+                <a:spcPct val="100000"/>
+              </a:lnSpc>
+              <a:spcBef>
+                <a:spcPts val="0"/>
+              </a:spcBef>
+              <a:spcAft>
+                <a:spcPts val="0"/>
+              </a:spcAft>
+              <a:buClrTx/>
+              <a:buSzTx/>
+              <a:buFontTx/>
+              <a:buNone/>
+              <a:tabLst/>
+              <a:defRPr/>
+            </a:pPr>
+            <a:r>
+              <a:rPr kumimoji="0" lang="en-US" sz="1800" b="1" i="0" u="none" strike="noStrike" kern="0" cap="none" spc="0" normalizeH="0" baseline="0" noProof="0" dirty="0">
+                <a:ln>
+                  <a:noFill/>
+                </a:ln>
+                <a:solidFill>
+                  <a:prstClr val="black"/>
+                </a:solidFill>
+                <a:effectLst/>
+                <a:uLnTx/>
+                <a:uFillTx/>
+                <a:latin typeface="Calibri" panose="020F0502020204030204"/>
+                <a:ea typeface="+mn-ea"/>
+                <a:cs typeface="+mn-cs"/>
+              </a:rPr>
+              <a:t>Telescope Box</a:t>
+            </a:r>
+          </a:p>
+        </p:txBody>
+      </p:sp>
+      <p:sp>
+        <p:nvSpPr>
+          <p:cNvPr id="78" name="Rectangle 77">
+            <a:extLst>
+              <a:ext uri="{FF2B5EF4-FFF2-40B4-BE49-F238E27FC236}">
+                <a16:creationId xmlns:a16="http://schemas.microsoft.com/office/drawing/2014/main" id="{22719A5A-3253-9D4D-B2CF-32CD84CEF205}"/>
+              </a:ext>
+            </a:extLst>
+          </p:cNvPr>
+          <p:cNvSpPr/>
+          <p:nvPr/>
+        </p:nvSpPr>
+        <p:spPr>
+          <a:xfrm>
+            <a:off x="645301" y="2299812"/>
+            <a:ext cx="1120391" cy="582427"/>
+          </a:xfrm>
+          <a:prstGeom prst="rect">
+            <a:avLst/>
+          </a:prstGeom>
+          <a:solidFill>
+            <a:srgbClr val="ED7D31">
+              <a:lumMod val="60000"/>
+              <a:lumOff val="40000"/>
+            </a:srgbClr>
+          </a:solidFill>
+          <a:ln w="34925" cap="flat" cmpd="sng" algn="ctr">
+            <a:solidFill>
+              <a:sysClr val="windowText" lastClr="000000"/>
+            </a:solidFill>
+            <a:prstDash val="solid"/>
+            <a:miter lim="800000"/>
+          </a:ln>
+          <a:effectLst/>
+        </p:spPr>
+        <p:txBody>
+          <a:bodyPr lIns="91432" tIns="45717" rIns="91432" bIns="45717" rtlCol="0" anchor="ctr"/>
+          <a:lstStyle/>
+          <a:p>
+            <a:pPr marL="0" marR="0" lvl="0" indent="0" algn="ctr" defTabSz="914322" eaLnBrk="1" fontAlgn="auto" latinLnBrk="0" hangingPunct="1">
+              <a:lnSpc>
+                <a:spcPct val="100000"/>
+              </a:lnSpc>
+              <a:spcBef>
+                <a:spcPts val="0"/>
+              </a:spcBef>
+              <a:spcAft>
+                <a:spcPts val="0"/>
+              </a:spcAft>
+              <a:buClrTx/>
+              <a:buSzTx/>
+              <a:buFontTx/>
+              <a:buNone/>
+              <a:tabLst/>
+              <a:defRPr/>
+            </a:pPr>
+            <a:r>
+              <a:rPr kumimoji="0" lang="en-US" sz="1800" b="1" i="0" u="none" strike="noStrike" kern="0" cap="none" spc="0" normalizeH="0" baseline="0" noProof="0" dirty="0">
+                <a:ln>
+                  <a:noFill/>
+                </a:ln>
+                <a:solidFill>
+                  <a:prstClr val="black"/>
+                </a:solidFill>
+                <a:effectLst/>
+                <a:uLnTx/>
+                <a:uFillTx/>
+                <a:latin typeface="Calibri" panose="020F0502020204030204"/>
+                <a:ea typeface="+mn-ea"/>
+                <a:cs typeface="+mn-cs"/>
+              </a:rPr>
+              <a:t>Structural</a:t>
+            </a:r>
+          </a:p>
+          <a:p>
+            <a:pPr marL="0" marR="0" lvl="0" indent="0" algn="ctr" defTabSz="914322" eaLnBrk="1" fontAlgn="auto" latinLnBrk="0" hangingPunct="1">
+              <a:lnSpc>
+                <a:spcPct val="100000"/>
+              </a:lnSpc>
+              <a:spcBef>
+                <a:spcPts val="0"/>
+              </a:spcBef>
+              <a:spcAft>
+                <a:spcPts val="0"/>
+              </a:spcAft>
+              <a:buClrTx/>
+              <a:buSzTx/>
+              <a:buFontTx/>
+              <a:buNone/>
+              <a:tabLst/>
+              <a:defRPr/>
+            </a:pPr>
+            <a:r>
+              <a:rPr kumimoji="0" lang="en-US" sz="1800" b="1" i="0" u="none" strike="noStrike" kern="0" cap="none" spc="0" normalizeH="0" baseline="0" noProof="0" dirty="0">
+                <a:ln>
+                  <a:noFill/>
+                </a:ln>
+                <a:solidFill>
+                  <a:prstClr val="black"/>
+                </a:solidFill>
+                <a:effectLst/>
+                <a:uLnTx/>
+                <a:uFillTx/>
+                <a:latin typeface="Calibri" panose="020F0502020204030204"/>
+                <a:ea typeface="+mn-ea"/>
+                <a:cs typeface="+mn-cs"/>
+              </a:rPr>
+              <a:t>Ring</a:t>
+            </a:r>
+          </a:p>
+        </p:txBody>
+      </p:sp>
+      <p:sp>
+        <p:nvSpPr>
+          <p:cNvPr id="79" name="Rectangle 78">
+            <a:extLst>
+              <a:ext uri="{FF2B5EF4-FFF2-40B4-BE49-F238E27FC236}">
+                <a16:creationId xmlns:a16="http://schemas.microsoft.com/office/drawing/2014/main" id="{D72404A3-DBC3-144F-BD5D-CE7DEA00A220}"/>
+              </a:ext>
+            </a:extLst>
+          </p:cNvPr>
+          <p:cNvSpPr/>
+          <p:nvPr/>
+        </p:nvSpPr>
+        <p:spPr>
+          <a:xfrm>
+            <a:off x="7980871" y="2299811"/>
+            <a:ext cx="1120391" cy="582427"/>
+          </a:xfrm>
+          <a:prstGeom prst="rect">
+            <a:avLst/>
+          </a:prstGeom>
+          <a:solidFill>
+            <a:srgbClr val="ED7D31">
+              <a:lumMod val="60000"/>
+              <a:lumOff val="40000"/>
+            </a:srgbClr>
+          </a:solidFill>
+          <a:ln w="34925" cap="flat" cmpd="sng" algn="ctr">
+            <a:solidFill>
+              <a:sysClr val="windowText" lastClr="000000"/>
+            </a:solidFill>
+            <a:prstDash val="solid"/>
+            <a:miter lim="800000"/>
+          </a:ln>
+          <a:effectLst/>
+        </p:spPr>
+        <p:txBody>
+          <a:bodyPr lIns="91432" tIns="45717" rIns="91432" bIns="45717" rtlCol="0" anchor="ctr"/>
+          <a:lstStyle/>
+          <a:p>
+            <a:pPr marL="0" marR="0" lvl="0" indent="0" algn="ctr" defTabSz="914322" eaLnBrk="1" fontAlgn="auto" latinLnBrk="0" hangingPunct="1">
+              <a:lnSpc>
+                <a:spcPct val="100000"/>
+              </a:lnSpc>
+              <a:spcBef>
+                <a:spcPts val="0"/>
+              </a:spcBef>
+              <a:spcAft>
+                <a:spcPts val="0"/>
+              </a:spcAft>
+              <a:buClrTx/>
+              <a:buSzTx/>
+              <a:buFontTx/>
+              <a:buNone/>
+              <a:tabLst/>
+              <a:defRPr/>
+            </a:pPr>
+            <a:r>
+              <a:rPr kumimoji="0" lang="en-US" sz="1800" b="1" i="0" u="none" strike="noStrike" kern="0" cap="none" spc="0" normalizeH="0" baseline="0" noProof="0" dirty="0">
+                <a:ln>
+                  <a:noFill/>
+                </a:ln>
+                <a:solidFill>
+                  <a:prstClr val="black"/>
+                </a:solidFill>
+                <a:effectLst/>
+                <a:uLnTx/>
+                <a:uFillTx/>
+                <a:latin typeface="Calibri" panose="020F0502020204030204"/>
+                <a:ea typeface="+mn-ea"/>
+                <a:cs typeface="+mn-cs"/>
+              </a:rPr>
+              <a:t>Structural</a:t>
+            </a:r>
+          </a:p>
+          <a:p>
+            <a:pPr marL="0" marR="0" lvl="0" indent="0" algn="ctr" defTabSz="914322" eaLnBrk="1" fontAlgn="auto" latinLnBrk="0" hangingPunct="1">
+              <a:lnSpc>
+                <a:spcPct val="100000"/>
+              </a:lnSpc>
+              <a:spcBef>
+                <a:spcPts val="0"/>
+              </a:spcBef>
+              <a:spcAft>
+                <a:spcPts val="0"/>
+              </a:spcAft>
+              <a:buClrTx/>
+              <a:buSzTx/>
+              <a:buFontTx/>
+              <a:buNone/>
+              <a:tabLst/>
+              <a:defRPr/>
+            </a:pPr>
+            <a:r>
+              <a:rPr kumimoji="0" lang="en-US" sz="1800" b="1" i="0" u="none" strike="noStrike" kern="0" cap="none" spc="0" normalizeH="0" baseline="0" noProof="0" dirty="0">
+                <a:ln>
+                  <a:noFill/>
+                </a:ln>
+                <a:solidFill>
+                  <a:prstClr val="black"/>
+                </a:solidFill>
+                <a:effectLst/>
+                <a:uLnTx/>
+                <a:uFillTx/>
+                <a:latin typeface="Calibri" panose="020F0502020204030204"/>
+                <a:ea typeface="+mn-ea"/>
+                <a:cs typeface="+mn-cs"/>
+              </a:rPr>
+              <a:t>Ring</a:t>
+            </a:r>
+          </a:p>
+        </p:txBody>
+      </p:sp>
+      <p:sp>
+        <p:nvSpPr>
+          <p:cNvPr id="80" name="Rectangle 79">
+            <a:extLst>
+              <a:ext uri="{FF2B5EF4-FFF2-40B4-BE49-F238E27FC236}">
+                <a16:creationId xmlns:a16="http://schemas.microsoft.com/office/drawing/2014/main" id="{890AD21C-71E3-F642-A48D-C334EC0B1863}"/>
+              </a:ext>
+            </a:extLst>
+          </p:cNvPr>
+          <p:cNvSpPr/>
+          <p:nvPr/>
+        </p:nvSpPr>
+        <p:spPr>
+          <a:xfrm rot="17681335">
+            <a:off x="603082" y="953357"/>
+            <a:ext cx="2181375" cy="287363"/>
+          </a:xfrm>
+          <a:prstGeom prst="rect">
+            <a:avLst/>
+          </a:prstGeom>
+          <a:solidFill>
+            <a:srgbClr val="44546A">
+              <a:lumMod val="40000"/>
+              <a:lumOff val="60000"/>
+            </a:srgbClr>
+          </a:solidFill>
+          <a:ln w="34925" cap="flat" cmpd="sng" algn="ctr">
+            <a:solidFill>
+              <a:sysClr val="windowText" lastClr="000000"/>
+            </a:solidFill>
+            <a:prstDash val="solid"/>
+            <a:miter lim="800000"/>
+          </a:ln>
+          <a:effectLst/>
+        </p:spPr>
+        <p:txBody>
+          <a:bodyPr lIns="91432" tIns="45717" rIns="91432" bIns="45717" rtlCol="0" anchor="ctr"/>
+          <a:lstStyle/>
+          <a:p>
+            <a:pPr marL="0" marR="0" lvl="0" indent="0" algn="ctr" defTabSz="914322" eaLnBrk="1" fontAlgn="auto" latinLnBrk="0" hangingPunct="1">
+              <a:lnSpc>
+                <a:spcPct val="100000"/>
+              </a:lnSpc>
+              <a:spcBef>
+                <a:spcPts val="0"/>
+              </a:spcBef>
+              <a:spcAft>
+                <a:spcPts val="0"/>
+              </a:spcAft>
+              <a:buClrTx/>
+              <a:buSzTx/>
+              <a:buFontTx/>
+              <a:buNone/>
+              <a:tabLst/>
+              <a:defRPr/>
+            </a:pPr>
+            <a:r>
+              <a:rPr kumimoji="0" lang="en-US" sz="1800" b="1" i="0" u="none" strike="noStrike" kern="0" cap="none" spc="0" normalizeH="0" baseline="0" noProof="0" dirty="0">
+                <a:ln>
+                  <a:noFill/>
+                </a:ln>
+                <a:solidFill>
+                  <a:prstClr val="black"/>
+                </a:solidFill>
+                <a:effectLst/>
+                <a:uLnTx/>
+                <a:uFillTx/>
+                <a:latin typeface="Calibri" panose="020F0502020204030204"/>
+                <a:ea typeface="+mn-ea"/>
+                <a:cs typeface="+mn-cs"/>
+              </a:rPr>
+              <a:t>Primary Reflector</a:t>
+            </a:r>
+          </a:p>
+        </p:txBody>
+      </p:sp>
+      <p:sp>
+        <p:nvSpPr>
+          <p:cNvPr id="81" name="Rectangle 80">
+            <a:extLst>
+              <a:ext uri="{FF2B5EF4-FFF2-40B4-BE49-F238E27FC236}">
+                <a16:creationId xmlns:a16="http://schemas.microsoft.com/office/drawing/2014/main" id="{4AA5C52C-5A08-F148-935A-F9E796346515}"/>
+              </a:ext>
+            </a:extLst>
+          </p:cNvPr>
+          <p:cNvSpPr/>
+          <p:nvPr/>
+        </p:nvSpPr>
+        <p:spPr>
+          <a:xfrm rot="261970">
+            <a:off x="3040341" y="3432312"/>
+            <a:ext cx="1294486" cy="291845"/>
+          </a:xfrm>
+          <a:prstGeom prst="rect">
+            <a:avLst/>
+          </a:prstGeom>
+          <a:solidFill>
+            <a:srgbClr val="44546A">
+              <a:lumMod val="40000"/>
+              <a:lumOff val="60000"/>
+            </a:srgbClr>
+          </a:solidFill>
+          <a:ln w="34925" cap="flat" cmpd="sng" algn="ctr">
+            <a:solidFill>
+              <a:sysClr val="windowText" lastClr="000000"/>
+            </a:solidFill>
+            <a:prstDash val="solid"/>
+            <a:miter lim="800000"/>
+          </a:ln>
+          <a:effectLst/>
+        </p:spPr>
+        <p:txBody>
+          <a:bodyPr lIns="91432" tIns="45717" rIns="91432" bIns="45717" rtlCol="0" anchor="ctr"/>
+          <a:lstStyle/>
+          <a:p>
+            <a:pPr marL="0" marR="0" lvl="0" indent="0" algn="ctr" defTabSz="914322" eaLnBrk="1" fontAlgn="auto" latinLnBrk="0" hangingPunct="1">
+              <a:lnSpc>
+                <a:spcPct val="100000"/>
+              </a:lnSpc>
+              <a:spcBef>
+                <a:spcPts val="0"/>
+              </a:spcBef>
+              <a:spcAft>
+                <a:spcPts val="0"/>
+              </a:spcAft>
+              <a:buClrTx/>
+              <a:buSzTx/>
+              <a:buFontTx/>
+              <a:buNone/>
+              <a:tabLst/>
+              <a:defRPr/>
+            </a:pPr>
+            <a:r>
+              <a:rPr kumimoji="0" lang="en-US" sz="1800" b="1" i="0" u="none" strike="noStrike" kern="0" cap="none" spc="0" normalizeH="0" baseline="0" noProof="0" dirty="0">
+                <a:ln>
+                  <a:noFill/>
+                </a:ln>
+                <a:solidFill>
+                  <a:prstClr val="black"/>
+                </a:solidFill>
+                <a:effectLst/>
+                <a:uLnTx/>
+                <a:uFillTx/>
+                <a:latin typeface="Calibri" panose="020F0502020204030204"/>
+                <a:ea typeface="+mn-ea"/>
+                <a:cs typeface="+mn-cs"/>
+              </a:rPr>
+              <a:t>Secondary</a:t>
+            </a:r>
+          </a:p>
+        </p:txBody>
+      </p:sp>
+      <p:grpSp>
+        <p:nvGrpSpPr>
+          <p:cNvPr id="82" name="Group 81">
+            <a:extLst>
+              <a:ext uri="{FF2B5EF4-FFF2-40B4-BE49-F238E27FC236}">
+                <a16:creationId xmlns:a16="http://schemas.microsoft.com/office/drawing/2014/main" id="{3BCB957B-8DEA-1A4E-972C-A5805B9C22B1}"/>
+              </a:ext>
+            </a:extLst>
+          </p:cNvPr>
+          <p:cNvGrpSpPr/>
+          <p:nvPr/>
+        </p:nvGrpSpPr>
+        <p:grpSpPr>
+          <a:xfrm rot="3269915">
+            <a:off x="4121755" y="2257164"/>
+            <a:ext cx="2019910" cy="1036869"/>
+            <a:chOff x="5437021" y="2056061"/>
+            <a:chExt cx="2019910" cy="1036869"/>
+          </a:xfrm>
+        </p:grpSpPr>
+        <p:sp>
+          <p:nvSpPr>
+            <p:cNvPr id="83" name="Rectangle 82">
+              <a:extLst>
+                <a:ext uri="{FF2B5EF4-FFF2-40B4-BE49-F238E27FC236}">
+                  <a16:creationId xmlns:a16="http://schemas.microsoft.com/office/drawing/2014/main" id="{9ECADDBC-80A9-B042-B0CD-BBD7DF4A58D1}"/>
+                </a:ext>
+              </a:extLst>
+            </p:cNvPr>
+            <p:cNvSpPr/>
+            <p:nvPr/>
+          </p:nvSpPr>
+          <p:spPr>
+            <a:xfrm>
+              <a:off x="5533033" y="2168787"/>
+              <a:ext cx="1827886" cy="291845"/>
+            </a:xfrm>
+            <a:prstGeom prst="rect">
+              <a:avLst/>
+            </a:prstGeom>
+            <a:solidFill>
+              <a:sysClr val="window" lastClr="FFFFFF"/>
+            </a:solidFill>
+            <a:ln w="34925" cap="flat" cmpd="sng" algn="ctr">
+              <a:solidFill>
+                <a:sysClr val="windowText" lastClr="000000"/>
+              </a:solidFill>
+              <a:prstDash val="solid"/>
+              <a:miter lim="800000"/>
+            </a:ln>
+            <a:effectLst/>
+          </p:spPr>
+          <p:txBody>
+            <a:bodyPr rtlCol="0" anchor="ctr"/>
+            <a:lstStyle/>
+            <a:p>
+              <a:pPr marL="0" marR="0" lvl="0" indent="0" algn="ctr" defTabSz="914322" eaLnBrk="1" fontAlgn="auto" latinLnBrk="0" hangingPunct="1">
+                <a:lnSpc>
+                  <a:spcPct val="100000"/>
+                </a:lnSpc>
+                <a:spcBef>
+                  <a:spcPts val="0"/>
+                </a:spcBef>
+                <a:spcAft>
+                  <a:spcPts val="0"/>
+                </a:spcAft>
+                <a:buClrTx/>
+                <a:buSzTx/>
+                <a:buFontTx/>
+                <a:buNone/>
+                <a:tabLst/>
+                <a:defRPr/>
+              </a:pPr>
+              <a:r>
+                <a:rPr kumimoji="0" lang="en-US" sz="1800" b="1" i="0" u="none" strike="noStrike" kern="0" cap="none" spc="0" normalizeH="0" baseline="0" noProof="0" dirty="0">
+                  <a:ln>
+                    <a:noFill/>
+                  </a:ln>
+                  <a:solidFill>
+                    <a:prstClr val="black"/>
+                  </a:solidFill>
+                  <a:effectLst/>
+                  <a:uLnTx/>
+                  <a:uFillTx/>
+                  <a:latin typeface="Calibri" panose="020F0502020204030204"/>
+                  <a:ea typeface="+mn-ea"/>
+                  <a:cs typeface="+mn-cs"/>
+                </a:rPr>
+                <a:t>Focal Plane</a:t>
+              </a:r>
+            </a:p>
+          </p:txBody>
+        </p:sp>
+        <p:sp>
+          <p:nvSpPr>
+            <p:cNvPr id="84" name="Rectangle 83">
+              <a:extLst>
+                <a:ext uri="{FF2B5EF4-FFF2-40B4-BE49-F238E27FC236}">
+                  <a16:creationId xmlns:a16="http://schemas.microsoft.com/office/drawing/2014/main" id="{98CD55E0-74BE-1A41-B122-A0F3FA2CEF0E}"/>
+                </a:ext>
+              </a:extLst>
+            </p:cNvPr>
+            <p:cNvSpPr/>
+            <p:nvPr/>
+          </p:nvSpPr>
+          <p:spPr>
+            <a:xfrm>
+              <a:off x="5533034" y="2558931"/>
+              <a:ext cx="1827886" cy="291845"/>
+            </a:xfrm>
+            <a:prstGeom prst="rect">
+              <a:avLst/>
+            </a:prstGeom>
+            <a:solidFill>
+              <a:sysClr val="window" lastClr="FFFFFF"/>
+            </a:solidFill>
+            <a:ln w="34925" cap="flat" cmpd="sng" algn="ctr">
+              <a:solidFill>
+                <a:sysClr val="windowText" lastClr="000000"/>
+              </a:solidFill>
+              <a:prstDash val="solid"/>
+              <a:miter lim="800000"/>
+            </a:ln>
+            <a:effectLst/>
+          </p:spPr>
+          <p:txBody>
+            <a:bodyPr rtlCol="0" anchor="ctr"/>
+            <a:lstStyle/>
+            <a:p>
+              <a:pPr marL="0" marR="0" lvl="0" indent="0" algn="ctr" defTabSz="914322" eaLnBrk="1" fontAlgn="auto" latinLnBrk="0" hangingPunct="1">
+                <a:lnSpc>
+                  <a:spcPct val="100000"/>
+                </a:lnSpc>
+                <a:spcBef>
+                  <a:spcPts val="0"/>
+                </a:spcBef>
+                <a:spcAft>
+                  <a:spcPts val="0"/>
+                </a:spcAft>
+                <a:buClrTx/>
+                <a:buSzTx/>
+                <a:buFontTx/>
+                <a:buNone/>
+                <a:tabLst/>
+                <a:defRPr/>
+              </a:pPr>
+              <a:r>
+                <a:rPr kumimoji="0" lang="en-US" sz="1800" b="1" i="0" u="none" strike="noStrike" kern="0" cap="none" spc="0" normalizeH="0" baseline="0" noProof="0" dirty="0">
+                  <a:ln>
+                    <a:noFill/>
+                  </a:ln>
+                  <a:solidFill>
+                    <a:prstClr val="black"/>
+                  </a:solidFill>
+                  <a:effectLst/>
+                  <a:uLnTx/>
+                  <a:uFillTx/>
+                  <a:latin typeface="Calibri" panose="020F0502020204030204"/>
+                  <a:ea typeface="+mn-ea"/>
+                  <a:cs typeface="+mn-cs"/>
+                </a:rPr>
+                <a:t>Filter</a:t>
+              </a:r>
+            </a:p>
+          </p:txBody>
+        </p:sp>
+        <p:sp>
+          <p:nvSpPr>
+            <p:cNvPr id="85" name="Rectangle 84">
+              <a:extLst>
+                <a:ext uri="{FF2B5EF4-FFF2-40B4-BE49-F238E27FC236}">
+                  <a16:creationId xmlns:a16="http://schemas.microsoft.com/office/drawing/2014/main" id="{7559C87F-5282-B34D-B22C-73DB21BDC6A4}"/>
+                </a:ext>
+              </a:extLst>
+            </p:cNvPr>
+            <p:cNvSpPr/>
+            <p:nvPr/>
+          </p:nvSpPr>
+          <p:spPr>
+            <a:xfrm>
+              <a:off x="5437021" y="2056061"/>
+              <a:ext cx="2019910" cy="1036869"/>
+            </a:xfrm>
+            <a:prstGeom prst="rect">
+              <a:avLst/>
+            </a:prstGeom>
+            <a:noFill/>
+            <a:ln w="34925" cap="flat" cmpd="sng" algn="ctr">
+              <a:solidFill>
+                <a:sysClr val="windowText" lastClr="000000"/>
+              </a:solidFill>
+              <a:prstDash val="solid"/>
+              <a:miter lim="800000"/>
+            </a:ln>
+            <a:effectLst/>
+          </p:spPr>
+          <p:txBody>
+            <a:bodyPr rtlCol="0" anchor="b" anchorCtr="1"/>
+            <a:lstStyle/>
+            <a:p>
+              <a:pPr marL="0" marR="0" lvl="0" indent="0" algn="ctr" defTabSz="914322" eaLnBrk="1" fontAlgn="auto" latinLnBrk="0" hangingPunct="1">
+                <a:lnSpc>
+                  <a:spcPct val="100000"/>
+                </a:lnSpc>
+                <a:spcBef>
+                  <a:spcPts val="0"/>
+                </a:spcBef>
+                <a:spcAft>
+                  <a:spcPts val="0"/>
+                </a:spcAft>
+                <a:buClrTx/>
+                <a:buSzTx/>
+                <a:buFontTx/>
+                <a:buNone/>
+                <a:tabLst/>
+                <a:defRPr/>
+              </a:pPr>
+              <a:endParaRPr kumimoji="0" lang="en-US" sz="1500" b="1" i="0" u="none" strike="noStrike" kern="0" cap="none" spc="0" normalizeH="0" baseline="0" noProof="0" dirty="0">
+                <a:ln>
+                  <a:noFill/>
+                </a:ln>
+                <a:solidFill>
+                  <a:prstClr val="black"/>
+                </a:solidFill>
+                <a:effectLst/>
+                <a:uLnTx/>
+                <a:uFillTx/>
+                <a:latin typeface="Calibri" panose="020F0502020204030204"/>
+                <a:ea typeface="+mn-ea"/>
+                <a:cs typeface="+mn-cs"/>
+              </a:endParaRPr>
+            </a:p>
+          </p:txBody>
+        </p:sp>
+      </p:grpSp>
+      <p:sp>
+        <p:nvSpPr>
+          <p:cNvPr id="86" name="Rectangle 85">
+            <a:extLst>
+              <a:ext uri="{FF2B5EF4-FFF2-40B4-BE49-F238E27FC236}">
+                <a16:creationId xmlns:a16="http://schemas.microsoft.com/office/drawing/2014/main" id="{8EE46952-19B6-484B-9EF1-62E137E03645}"/>
+              </a:ext>
+            </a:extLst>
+          </p:cNvPr>
+          <p:cNvSpPr/>
+          <p:nvPr/>
+        </p:nvSpPr>
+        <p:spPr>
+          <a:xfrm>
+            <a:off x="6388522" y="2057280"/>
+            <a:ext cx="845821" cy="824959"/>
+          </a:xfrm>
+          <a:prstGeom prst="rect">
+            <a:avLst/>
+          </a:prstGeom>
+          <a:solidFill>
+            <a:sysClr val="window" lastClr="FFFFFF"/>
+          </a:solidFill>
+          <a:ln w="34925" cap="flat" cmpd="sng" algn="ctr">
+            <a:solidFill>
+              <a:sysClr val="windowText" lastClr="000000"/>
+            </a:solidFill>
+            <a:prstDash val="solid"/>
+            <a:miter lim="800000"/>
+          </a:ln>
+          <a:effectLst/>
+        </p:spPr>
+        <p:txBody>
+          <a:bodyPr lIns="91432" tIns="45717" rIns="91432" bIns="45717" rtlCol="0" anchor="ctr"/>
+          <a:lstStyle/>
+          <a:p>
+            <a:pPr marL="0" marR="0" lvl="0" indent="0" algn="ctr" defTabSz="914322" eaLnBrk="1" fontAlgn="auto" latinLnBrk="0" hangingPunct="1">
+              <a:lnSpc>
+                <a:spcPct val="100000"/>
+              </a:lnSpc>
+              <a:spcBef>
+                <a:spcPts val="0"/>
+              </a:spcBef>
+              <a:spcAft>
+                <a:spcPts val="0"/>
+              </a:spcAft>
+              <a:buClrTx/>
+              <a:buSzTx/>
+              <a:buFontTx/>
+              <a:buNone/>
+              <a:tabLst/>
+              <a:defRPr/>
+            </a:pPr>
+            <a:r>
+              <a:rPr kumimoji="0" lang="en-US" sz="1800" b="1" i="0" u="none" strike="noStrike" kern="0" cap="none" spc="0" normalizeH="0" baseline="0" noProof="0" dirty="0">
+                <a:ln>
+                  <a:noFill/>
+                </a:ln>
+                <a:solidFill>
+                  <a:prstClr val="black"/>
+                </a:solidFill>
+                <a:effectLst/>
+                <a:uLnTx/>
+                <a:uFillTx/>
+                <a:latin typeface="Calibri" panose="020F0502020204030204"/>
+                <a:ea typeface="+mn-ea"/>
+                <a:cs typeface="+mn-cs"/>
+              </a:rPr>
+              <a:t>cADR Cold Heads</a:t>
+            </a:r>
+          </a:p>
+        </p:txBody>
+      </p:sp>
+      <p:sp>
+        <p:nvSpPr>
+          <p:cNvPr id="87" name="Rectangle 86">
+            <a:extLst>
+              <a:ext uri="{FF2B5EF4-FFF2-40B4-BE49-F238E27FC236}">
+                <a16:creationId xmlns:a16="http://schemas.microsoft.com/office/drawing/2014/main" id="{CFDF541D-29B0-E746-9928-FF2AD23A375C}"/>
+              </a:ext>
+            </a:extLst>
+          </p:cNvPr>
+          <p:cNvSpPr/>
+          <p:nvPr/>
+        </p:nvSpPr>
+        <p:spPr>
+          <a:xfrm>
+            <a:off x="6388522" y="3068865"/>
+            <a:ext cx="845821" cy="824959"/>
+          </a:xfrm>
+          <a:prstGeom prst="rect">
+            <a:avLst/>
+          </a:prstGeom>
+          <a:solidFill>
+            <a:sysClr val="window" lastClr="FFFFFF"/>
+          </a:solidFill>
+          <a:ln w="34925" cap="flat" cmpd="sng" algn="ctr">
+            <a:solidFill>
+              <a:sysClr val="windowText" lastClr="000000"/>
+            </a:solidFill>
+            <a:prstDash val="solid"/>
+            <a:miter lim="800000"/>
+          </a:ln>
+          <a:effectLst/>
+        </p:spPr>
+        <p:txBody>
+          <a:bodyPr lIns="91432" tIns="45717" rIns="91432" bIns="45717" rtlCol="0" anchor="ctr"/>
+          <a:lstStyle/>
+          <a:p>
+            <a:pPr marL="0" marR="0" lvl="0" indent="0" algn="ctr" defTabSz="914322" eaLnBrk="1" fontAlgn="auto" latinLnBrk="0" hangingPunct="1">
+              <a:lnSpc>
+                <a:spcPct val="100000"/>
+              </a:lnSpc>
+              <a:spcBef>
+                <a:spcPts val="0"/>
+              </a:spcBef>
+              <a:spcAft>
+                <a:spcPts val="0"/>
+              </a:spcAft>
+              <a:buClrTx/>
+              <a:buSzTx/>
+              <a:buFontTx/>
+              <a:buNone/>
+              <a:tabLst/>
+              <a:defRPr/>
+            </a:pPr>
+            <a:r>
+              <a:rPr kumimoji="0" lang="en-US" sz="1800" b="1" i="0" u="none" strike="noStrike" kern="0" cap="none" spc="0" normalizeH="0" baseline="0" noProof="0" dirty="0">
+                <a:ln>
+                  <a:noFill/>
+                </a:ln>
+                <a:solidFill>
+                  <a:prstClr val="black"/>
+                </a:solidFill>
+                <a:effectLst/>
+                <a:uLnTx/>
+                <a:uFillTx/>
+                <a:latin typeface="Calibri" panose="020F0502020204030204"/>
+                <a:ea typeface="+mn-ea"/>
+                <a:cs typeface="+mn-cs"/>
+              </a:rPr>
+              <a:t>J-T Cold Heads</a:t>
+            </a:r>
+          </a:p>
+        </p:txBody>
+      </p:sp>
+      <p:sp>
+        <p:nvSpPr>
+          <p:cNvPr id="88" name="Rectangle 87">
+            <a:extLst>
+              <a:ext uri="{FF2B5EF4-FFF2-40B4-BE49-F238E27FC236}">
+                <a16:creationId xmlns:a16="http://schemas.microsoft.com/office/drawing/2014/main" id="{E62E4D15-9589-4C42-B6D8-14DC5A62D2E7}"/>
+              </a:ext>
+            </a:extLst>
+          </p:cNvPr>
+          <p:cNvSpPr/>
+          <p:nvPr/>
+        </p:nvSpPr>
+        <p:spPr>
+          <a:xfrm>
+            <a:off x="859960" y="5488750"/>
+            <a:ext cx="1985855" cy="591418"/>
+          </a:xfrm>
+          <a:prstGeom prst="rect">
+            <a:avLst/>
+          </a:prstGeom>
+          <a:noFill/>
+          <a:ln w="34925" cap="flat" cmpd="sng" algn="ctr">
+            <a:solidFill>
+              <a:sysClr val="windowText" lastClr="000000"/>
+            </a:solidFill>
+            <a:prstDash val="solid"/>
+            <a:miter lim="800000"/>
+          </a:ln>
+          <a:effectLst/>
+        </p:spPr>
+        <p:txBody>
+          <a:bodyPr lIns="91432" tIns="45717" rIns="91432" bIns="45717" rtlCol="0" anchor="ctr"/>
+          <a:lstStyle/>
+          <a:p>
+            <a:pPr marL="0" marR="0" lvl="0" indent="0" algn="ctr" defTabSz="914322" eaLnBrk="1" fontAlgn="auto" latinLnBrk="0" hangingPunct="1">
+              <a:lnSpc>
+                <a:spcPct val="100000"/>
+              </a:lnSpc>
+              <a:spcBef>
+                <a:spcPts val="0"/>
+              </a:spcBef>
+              <a:spcAft>
+                <a:spcPts val="0"/>
+              </a:spcAft>
+              <a:buClrTx/>
+              <a:buSzTx/>
+              <a:buFontTx/>
+              <a:buNone/>
+              <a:tabLst/>
+              <a:defRPr/>
+            </a:pPr>
+            <a:r>
+              <a:rPr kumimoji="0" lang="en-US" sz="1800" b="1" i="0" u="none" strike="noStrike" kern="0" cap="none" spc="0" normalizeH="0" baseline="0" noProof="0" dirty="0">
+                <a:ln>
+                  <a:noFill/>
+                </a:ln>
+                <a:solidFill>
+                  <a:prstClr val="black"/>
+                </a:solidFill>
+                <a:effectLst/>
+                <a:uLnTx/>
+                <a:uFillTx/>
+                <a:latin typeface="Calibri" panose="020F0502020204030204"/>
+                <a:ea typeface="+mn-ea"/>
+                <a:cs typeface="+mn-cs"/>
+              </a:rPr>
+              <a:t>Detector Readout Electronics</a:t>
+            </a:r>
+          </a:p>
+        </p:txBody>
+      </p:sp>
+      <p:sp>
+        <p:nvSpPr>
+          <p:cNvPr id="89" name="Rectangle 88">
+            <a:extLst>
+              <a:ext uri="{FF2B5EF4-FFF2-40B4-BE49-F238E27FC236}">
+                <a16:creationId xmlns:a16="http://schemas.microsoft.com/office/drawing/2014/main" id="{2853F098-83B5-BA4B-B909-7D0D84221A7D}"/>
+              </a:ext>
+            </a:extLst>
+          </p:cNvPr>
+          <p:cNvSpPr/>
+          <p:nvPr/>
+        </p:nvSpPr>
+        <p:spPr>
+          <a:xfrm>
+            <a:off x="2986026" y="5500201"/>
+            <a:ext cx="1402233" cy="575197"/>
+          </a:xfrm>
+          <a:prstGeom prst="rect">
+            <a:avLst/>
+          </a:prstGeom>
+          <a:noFill/>
+          <a:ln w="34925" cap="flat" cmpd="sng" algn="ctr">
+            <a:solidFill>
+              <a:sysClr val="windowText" lastClr="000000"/>
+            </a:solidFill>
+            <a:prstDash val="solid"/>
+            <a:miter lim="800000"/>
+          </a:ln>
+          <a:effectLst/>
+        </p:spPr>
+        <p:txBody>
+          <a:bodyPr lIns="91432" tIns="45717" rIns="91432" bIns="45717" rtlCol="0" anchor="ctr"/>
+          <a:lstStyle/>
+          <a:p>
+            <a:pPr marL="0" marR="0" lvl="0" indent="0" algn="ctr" defTabSz="914322" eaLnBrk="1" fontAlgn="auto" latinLnBrk="0" hangingPunct="1">
+              <a:lnSpc>
+                <a:spcPct val="100000"/>
+              </a:lnSpc>
+              <a:spcBef>
+                <a:spcPts val="0"/>
+              </a:spcBef>
+              <a:spcAft>
+                <a:spcPts val="0"/>
+              </a:spcAft>
+              <a:buClrTx/>
+              <a:buSzTx/>
+              <a:buFontTx/>
+              <a:buNone/>
+              <a:tabLst/>
+              <a:defRPr/>
+            </a:pPr>
+            <a:r>
+              <a:rPr kumimoji="0" lang="en-US" sz="1800" b="1" i="0" u="none" strike="noStrike" kern="0" cap="none" spc="0" normalizeH="0" baseline="0" noProof="0" dirty="0">
+                <a:ln>
+                  <a:noFill/>
+                </a:ln>
+                <a:solidFill>
+                  <a:prstClr val="black"/>
+                </a:solidFill>
+                <a:effectLst/>
+                <a:uLnTx/>
+                <a:uFillTx/>
+                <a:latin typeface="Calibri" panose="020F0502020204030204"/>
+                <a:ea typeface="+mn-ea"/>
+                <a:cs typeface="+mn-cs"/>
+              </a:rPr>
+              <a:t>cADR</a:t>
+            </a:r>
+          </a:p>
+          <a:p>
+            <a:pPr marL="0" marR="0" lvl="0" indent="0" algn="ctr" defTabSz="914322" eaLnBrk="1" fontAlgn="auto" latinLnBrk="0" hangingPunct="1">
+              <a:lnSpc>
+                <a:spcPct val="100000"/>
+              </a:lnSpc>
+              <a:spcBef>
+                <a:spcPts val="0"/>
+              </a:spcBef>
+              <a:spcAft>
+                <a:spcPts val="0"/>
+              </a:spcAft>
+              <a:buClrTx/>
+              <a:buSzTx/>
+              <a:buFontTx/>
+              <a:buNone/>
+              <a:tabLst/>
+              <a:defRPr/>
+            </a:pPr>
+            <a:r>
+              <a:rPr kumimoji="0" lang="en-US" sz="1800" b="1" i="0" u="none" strike="noStrike" kern="0" cap="none" spc="0" normalizeH="0" baseline="0" noProof="0" dirty="0">
+                <a:ln>
+                  <a:noFill/>
+                </a:ln>
+                <a:solidFill>
+                  <a:prstClr val="black"/>
+                </a:solidFill>
+                <a:effectLst/>
+                <a:uLnTx/>
+                <a:uFillTx/>
+                <a:latin typeface="Calibri" panose="020F0502020204030204"/>
+                <a:ea typeface="+mn-ea"/>
+                <a:cs typeface="+mn-cs"/>
+              </a:rPr>
+              <a:t>Electronics</a:t>
+            </a:r>
+          </a:p>
+        </p:txBody>
+      </p:sp>
+      <p:sp>
+        <p:nvSpPr>
+          <p:cNvPr id="90" name="Rectangle 89">
+            <a:extLst>
+              <a:ext uri="{FF2B5EF4-FFF2-40B4-BE49-F238E27FC236}">
+                <a16:creationId xmlns:a16="http://schemas.microsoft.com/office/drawing/2014/main" id="{B0281A0D-04C7-0D44-9D91-65319090D3CC}"/>
+              </a:ext>
+            </a:extLst>
+          </p:cNvPr>
+          <p:cNvSpPr/>
+          <p:nvPr/>
+        </p:nvSpPr>
+        <p:spPr>
+          <a:xfrm>
+            <a:off x="5029592" y="5498780"/>
+            <a:ext cx="1402233" cy="575197"/>
+          </a:xfrm>
+          <a:prstGeom prst="rect">
+            <a:avLst/>
+          </a:prstGeom>
+          <a:noFill/>
+          <a:ln w="34925" cap="flat" cmpd="sng" algn="ctr">
+            <a:solidFill>
+              <a:sysClr val="windowText" lastClr="000000"/>
+            </a:solidFill>
+            <a:prstDash val="solid"/>
+            <a:miter lim="800000"/>
+          </a:ln>
+          <a:effectLst/>
+        </p:spPr>
+        <p:txBody>
+          <a:bodyPr lIns="91432" tIns="45717" rIns="91432" bIns="45717" rtlCol="0" anchor="ctr"/>
+          <a:lstStyle/>
+          <a:p>
+            <a:pPr marL="0" marR="0" lvl="0" indent="0" algn="ctr" defTabSz="914322" eaLnBrk="1" fontAlgn="auto" latinLnBrk="0" hangingPunct="1">
+              <a:lnSpc>
+                <a:spcPct val="100000"/>
+              </a:lnSpc>
+              <a:spcBef>
+                <a:spcPts val="0"/>
+              </a:spcBef>
+              <a:spcAft>
+                <a:spcPts val="0"/>
+              </a:spcAft>
+              <a:buClrTx/>
+              <a:buSzTx/>
+              <a:buFontTx/>
+              <a:buNone/>
+              <a:tabLst/>
+              <a:defRPr/>
+            </a:pPr>
+            <a:r>
+              <a:rPr kumimoji="0" lang="en-US" sz="1800" b="1" i="0" u="none" strike="noStrike" kern="0" cap="none" spc="0" normalizeH="0" baseline="0" noProof="0" dirty="0">
+                <a:ln>
+                  <a:noFill/>
+                </a:ln>
+                <a:solidFill>
+                  <a:prstClr val="black"/>
+                </a:solidFill>
+                <a:effectLst/>
+                <a:uLnTx/>
+                <a:uFillTx/>
+                <a:latin typeface="Calibri" panose="020F0502020204030204"/>
+                <a:ea typeface="+mn-ea"/>
+                <a:cs typeface="+mn-cs"/>
+              </a:rPr>
+              <a:t>4 K Cooler Compressor</a:t>
+            </a:r>
+          </a:p>
+        </p:txBody>
+      </p:sp>
+      <p:sp>
+        <p:nvSpPr>
+          <p:cNvPr id="91" name="Rectangle 90">
+            <a:extLst>
+              <a:ext uri="{FF2B5EF4-FFF2-40B4-BE49-F238E27FC236}">
+                <a16:creationId xmlns:a16="http://schemas.microsoft.com/office/drawing/2014/main" id="{381BC572-655B-6E40-96E5-D533E0D98171}"/>
+              </a:ext>
+            </a:extLst>
+          </p:cNvPr>
+          <p:cNvSpPr/>
+          <p:nvPr/>
+        </p:nvSpPr>
+        <p:spPr>
+          <a:xfrm>
+            <a:off x="7073159" y="5488753"/>
+            <a:ext cx="1402233" cy="575197"/>
+          </a:xfrm>
+          <a:prstGeom prst="rect">
+            <a:avLst/>
+          </a:prstGeom>
+          <a:noFill/>
+          <a:ln w="34925" cap="flat" cmpd="sng" algn="ctr">
+            <a:solidFill>
+              <a:sysClr val="windowText" lastClr="000000"/>
+            </a:solidFill>
+            <a:prstDash val="solid"/>
+            <a:miter lim="800000"/>
+          </a:ln>
+          <a:effectLst/>
+        </p:spPr>
+        <p:txBody>
+          <a:bodyPr lIns="91432" tIns="45717" rIns="91432" bIns="45717" rtlCol="0" anchor="ctr"/>
+          <a:lstStyle/>
+          <a:p>
+            <a:pPr marL="0" marR="0" lvl="0" indent="0" algn="ctr" defTabSz="914322" eaLnBrk="1" fontAlgn="auto" latinLnBrk="0" hangingPunct="1">
+              <a:lnSpc>
+                <a:spcPct val="100000"/>
+              </a:lnSpc>
+              <a:spcBef>
+                <a:spcPts val="0"/>
+              </a:spcBef>
+              <a:spcAft>
+                <a:spcPts val="0"/>
+              </a:spcAft>
+              <a:buClrTx/>
+              <a:buSzTx/>
+              <a:buFontTx/>
+              <a:buNone/>
+              <a:tabLst/>
+              <a:defRPr/>
+            </a:pPr>
+            <a:r>
+              <a:rPr kumimoji="0" lang="en-US" sz="1800" b="1" i="0" u="none" strike="noStrike" kern="0" cap="none" spc="0" normalizeH="0" baseline="0" noProof="0" dirty="0">
+                <a:ln>
+                  <a:noFill/>
+                </a:ln>
+                <a:solidFill>
+                  <a:prstClr val="black"/>
+                </a:solidFill>
+                <a:effectLst/>
+                <a:uLnTx/>
+                <a:uFillTx/>
+                <a:latin typeface="Calibri" panose="020F0502020204030204"/>
+                <a:ea typeface="+mn-ea"/>
+                <a:cs typeface="+mn-cs"/>
+              </a:rPr>
+              <a:t>4 K Cooler Electronics</a:t>
+            </a:r>
+          </a:p>
+        </p:txBody>
+      </p:sp>
+      <p:sp>
+        <p:nvSpPr>
+          <p:cNvPr id="92" name="Rectangle 91">
+            <a:extLst>
+              <a:ext uri="{FF2B5EF4-FFF2-40B4-BE49-F238E27FC236}">
+                <a16:creationId xmlns:a16="http://schemas.microsoft.com/office/drawing/2014/main" id="{E504DDFF-11ED-2643-9845-216E0567BD30}"/>
+              </a:ext>
+            </a:extLst>
+          </p:cNvPr>
+          <p:cNvSpPr/>
+          <p:nvPr/>
+        </p:nvSpPr>
+        <p:spPr>
+          <a:xfrm>
+            <a:off x="30162" y="4599257"/>
+            <a:ext cx="9421978" cy="291845"/>
+          </a:xfrm>
+          <a:prstGeom prst="rect">
+            <a:avLst/>
+          </a:prstGeom>
+          <a:solidFill>
+            <a:srgbClr val="FFC000">
+              <a:lumMod val="60000"/>
+              <a:lumOff val="40000"/>
+            </a:srgbClr>
+          </a:solidFill>
+          <a:ln w="34925" cap="flat" cmpd="sng" algn="ctr">
+            <a:solidFill>
+              <a:sysClr val="windowText" lastClr="000000"/>
+            </a:solidFill>
+            <a:prstDash val="solid"/>
+            <a:miter lim="800000"/>
+          </a:ln>
+          <a:effectLst/>
+        </p:spPr>
+        <p:txBody>
+          <a:bodyPr lIns="91432" tIns="45717" rIns="91432" bIns="45717" rtlCol="0" anchor="ctr"/>
+          <a:lstStyle/>
+          <a:p>
+            <a:pPr marL="0" marR="0" lvl="0" indent="0" algn="ctr" defTabSz="914322" eaLnBrk="1" fontAlgn="auto" latinLnBrk="0" hangingPunct="1">
+              <a:lnSpc>
+                <a:spcPct val="100000"/>
+              </a:lnSpc>
+              <a:spcBef>
+                <a:spcPts val="0"/>
+              </a:spcBef>
+              <a:spcAft>
+                <a:spcPts val="0"/>
+              </a:spcAft>
+              <a:buClrTx/>
+              <a:buSzTx/>
+              <a:buFontTx/>
+              <a:buNone/>
+              <a:tabLst/>
+              <a:defRPr/>
+            </a:pPr>
+            <a:r>
+              <a:rPr kumimoji="0" lang="en-US" sz="1800" b="1" i="0" u="none" strike="noStrike" kern="0" cap="none" spc="0" normalizeH="0" baseline="0" noProof="0" dirty="0">
+                <a:ln>
+                  <a:noFill/>
+                </a:ln>
+                <a:solidFill>
+                  <a:prstClr val="black"/>
+                </a:solidFill>
+                <a:effectLst/>
+                <a:uLnTx/>
+                <a:uFillTx/>
+                <a:latin typeface="Calibri" panose="020F0502020204030204"/>
+                <a:ea typeface="+mn-ea"/>
+                <a:cs typeface="+mn-cs"/>
+              </a:rPr>
+              <a:t>V-grooves</a:t>
+            </a:r>
+          </a:p>
+        </p:txBody>
+      </p:sp>
+      <p:sp>
+        <p:nvSpPr>
+          <p:cNvPr id="93" name="Rectangle 92">
+            <a:extLst>
+              <a:ext uri="{FF2B5EF4-FFF2-40B4-BE49-F238E27FC236}">
+                <a16:creationId xmlns:a16="http://schemas.microsoft.com/office/drawing/2014/main" id="{2B3C5A34-6B37-604F-BB07-E253D3C45347}"/>
+              </a:ext>
+            </a:extLst>
+          </p:cNvPr>
+          <p:cNvSpPr/>
+          <p:nvPr/>
+        </p:nvSpPr>
+        <p:spPr>
+          <a:xfrm>
+            <a:off x="615378" y="6567390"/>
+            <a:ext cx="8383217" cy="291845"/>
+          </a:xfrm>
+          <a:prstGeom prst="rect">
+            <a:avLst/>
+          </a:prstGeom>
+          <a:solidFill>
+            <a:sysClr val="window" lastClr="FFFFFF">
+              <a:lumMod val="65000"/>
+            </a:sysClr>
+          </a:solidFill>
+          <a:ln w="34925" cap="flat" cmpd="sng" algn="ctr">
+            <a:solidFill>
+              <a:sysClr val="windowText" lastClr="000000"/>
+            </a:solidFill>
+            <a:prstDash val="solid"/>
+            <a:miter lim="800000"/>
+          </a:ln>
+          <a:effectLst/>
+        </p:spPr>
+        <p:txBody>
+          <a:bodyPr lIns="91432" tIns="45717" rIns="91432" bIns="45717" rtlCol="0" anchor="ctr"/>
+          <a:lstStyle/>
+          <a:p>
+            <a:pPr marL="0" marR="0" lvl="0" indent="0" algn="ctr" defTabSz="914322" eaLnBrk="1" fontAlgn="auto" latinLnBrk="0" hangingPunct="1">
+              <a:lnSpc>
+                <a:spcPct val="100000"/>
+              </a:lnSpc>
+              <a:spcBef>
+                <a:spcPts val="0"/>
+              </a:spcBef>
+              <a:spcAft>
+                <a:spcPts val="0"/>
+              </a:spcAft>
+              <a:buClrTx/>
+              <a:buSzTx/>
+              <a:buFontTx/>
+              <a:buNone/>
+              <a:tabLst/>
+              <a:defRPr/>
+            </a:pPr>
+            <a:r>
+              <a:rPr kumimoji="0" lang="en-US" sz="1800" b="1" i="0" u="none" strike="noStrike" kern="0" cap="none" spc="0" normalizeH="0" baseline="0" noProof="0" dirty="0">
+                <a:ln>
+                  <a:noFill/>
+                </a:ln>
+                <a:solidFill>
+                  <a:prstClr val="black"/>
+                </a:solidFill>
+                <a:effectLst/>
+                <a:uLnTx/>
+                <a:uFillTx/>
+                <a:latin typeface="Calibri" panose="020F0502020204030204"/>
+                <a:ea typeface="+mn-ea"/>
+                <a:cs typeface="+mn-cs"/>
+              </a:rPr>
+              <a:t>Spacecraft Despun Module</a:t>
+            </a:r>
+          </a:p>
+        </p:txBody>
+      </p:sp>
+      <p:sp>
+        <p:nvSpPr>
+          <p:cNvPr id="94" name="Rectangle 93">
+            <a:extLst>
+              <a:ext uri="{FF2B5EF4-FFF2-40B4-BE49-F238E27FC236}">
+                <a16:creationId xmlns:a16="http://schemas.microsoft.com/office/drawing/2014/main" id="{8EA61550-55D6-2E45-B430-5066BF0A5F95}"/>
+              </a:ext>
+            </a:extLst>
+          </p:cNvPr>
+          <p:cNvSpPr/>
+          <p:nvPr/>
+        </p:nvSpPr>
+        <p:spPr>
+          <a:xfrm>
+            <a:off x="2049159" y="1585813"/>
+            <a:ext cx="5640020" cy="2511638"/>
+          </a:xfrm>
+          <a:prstGeom prst="rect">
+            <a:avLst/>
+          </a:prstGeom>
+          <a:noFill/>
+          <a:ln w="34925" cap="flat" cmpd="sng" algn="ctr">
+            <a:solidFill>
+              <a:sysClr val="windowText" lastClr="000000"/>
+            </a:solidFill>
+            <a:prstDash val="solid"/>
+            <a:miter lim="800000"/>
+          </a:ln>
+          <a:effectLst/>
+        </p:spPr>
+        <p:txBody>
+          <a:bodyPr lIns="91432" tIns="45717" rIns="91432" bIns="45717" rtlCol="0" anchor="b" anchorCtr="0"/>
+          <a:lstStyle/>
+          <a:p>
+            <a:pPr marL="0" marR="0" lvl="0" indent="0" algn="ctr" defTabSz="914322" eaLnBrk="1" fontAlgn="auto" latinLnBrk="0" hangingPunct="1">
+              <a:lnSpc>
+                <a:spcPct val="100000"/>
+              </a:lnSpc>
+              <a:spcBef>
+                <a:spcPts val="0"/>
+              </a:spcBef>
+              <a:spcAft>
+                <a:spcPts val="0"/>
+              </a:spcAft>
+              <a:buClrTx/>
+              <a:buSzTx/>
+              <a:buFontTx/>
+              <a:buNone/>
+              <a:tabLst/>
+              <a:defRPr/>
+            </a:pPr>
+            <a:endParaRPr kumimoji="0" lang="en-US" sz="1800" b="1" i="0" u="none" strike="noStrike" kern="0" cap="none" spc="0" normalizeH="0" baseline="0" noProof="0" dirty="0">
+              <a:ln>
+                <a:noFill/>
+              </a:ln>
+              <a:solidFill>
+                <a:prstClr val="black"/>
+              </a:solidFill>
+              <a:effectLst/>
+              <a:uLnTx/>
+              <a:uFillTx/>
+              <a:latin typeface="Calibri" panose="020F0502020204030204"/>
+              <a:ea typeface="+mn-ea"/>
+              <a:cs typeface="+mn-cs"/>
+            </a:endParaRPr>
+          </a:p>
+        </p:txBody>
+      </p:sp>
+      <p:sp>
+        <p:nvSpPr>
+          <p:cNvPr id="95" name="Rectangle 94">
+            <a:extLst>
+              <a:ext uri="{FF2B5EF4-FFF2-40B4-BE49-F238E27FC236}">
+                <a16:creationId xmlns:a16="http://schemas.microsoft.com/office/drawing/2014/main" id="{862AD9E8-AA9B-204F-B973-9AD63D324FB6}"/>
+              </a:ext>
+            </a:extLst>
+          </p:cNvPr>
+          <p:cNvSpPr/>
+          <p:nvPr/>
+        </p:nvSpPr>
+        <p:spPr>
+          <a:xfrm rot="20231048">
+            <a:off x="1804960" y="1220457"/>
+            <a:ext cx="1505086" cy="832941"/>
+          </a:xfrm>
+          <a:prstGeom prst="rect">
+            <a:avLst/>
+          </a:prstGeom>
+          <a:solidFill>
+            <a:sysClr val="window" lastClr="FFFFFF"/>
+          </a:solidFill>
+          <a:ln w="12700" cap="flat" cmpd="sng" algn="ctr">
+            <a:noFill/>
+            <a:prstDash val="solid"/>
+            <a:miter lim="800000"/>
+          </a:ln>
+          <a:effectLst/>
+        </p:spPr>
+        <p:txBody>
+          <a:bodyPr lIns="91432" tIns="45717" rIns="91432" bIns="45717" rtlCol="0" anchor="ctr"/>
+          <a:lstStyle/>
+          <a:p>
+            <a:pPr marL="0" marR="0" lvl="0" indent="0" algn="ctr" defTabSz="914322" eaLnBrk="1" fontAlgn="auto" latinLnBrk="0" hangingPunct="1">
+              <a:lnSpc>
+                <a:spcPct val="100000"/>
+              </a:lnSpc>
+              <a:spcBef>
+                <a:spcPts val="0"/>
+              </a:spcBef>
+              <a:spcAft>
+                <a:spcPts val="0"/>
+              </a:spcAft>
+              <a:buClrTx/>
+              <a:buSzTx/>
+              <a:buFontTx/>
+              <a:buNone/>
+              <a:tabLst/>
+              <a:defRPr/>
+            </a:pPr>
+            <a:endParaRPr kumimoji="0" lang="en-US" sz="1800" b="1" i="0" u="none" strike="noStrike" kern="0" cap="none" spc="0" normalizeH="0" baseline="0" noProof="0">
+              <a:ln>
+                <a:noFill/>
+              </a:ln>
+              <a:solidFill>
+                <a:prstClr val="white"/>
+              </a:solidFill>
+              <a:effectLst/>
+              <a:uLnTx/>
+              <a:uFillTx/>
+              <a:latin typeface="Calibri" panose="020F0502020204030204"/>
+              <a:ea typeface="+mn-ea"/>
+              <a:cs typeface="+mn-cs"/>
+            </a:endParaRPr>
+          </a:p>
+        </p:txBody>
+      </p:sp>
+      <p:cxnSp>
+        <p:nvCxnSpPr>
+          <p:cNvPr id="96" name="Straight Connector 95">
+            <a:extLst>
+              <a:ext uri="{FF2B5EF4-FFF2-40B4-BE49-F238E27FC236}">
+                <a16:creationId xmlns:a16="http://schemas.microsoft.com/office/drawing/2014/main" id="{AFFEBB43-3329-0746-B65A-AADD0AE32E68}"/>
+              </a:ext>
+            </a:extLst>
+          </p:cNvPr>
+          <p:cNvCxnSpPr>
+            <a:cxnSpLocks/>
+            <a:stCxn id="78" idx="2"/>
+          </p:cNvCxnSpPr>
+          <p:nvPr/>
+        </p:nvCxnSpPr>
+        <p:spPr>
+          <a:xfrm flipH="1">
+            <a:off x="701702" y="2882239"/>
+            <a:ext cx="503794" cy="2148213"/>
+          </a:xfrm>
+          <a:prstGeom prst="line">
+            <a:avLst/>
+          </a:prstGeom>
+          <a:noFill/>
+          <a:ln w="34925" cap="flat" cmpd="sng" algn="ctr">
+            <a:solidFill>
+              <a:sysClr val="windowText" lastClr="000000"/>
+            </a:solidFill>
+            <a:prstDash val="solid"/>
+            <a:miter lim="800000"/>
+          </a:ln>
+          <a:effectLst/>
+        </p:spPr>
+      </p:cxnSp>
+      <p:cxnSp>
+        <p:nvCxnSpPr>
+          <p:cNvPr id="97" name="Straight Connector 96">
+            <a:extLst>
+              <a:ext uri="{FF2B5EF4-FFF2-40B4-BE49-F238E27FC236}">
+                <a16:creationId xmlns:a16="http://schemas.microsoft.com/office/drawing/2014/main" id="{E4175E1B-B1FD-1A49-ACAF-CFBB2DDB0E3A}"/>
+              </a:ext>
+            </a:extLst>
+          </p:cNvPr>
+          <p:cNvCxnSpPr>
+            <a:cxnSpLocks/>
+            <a:stCxn id="78" idx="2"/>
+          </p:cNvCxnSpPr>
+          <p:nvPr/>
+        </p:nvCxnSpPr>
+        <p:spPr>
+          <a:xfrm>
+            <a:off x="1205496" y="2882239"/>
+            <a:ext cx="347894" cy="2148213"/>
+          </a:xfrm>
+          <a:prstGeom prst="line">
+            <a:avLst/>
+          </a:prstGeom>
+          <a:noFill/>
+          <a:ln w="34925" cap="flat" cmpd="sng" algn="ctr">
+            <a:solidFill>
+              <a:sysClr val="windowText" lastClr="000000"/>
+            </a:solidFill>
+            <a:prstDash val="solid"/>
+            <a:miter lim="800000"/>
+          </a:ln>
+          <a:effectLst/>
+        </p:spPr>
+      </p:cxnSp>
+      <p:cxnSp>
+        <p:nvCxnSpPr>
+          <p:cNvPr id="98" name="Straight Connector 97">
+            <a:extLst>
+              <a:ext uri="{FF2B5EF4-FFF2-40B4-BE49-F238E27FC236}">
+                <a16:creationId xmlns:a16="http://schemas.microsoft.com/office/drawing/2014/main" id="{63343321-7A06-204C-AB0B-20C7EA3CDDFB}"/>
+              </a:ext>
+            </a:extLst>
+          </p:cNvPr>
+          <p:cNvCxnSpPr>
+            <a:cxnSpLocks/>
+            <a:stCxn id="79" idx="2"/>
+          </p:cNvCxnSpPr>
+          <p:nvPr/>
+        </p:nvCxnSpPr>
+        <p:spPr>
+          <a:xfrm flipH="1">
+            <a:off x="8040078" y="2882237"/>
+            <a:ext cx="500989" cy="2148214"/>
+          </a:xfrm>
+          <a:prstGeom prst="line">
+            <a:avLst/>
+          </a:prstGeom>
+          <a:noFill/>
+          <a:ln w="34925" cap="flat" cmpd="sng" algn="ctr">
+            <a:solidFill>
+              <a:sysClr val="windowText" lastClr="000000"/>
+            </a:solidFill>
+            <a:prstDash val="solid"/>
+            <a:miter lim="800000"/>
+          </a:ln>
+          <a:effectLst/>
+        </p:spPr>
+      </p:cxnSp>
+      <p:cxnSp>
+        <p:nvCxnSpPr>
+          <p:cNvPr id="99" name="Straight Connector 98">
+            <a:extLst>
+              <a:ext uri="{FF2B5EF4-FFF2-40B4-BE49-F238E27FC236}">
+                <a16:creationId xmlns:a16="http://schemas.microsoft.com/office/drawing/2014/main" id="{A75813D9-971B-DD46-94B2-6BE4D067B690}"/>
+              </a:ext>
+            </a:extLst>
+          </p:cNvPr>
+          <p:cNvCxnSpPr>
+            <a:cxnSpLocks/>
+          </p:cNvCxnSpPr>
+          <p:nvPr/>
+        </p:nvCxnSpPr>
+        <p:spPr>
+          <a:xfrm>
+            <a:off x="8541067" y="2882239"/>
+            <a:ext cx="358228" cy="2153717"/>
+          </a:xfrm>
+          <a:prstGeom prst="line">
+            <a:avLst/>
+          </a:prstGeom>
+          <a:noFill/>
+          <a:ln w="34925" cap="flat" cmpd="sng" algn="ctr">
+            <a:solidFill>
+              <a:sysClr val="windowText" lastClr="000000"/>
+            </a:solidFill>
+            <a:prstDash val="solid"/>
+            <a:miter lim="800000"/>
+          </a:ln>
+          <a:effectLst/>
+        </p:spPr>
+      </p:cxnSp>
+      <p:sp>
+        <p:nvSpPr>
+          <p:cNvPr id="100" name="TextBox 99">
+            <a:extLst>
+              <a:ext uri="{FF2B5EF4-FFF2-40B4-BE49-F238E27FC236}">
+                <a16:creationId xmlns:a16="http://schemas.microsoft.com/office/drawing/2014/main" id="{D0AFE340-19FD-924F-9754-05B73D6A6D41}"/>
+              </a:ext>
+            </a:extLst>
+          </p:cNvPr>
+          <p:cNvSpPr txBox="1"/>
+          <p:nvPr/>
+        </p:nvSpPr>
+        <p:spPr>
+          <a:xfrm>
+            <a:off x="4645301" y="216851"/>
+            <a:ext cx="1065126" cy="923324"/>
+          </a:xfrm>
+          <a:prstGeom prst="rect">
+            <a:avLst/>
+          </a:prstGeom>
+          <a:noFill/>
+        </p:spPr>
+        <p:txBody>
+          <a:bodyPr wrap="square" lIns="91432" tIns="45717" rIns="91432" bIns="45717" rtlCol="0">
+            <a:spAutoFit/>
+          </a:bodyPr>
+          <a:lstStyle/>
+          <a:p>
+            <a:pPr marL="0" marR="0" lvl="0" indent="0" defTabSz="914322" eaLnBrk="1" fontAlgn="auto" latinLnBrk="0" hangingPunct="1">
+              <a:lnSpc>
+                <a:spcPct val="100000"/>
+              </a:lnSpc>
+              <a:spcBef>
+                <a:spcPts val="0"/>
+              </a:spcBef>
+              <a:spcAft>
+                <a:spcPts val="0"/>
+              </a:spcAft>
+              <a:buClrTx/>
+              <a:buSzTx/>
+              <a:buFontTx/>
+              <a:buNone/>
+              <a:tabLst/>
+              <a:defRPr/>
+            </a:pPr>
+            <a:r>
+              <a:rPr kumimoji="0" lang="en-US" sz="1800" b="1" i="0" u="none" strike="noStrike" kern="0" cap="none" spc="0" normalizeH="0" baseline="0" noProof="0" dirty="0">
+                <a:ln>
+                  <a:noFill/>
+                </a:ln>
+                <a:solidFill>
+                  <a:prstClr val="black"/>
+                </a:solidFill>
+                <a:effectLst/>
+                <a:uLnTx/>
+                <a:uFillTx/>
+              </a:rPr>
+              <a:t>Photons</a:t>
+            </a:r>
+          </a:p>
+          <a:p>
+            <a:pPr marL="0" marR="0" lvl="0" indent="0" defTabSz="914322" eaLnBrk="1" fontAlgn="auto" latinLnBrk="0" hangingPunct="1">
+              <a:lnSpc>
+                <a:spcPct val="100000"/>
+              </a:lnSpc>
+              <a:spcBef>
+                <a:spcPts val="0"/>
+              </a:spcBef>
+              <a:spcAft>
+                <a:spcPts val="0"/>
+              </a:spcAft>
+              <a:buClrTx/>
+              <a:buSzTx/>
+              <a:buFontTx/>
+              <a:buNone/>
+              <a:tabLst/>
+              <a:defRPr/>
+            </a:pPr>
+            <a:r>
+              <a:rPr kumimoji="0" lang="en-US" sz="1800" b="1" i="0" u="none" strike="noStrike" kern="0" cap="none" spc="0" normalizeH="0" baseline="0" noProof="0" dirty="0">
+                <a:ln>
+                  <a:noFill/>
+                </a:ln>
+                <a:solidFill>
+                  <a:prstClr val="black"/>
+                </a:solidFill>
+                <a:effectLst/>
+                <a:uLnTx/>
+                <a:uFillTx/>
+              </a:rPr>
+              <a:t>Data</a:t>
+            </a:r>
+          </a:p>
+          <a:p>
+            <a:pPr marL="0" marR="0" lvl="0" indent="0" defTabSz="914322" eaLnBrk="1" fontAlgn="auto" latinLnBrk="0" hangingPunct="1">
+              <a:lnSpc>
+                <a:spcPct val="100000"/>
+              </a:lnSpc>
+              <a:spcBef>
+                <a:spcPts val="0"/>
+              </a:spcBef>
+              <a:spcAft>
+                <a:spcPts val="0"/>
+              </a:spcAft>
+              <a:buClrTx/>
+              <a:buSzTx/>
+              <a:buFontTx/>
+              <a:buNone/>
+              <a:tabLst/>
+              <a:defRPr/>
+            </a:pPr>
+            <a:r>
+              <a:rPr kumimoji="0" lang="en-US" sz="1800" b="1" i="0" u="none" strike="noStrike" kern="0" cap="none" spc="0" normalizeH="0" baseline="0" noProof="0" dirty="0">
+                <a:ln>
+                  <a:noFill/>
+                </a:ln>
+                <a:solidFill>
+                  <a:prstClr val="black"/>
+                </a:solidFill>
+                <a:effectLst/>
+                <a:uLnTx/>
+                <a:uFillTx/>
+              </a:rPr>
+              <a:t>Power</a:t>
+            </a:r>
+          </a:p>
+        </p:txBody>
+      </p:sp>
+      <p:cxnSp>
+        <p:nvCxnSpPr>
+          <p:cNvPr id="101" name="Straight Connector 100">
+            <a:extLst>
+              <a:ext uri="{FF2B5EF4-FFF2-40B4-BE49-F238E27FC236}">
+                <a16:creationId xmlns:a16="http://schemas.microsoft.com/office/drawing/2014/main" id="{9EAEB46E-3293-D744-A9AC-08CA552937EE}"/>
+              </a:ext>
+            </a:extLst>
+          </p:cNvPr>
+          <p:cNvCxnSpPr>
+            <a:cxnSpLocks/>
+          </p:cNvCxnSpPr>
+          <p:nvPr/>
+        </p:nvCxnSpPr>
+        <p:spPr>
+          <a:xfrm flipH="1">
+            <a:off x="8497593" y="703162"/>
+            <a:ext cx="828969" cy="0"/>
+          </a:xfrm>
+          <a:prstGeom prst="line">
+            <a:avLst/>
+          </a:prstGeom>
+          <a:noFill/>
+          <a:ln w="34925" cap="flat" cmpd="sng" algn="ctr">
+            <a:solidFill>
+              <a:sysClr val="windowText" lastClr="000000"/>
+            </a:solidFill>
+            <a:prstDash val="solid"/>
+            <a:miter lim="800000"/>
+          </a:ln>
+          <a:effectLst/>
+        </p:spPr>
+      </p:cxnSp>
+      <p:cxnSp>
+        <p:nvCxnSpPr>
+          <p:cNvPr id="102" name="Straight Connector 101">
+            <a:extLst>
+              <a:ext uri="{FF2B5EF4-FFF2-40B4-BE49-F238E27FC236}">
+                <a16:creationId xmlns:a16="http://schemas.microsoft.com/office/drawing/2014/main" id="{96EA4931-AB94-7543-BDD2-7E04E005A06C}"/>
+              </a:ext>
+            </a:extLst>
+          </p:cNvPr>
+          <p:cNvCxnSpPr>
+            <a:cxnSpLocks/>
+          </p:cNvCxnSpPr>
+          <p:nvPr/>
+        </p:nvCxnSpPr>
+        <p:spPr>
+          <a:xfrm flipH="1">
+            <a:off x="5710427" y="421055"/>
+            <a:ext cx="828969" cy="0"/>
+          </a:xfrm>
+          <a:prstGeom prst="line">
+            <a:avLst/>
+          </a:prstGeom>
+          <a:noFill/>
+          <a:ln w="34925" cap="flat" cmpd="sng" algn="ctr">
+            <a:solidFill>
+              <a:srgbClr val="F7A209"/>
+            </a:solidFill>
+            <a:prstDash val="solid"/>
+            <a:miter lim="800000"/>
+          </a:ln>
+          <a:effectLst/>
+        </p:spPr>
+      </p:cxnSp>
+      <p:cxnSp>
+        <p:nvCxnSpPr>
+          <p:cNvPr id="103" name="Straight Connector 102">
+            <a:extLst>
+              <a:ext uri="{FF2B5EF4-FFF2-40B4-BE49-F238E27FC236}">
+                <a16:creationId xmlns:a16="http://schemas.microsoft.com/office/drawing/2014/main" id="{4967923F-C8D7-4046-BE44-1B202FCD0B87}"/>
+              </a:ext>
+            </a:extLst>
+          </p:cNvPr>
+          <p:cNvCxnSpPr>
+            <a:cxnSpLocks/>
+            <a:stCxn id="80" idx="2"/>
+            <a:endCxn id="81" idx="0"/>
+          </p:cNvCxnSpPr>
+          <p:nvPr/>
+        </p:nvCxnSpPr>
+        <p:spPr>
+          <a:xfrm>
+            <a:off x="1824317" y="1157054"/>
+            <a:ext cx="1874378" cy="2275682"/>
+          </a:xfrm>
+          <a:prstGeom prst="line">
+            <a:avLst/>
+          </a:prstGeom>
+          <a:noFill/>
+          <a:ln w="34925" cap="flat" cmpd="sng" algn="ctr">
+            <a:solidFill>
+              <a:srgbClr val="F7A209"/>
+            </a:solidFill>
+            <a:prstDash val="solid"/>
+            <a:miter lim="800000"/>
+          </a:ln>
+          <a:effectLst/>
+        </p:spPr>
+      </p:cxnSp>
+      <p:sp>
+        <p:nvSpPr>
+          <p:cNvPr id="104" name="Rectangle 103">
+            <a:extLst>
+              <a:ext uri="{FF2B5EF4-FFF2-40B4-BE49-F238E27FC236}">
+                <a16:creationId xmlns:a16="http://schemas.microsoft.com/office/drawing/2014/main" id="{7C4E09E1-C374-8947-AE80-F5767FEE4DD4}"/>
+              </a:ext>
+            </a:extLst>
+          </p:cNvPr>
+          <p:cNvSpPr/>
+          <p:nvPr/>
+        </p:nvSpPr>
+        <p:spPr>
+          <a:xfrm rot="20234725">
+            <a:off x="1915297" y="1750420"/>
+            <a:ext cx="1522619" cy="291845"/>
+          </a:xfrm>
+          <a:prstGeom prst="rect">
+            <a:avLst/>
+          </a:prstGeom>
+          <a:solidFill>
+            <a:sysClr val="window" lastClr="FFFFFF"/>
+          </a:solidFill>
+          <a:ln w="34925" cap="flat" cmpd="sng" algn="ctr">
+            <a:solidFill>
+              <a:sysClr val="windowText" lastClr="000000"/>
+            </a:solidFill>
+            <a:prstDash val="solid"/>
+            <a:miter lim="800000"/>
+          </a:ln>
+          <a:effectLst/>
+        </p:spPr>
+        <p:txBody>
+          <a:bodyPr lIns="91432" tIns="45717" rIns="91432" bIns="45717" rtlCol="0" anchor="ctr"/>
+          <a:lstStyle/>
+          <a:p>
+            <a:pPr marL="0" marR="0" lvl="0" indent="0" algn="ctr" defTabSz="914322" eaLnBrk="1" fontAlgn="auto" latinLnBrk="0" hangingPunct="1">
+              <a:lnSpc>
+                <a:spcPct val="100000"/>
+              </a:lnSpc>
+              <a:spcBef>
+                <a:spcPts val="0"/>
+              </a:spcBef>
+              <a:spcAft>
+                <a:spcPts val="0"/>
+              </a:spcAft>
+              <a:buClrTx/>
+              <a:buSzTx/>
+              <a:buFontTx/>
+              <a:buNone/>
+              <a:tabLst/>
+              <a:defRPr/>
+            </a:pPr>
+            <a:r>
+              <a:rPr kumimoji="0" lang="en-US" sz="1800" b="1" i="0" u="none" strike="noStrike" kern="0" cap="none" spc="0" normalizeH="0" baseline="0" noProof="0" dirty="0">
+                <a:ln>
+                  <a:noFill/>
+                </a:ln>
+                <a:solidFill>
+                  <a:prstClr val="black"/>
+                </a:solidFill>
+                <a:effectLst/>
+                <a:uLnTx/>
+                <a:uFillTx/>
+                <a:latin typeface="Calibri" panose="020F0502020204030204"/>
+                <a:ea typeface="+mn-ea"/>
+                <a:cs typeface="+mn-cs"/>
+              </a:rPr>
+              <a:t>Aperture Stop</a:t>
+            </a:r>
+          </a:p>
+        </p:txBody>
+      </p:sp>
+      <p:cxnSp>
+        <p:nvCxnSpPr>
+          <p:cNvPr id="105" name="Straight Connector 104">
+            <a:extLst>
+              <a:ext uri="{FF2B5EF4-FFF2-40B4-BE49-F238E27FC236}">
+                <a16:creationId xmlns:a16="http://schemas.microsoft.com/office/drawing/2014/main" id="{F0FC1448-983B-5247-AA19-B4F256D8D719}"/>
+              </a:ext>
+            </a:extLst>
+          </p:cNvPr>
+          <p:cNvCxnSpPr>
+            <a:cxnSpLocks/>
+            <a:stCxn id="80" idx="2"/>
+          </p:cNvCxnSpPr>
+          <p:nvPr/>
+        </p:nvCxnSpPr>
+        <p:spPr>
+          <a:xfrm flipV="1">
+            <a:off x="1824317" y="547568"/>
+            <a:ext cx="2298830" cy="609485"/>
+          </a:xfrm>
+          <a:prstGeom prst="line">
+            <a:avLst/>
+          </a:prstGeom>
+          <a:noFill/>
+          <a:ln w="34925" cap="flat" cmpd="sng" algn="ctr">
+            <a:solidFill>
+              <a:srgbClr val="F7A209"/>
+            </a:solidFill>
+            <a:prstDash val="solid"/>
+            <a:round/>
+          </a:ln>
+          <a:effectLst/>
+        </p:spPr>
+      </p:cxnSp>
+      <p:cxnSp>
+        <p:nvCxnSpPr>
+          <p:cNvPr id="106" name="Straight Connector 105">
+            <a:extLst>
+              <a:ext uri="{FF2B5EF4-FFF2-40B4-BE49-F238E27FC236}">
+                <a16:creationId xmlns:a16="http://schemas.microsoft.com/office/drawing/2014/main" id="{2B275C7A-BCD0-CF49-94B4-71C02A4BEFC3}"/>
+              </a:ext>
+            </a:extLst>
+          </p:cNvPr>
+          <p:cNvCxnSpPr>
+            <a:cxnSpLocks/>
+          </p:cNvCxnSpPr>
+          <p:nvPr/>
+        </p:nvCxnSpPr>
+        <p:spPr>
+          <a:xfrm flipH="1">
+            <a:off x="5710427" y="697815"/>
+            <a:ext cx="828969" cy="0"/>
+          </a:xfrm>
+          <a:prstGeom prst="line">
+            <a:avLst/>
+          </a:prstGeom>
+          <a:noFill/>
+          <a:ln w="34925" cap="flat" cmpd="sng" algn="ctr">
+            <a:solidFill>
+              <a:srgbClr val="00B0F0"/>
+            </a:solidFill>
+            <a:prstDash val="solid"/>
+            <a:miter lim="800000"/>
+          </a:ln>
+          <a:effectLst/>
+        </p:spPr>
+      </p:cxnSp>
+      <p:cxnSp>
+        <p:nvCxnSpPr>
+          <p:cNvPr id="107" name="Straight Connector 106">
+            <a:extLst>
+              <a:ext uri="{FF2B5EF4-FFF2-40B4-BE49-F238E27FC236}">
+                <a16:creationId xmlns:a16="http://schemas.microsoft.com/office/drawing/2014/main" id="{72991B5E-63E3-A849-A861-9F9D61E4EE83}"/>
+              </a:ext>
+            </a:extLst>
+          </p:cNvPr>
+          <p:cNvCxnSpPr>
+            <a:cxnSpLocks/>
+          </p:cNvCxnSpPr>
+          <p:nvPr/>
+        </p:nvCxnSpPr>
+        <p:spPr>
+          <a:xfrm flipV="1">
+            <a:off x="5845741" y="3376444"/>
+            <a:ext cx="0" cy="1781527"/>
+          </a:xfrm>
+          <a:prstGeom prst="line">
+            <a:avLst/>
+          </a:prstGeom>
+          <a:noFill/>
+          <a:ln w="34925" cap="flat" cmpd="sng" algn="ctr">
+            <a:solidFill>
+              <a:srgbClr val="00B0F0"/>
+            </a:solidFill>
+            <a:prstDash val="solid"/>
+            <a:miter lim="800000"/>
+          </a:ln>
+          <a:effectLst/>
+        </p:spPr>
+      </p:cxnSp>
+      <p:cxnSp>
+        <p:nvCxnSpPr>
+          <p:cNvPr id="108" name="Straight Connector 107">
+            <a:extLst>
+              <a:ext uri="{FF2B5EF4-FFF2-40B4-BE49-F238E27FC236}">
+                <a16:creationId xmlns:a16="http://schemas.microsoft.com/office/drawing/2014/main" id="{C323AE2F-FBC2-8E43-8A83-66DC0998F418}"/>
+              </a:ext>
+            </a:extLst>
+          </p:cNvPr>
+          <p:cNvCxnSpPr>
+            <a:cxnSpLocks/>
+          </p:cNvCxnSpPr>
+          <p:nvPr/>
+        </p:nvCxnSpPr>
+        <p:spPr>
+          <a:xfrm>
+            <a:off x="1780220" y="5132664"/>
+            <a:ext cx="4070285" cy="11724"/>
+          </a:xfrm>
+          <a:prstGeom prst="line">
+            <a:avLst/>
+          </a:prstGeom>
+          <a:noFill/>
+          <a:ln w="34925" cap="flat" cmpd="sng" algn="ctr">
+            <a:solidFill>
+              <a:srgbClr val="00B0F0"/>
+            </a:solidFill>
+            <a:prstDash val="solid"/>
+            <a:miter lim="800000"/>
+          </a:ln>
+          <a:effectLst/>
+        </p:spPr>
+      </p:cxnSp>
+      <p:cxnSp>
+        <p:nvCxnSpPr>
+          <p:cNvPr id="109" name="Straight Connector 108">
+            <a:extLst>
+              <a:ext uri="{FF2B5EF4-FFF2-40B4-BE49-F238E27FC236}">
+                <a16:creationId xmlns:a16="http://schemas.microsoft.com/office/drawing/2014/main" id="{C8726E31-2139-154E-8BB5-F20824B1A333}"/>
+              </a:ext>
+            </a:extLst>
+          </p:cNvPr>
+          <p:cNvCxnSpPr>
+            <a:cxnSpLocks/>
+          </p:cNvCxnSpPr>
+          <p:nvPr/>
+        </p:nvCxnSpPr>
+        <p:spPr>
+          <a:xfrm>
+            <a:off x="1766992" y="5123873"/>
+            <a:ext cx="0" cy="374904"/>
+          </a:xfrm>
+          <a:prstGeom prst="line">
+            <a:avLst/>
+          </a:prstGeom>
+          <a:noFill/>
+          <a:ln w="34925" cap="flat" cmpd="sng" algn="ctr">
+            <a:solidFill>
+              <a:srgbClr val="00B0F0"/>
+            </a:solidFill>
+            <a:prstDash val="solid"/>
+            <a:miter lim="800000"/>
+          </a:ln>
+          <a:effectLst/>
+        </p:spPr>
+      </p:cxnSp>
+      <p:cxnSp>
+        <p:nvCxnSpPr>
+          <p:cNvPr id="110" name="Straight Connector 109">
+            <a:extLst>
+              <a:ext uri="{FF2B5EF4-FFF2-40B4-BE49-F238E27FC236}">
+                <a16:creationId xmlns:a16="http://schemas.microsoft.com/office/drawing/2014/main" id="{D61CAA18-96E5-CB40-9ABC-714943646B70}"/>
+              </a:ext>
+            </a:extLst>
+          </p:cNvPr>
+          <p:cNvCxnSpPr>
+            <a:cxnSpLocks/>
+          </p:cNvCxnSpPr>
+          <p:nvPr/>
+        </p:nvCxnSpPr>
+        <p:spPr>
+          <a:xfrm>
+            <a:off x="1739217" y="6080169"/>
+            <a:ext cx="14547" cy="472591"/>
+          </a:xfrm>
+          <a:prstGeom prst="line">
+            <a:avLst/>
+          </a:prstGeom>
+          <a:noFill/>
+          <a:ln w="34925" cap="flat" cmpd="sng" algn="ctr">
+            <a:solidFill>
+              <a:srgbClr val="00B0F0"/>
+            </a:solidFill>
+            <a:prstDash val="solid"/>
+            <a:miter lim="800000"/>
+          </a:ln>
+          <a:effectLst/>
+        </p:spPr>
+      </p:cxnSp>
+      <p:cxnSp>
+        <p:nvCxnSpPr>
+          <p:cNvPr id="111" name="Straight Connector 110">
+            <a:extLst>
+              <a:ext uri="{FF2B5EF4-FFF2-40B4-BE49-F238E27FC236}">
+                <a16:creationId xmlns:a16="http://schemas.microsoft.com/office/drawing/2014/main" id="{D8D679FD-5FFD-B94A-AED0-48B8AE1B681F}"/>
+              </a:ext>
+            </a:extLst>
+          </p:cNvPr>
+          <p:cNvCxnSpPr>
+            <a:cxnSpLocks/>
+          </p:cNvCxnSpPr>
+          <p:nvPr/>
+        </p:nvCxnSpPr>
+        <p:spPr>
+          <a:xfrm flipH="1">
+            <a:off x="5710427" y="970144"/>
+            <a:ext cx="828969" cy="0"/>
+          </a:xfrm>
+          <a:prstGeom prst="line">
+            <a:avLst/>
+          </a:prstGeom>
+          <a:noFill/>
+          <a:ln w="34925" cap="flat" cmpd="sng" algn="ctr">
+            <a:solidFill>
+              <a:srgbClr val="FF0000"/>
+            </a:solidFill>
+            <a:prstDash val="solid"/>
+            <a:miter lim="800000"/>
+          </a:ln>
+          <a:effectLst/>
+        </p:spPr>
+      </p:cxnSp>
+      <p:cxnSp>
+        <p:nvCxnSpPr>
+          <p:cNvPr id="112" name="Straight Connector 111">
+            <a:extLst>
+              <a:ext uri="{FF2B5EF4-FFF2-40B4-BE49-F238E27FC236}">
+                <a16:creationId xmlns:a16="http://schemas.microsoft.com/office/drawing/2014/main" id="{08F534AB-1429-334C-959C-3E70CD52FB04}"/>
+              </a:ext>
+            </a:extLst>
+          </p:cNvPr>
+          <p:cNvCxnSpPr>
+            <a:cxnSpLocks/>
+          </p:cNvCxnSpPr>
+          <p:nvPr/>
+        </p:nvCxnSpPr>
+        <p:spPr>
+          <a:xfrm flipV="1">
+            <a:off x="5922347" y="3307932"/>
+            <a:ext cx="0" cy="1918283"/>
+          </a:xfrm>
+          <a:prstGeom prst="line">
+            <a:avLst/>
+          </a:prstGeom>
+          <a:noFill/>
+          <a:ln w="34925" cap="flat" cmpd="sng" algn="ctr">
+            <a:solidFill>
+              <a:srgbClr val="FF0000"/>
+            </a:solidFill>
+            <a:prstDash val="solid"/>
+            <a:miter lim="800000"/>
+          </a:ln>
+          <a:effectLst/>
+        </p:spPr>
+      </p:cxnSp>
+      <p:cxnSp>
+        <p:nvCxnSpPr>
+          <p:cNvPr id="113" name="Straight Connector 112">
+            <a:extLst>
+              <a:ext uri="{FF2B5EF4-FFF2-40B4-BE49-F238E27FC236}">
+                <a16:creationId xmlns:a16="http://schemas.microsoft.com/office/drawing/2014/main" id="{4199ADA4-F641-F34F-A59F-D7BDB1CA083B}"/>
+              </a:ext>
+            </a:extLst>
+          </p:cNvPr>
+          <p:cNvCxnSpPr>
+            <a:cxnSpLocks/>
+          </p:cNvCxnSpPr>
+          <p:nvPr/>
+        </p:nvCxnSpPr>
+        <p:spPr>
+          <a:xfrm>
+            <a:off x="1821064" y="5205430"/>
+            <a:ext cx="4101283" cy="6525"/>
+          </a:xfrm>
+          <a:prstGeom prst="line">
+            <a:avLst/>
+          </a:prstGeom>
+          <a:noFill/>
+          <a:ln w="34925" cap="flat" cmpd="sng" algn="ctr">
+            <a:solidFill>
+              <a:srgbClr val="FF0000"/>
+            </a:solidFill>
+            <a:prstDash val="solid"/>
+            <a:miter lim="800000"/>
+          </a:ln>
+          <a:effectLst/>
+        </p:spPr>
+      </p:cxnSp>
+      <p:cxnSp>
+        <p:nvCxnSpPr>
+          <p:cNvPr id="114" name="Straight Connector 113">
+            <a:extLst>
+              <a:ext uri="{FF2B5EF4-FFF2-40B4-BE49-F238E27FC236}">
+                <a16:creationId xmlns:a16="http://schemas.microsoft.com/office/drawing/2014/main" id="{B42FCC8F-EF9B-BB44-AE0E-3B927948492D}"/>
+              </a:ext>
+            </a:extLst>
+          </p:cNvPr>
+          <p:cNvCxnSpPr>
+            <a:cxnSpLocks/>
+          </p:cNvCxnSpPr>
+          <p:nvPr/>
+        </p:nvCxnSpPr>
+        <p:spPr>
+          <a:xfrm>
+            <a:off x="1821062" y="5197325"/>
+            <a:ext cx="0" cy="301455"/>
+          </a:xfrm>
+          <a:prstGeom prst="line">
+            <a:avLst/>
+          </a:prstGeom>
+          <a:noFill/>
+          <a:ln w="34925" cap="flat" cmpd="sng" algn="ctr">
+            <a:solidFill>
+              <a:srgbClr val="FF0000"/>
+            </a:solidFill>
+            <a:prstDash val="solid"/>
+            <a:miter lim="800000"/>
+          </a:ln>
+          <a:effectLst/>
+        </p:spPr>
+      </p:cxnSp>
+      <p:cxnSp>
+        <p:nvCxnSpPr>
+          <p:cNvPr id="115" name="Straight Connector 114">
+            <a:extLst>
+              <a:ext uri="{FF2B5EF4-FFF2-40B4-BE49-F238E27FC236}">
+                <a16:creationId xmlns:a16="http://schemas.microsoft.com/office/drawing/2014/main" id="{CA7DC867-93C7-B842-A97F-787BCCE68CEA}"/>
+              </a:ext>
+            </a:extLst>
+          </p:cNvPr>
+          <p:cNvCxnSpPr>
+            <a:cxnSpLocks/>
+          </p:cNvCxnSpPr>
+          <p:nvPr/>
+        </p:nvCxnSpPr>
+        <p:spPr>
+          <a:xfrm flipV="1">
+            <a:off x="1827126" y="6063947"/>
+            <a:ext cx="1" cy="488812"/>
+          </a:xfrm>
+          <a:prstGeom prst="line">
+            <a:avLst/>
+          </a:prstGeom>
+          <a:noFill/>
+          <a:ln w="34925" cap="flat" cmpd="sng" algn="ctr">
+            <a:solidFill>
+              <a:srgbClr val="FF0000"/>
+            </a:solidFill>
+            <a:prstDash val="solid"/>
+            <a:miter lim="800000"/>
+          </a:ln>
+          <a:effectLst/>
+        </p:spPr>
+      </p:cxnSp>
+      <p:cxnSp>
+        <p:nvCxnSpPr>
+          <p:cNvPr id="116" name="Straight Connector 115">
+            <a:extLst>
+              <a:ext uri="{FF2B5EF4-FFF2-40B4-BE49-F238E27FC236}">
+                <a16:creationId xmlns:a16="http://schemas.microsoft.com/office/drawing/2014/main" id="{6AC92157-BCEA-B44D-9987-E201474A4C41}"/>
+              </a:ext>
+            </a:extLst>
+          </p:cNvPr>
+          <p:cNvCxnSpPr>
+            <a:cxnSpLocks/>
+          </p:cNvCxnSpPr>
+          <p:nvPr/>
+        </p:nvCxnSpPr>
+        <p:spPr>
+          <a:xfrm flipH="1">
+            <a:off x="6270044" y="2495162"/>
+            <a:ext cx="108005" cy="0"/>
+          </a:xfrm>
+          <a:prstGeom prst="line">
+            <a:avLst/>
+          </a:prstGeom>
+          <a:noFill/>
+          <a:ln w="34925" cap="flat" cmpd="sng" algn="ctr">
+            <a:solidFill>
+              <a:srgbClr val="FF0000"/>
+            </a:solidFill>
+            <a:prstDash val="solid"/>
+            <a:miter lim="800000"/>
+          </a:ln>
+          <a:effectLst/>
+        </p:spPr>
+      </p:cxnSp>
+      <p:cxnSp>
+        <p:nvCxnSpPr>
+          <p:cNvPr id="117" name="Straight Connector 116">
+            <a:extLst>
+              <a:ext uri="{FF2B5EF4-FFF2-40B4-BE49-F238E27FC236}">
+                <a16:creationId xmlns:a16="http://schemas.microsoft.com/office/drawing/2014/main" id="{8C8EBF2C-9C8E-504F-834E-2A6410CFA94E}"/>
+              </a:ext>
+            </a:extLst>
+          </p:cNvPr>
+          <p:cNvCxnSpPr>
+            <a:cxnSpLocks/>
+          </p:cNvCxnSpPr>
+          <p:nvPr/>
+        </p:nvCxnSpPr>
+        <p:spPr>
+          <a:xfrm flipV="1">
+            <a:off x="6270043" y="2482335"/>
+            <a:ext cx="0" cy="2824227"/>
+          </a:xfrm>
+          <a:prstGeom prst="line">
+            <a:avLst/>
+          </a:prstGeom>
+          <a:noFill/>
+          <a:ln w="34925" cap="flat" cmpd="sng" algn="ctr">
+            <a:solidFill>
+              <a:srgbClr val="FF0000"/>
+            </a:solidFill>
+            <a:prstDash val="solid"/>
+            <a:miter lim="800000"/>
+          </a:ln>
+          <a:effectLst/>
+        </p:spPr>
+      </p:cxnSp>
+      <p:cxnSp>
+        <p:nvCxnSpPr>
+          <p:cNvPr id="118" name="Straight Connector 117">
+            <a:extLst>
+              <a:ext uri="{FF2B5EF4-FFF2-40B4-BE49-F238E27FC236}">
+                <a16:creationId xmlns:a16="http://schemas.microsoft.com/office/drawing/2014/main" id="{AA63D20A-2AB9-F046-BFAA-F0D6172A7B41}"/>
+              </a:ext>
+            </a:extLst>
+          </p:cNvPr>
+          <p:cNvCxnSpPr>
+            <a:cxnSpLocks/>
+          </p:cNvCxnSpPr>
+          <p:nvPr/>
+        </p:nvCxnSpPr>
+        <p:spPr>
+          <a:xfrm>
+            <a:off x="3678204" y="5283268"/>
+            <a:ext cx="2594122" cy="11402"/>
+          </a:xfrm>
+          <a:prstGeom prst="line">
+            <a:avLst/>
+          </a:prstGeom>
+          <a:noFill/>
+          <a:ln w="34925" cap="flat" cmpd="sng" algn="ctr">
+            <a:solidFill>
+              <a:srgbClr val="FF0000"/>
+            </a:solidFill>
+            <a:prstDash val="solid"/>
+            <a:miter lim="800000"/>
+          </a:ln>
+          <a:effectLst/>
+        </p:spPr>
+      </p:cxnSp>
+      <p:cxnSp>
+        <p:nvCxnSpPr>
+          <p:cNvPr id="119" name="Straight Connector 118">
+            <a:extLst>
+              <a:ext uri="{FF2B5EF4-FFF2-40B4-BE49-F238E27FC236}">
+                <a16:creationId xmlns:a16="http://schemas.microsoft.com/office/drawing/2014/main" id="{7CC1EEC9-CFD2-8343-BB55-BE483C111FEB}"/>
+              </a:ext>
+            </a:extLst>
+          </p:cNvPr>
+          <p:cNvCxnSpPr>
+            <a:cxnSpLocks/>
+            <a:endCxn id="89" idx="0"/>
+          </p:cNvCxnSpPr>
+          <p:nvPr/>
+        </p:nvCxnSpPr>
+        <p:spPr>
+          <a:xfrm>
+            <a:off x="3687141" y="5272016"/>
+            <a:ext cx="0" cy="228185"/>
+          </a:xfrm>
+          <a:prstGeom prst="line">
+            <a:avLst/>
+          </a:prstGeom>
+          <a:noFill/>
+          <a:ln w="34925" cap="flat" cmpd="sng" algn="ctr">
+            <a:solidFill>
+              <a:srgbClr val="FF0000"/>
+            </a:solidFill>
+            <a:prstDash val="solid"/>
+            <a:miter lim="800000"/>
+          </a:ln>
+          <a:effectLst/>
+        </p:spPr>
+      </p:cxnSp>
+      <p:cxnSp>
+        <p:nvCxnSpPr>
+          <p:cNvPr id="120" name="Straight Connector 119">
+            <a:extLst>
+              <a:ext uri="{FF2B5EF4-FFF2-40B4-BE49-F238E27FC236}">
+                <a16:creationId xmlns:a16="http://schemas.microsoft.com/office/drawing/2014/main" id="{D937EB13-DF5C-0643-A0B1-2962374B4F59}"/>
+              </a:ext>
+            </a:extLst>
+          </p:cNvPr>
+          <p:cNvCxnSpPr>
+            <a:cxnSpLocks/>
+          </p:cNvCxnSpPr>
+          <p:nvPr/>
+        </p:nvCxnSpPr>
+        <p:spPr>
+          <a:xfrm>
+            <a:off x="3546933" y="6080169"/>
+            <a:ext cx="0" cy="472591"/>
+          </a:xfrm>
+          <a:prstGeom prst="line">
+            <a:avLst/>
+          </a:prstGeom>
+          <a:noFill/>
+          <a:ln w="34925" cap="flat" cmpd="sng" algn="ctr">
+            <a:solidFill>
+              <a:srgbClr val="FF0000"/>
+            </a:solidFill>
+            <a:prstDash val="solid"/>
+            <a:miter lim="800000"/>
+          </a:ln>
+          <a:effectLst/>
+        </p:spPr>
+      </p:cxnSp>
+      <p:cxnSp>
+        <p:nvCxnSpPr>
+          <p:cNvPr id="121" name="Straight Connector 120">
+            <a:extLst>
+              <a:ext uri="{FF2B5EF4-FFF2-40B4-BE49-F238E27FC236}">
+                <a16:creationId xmlns:a16="http://schemas.microsoft.com/office/drawing/2014/main" id="{4642743E-C07C-084E-8F9B-7C2569C9D4B9}"/>
+              </a:ext>
+            </a:extLst>
+          </p:cNvPr>
+          <p:cNvCxnSpPr>
+            <a:cxnSpLocks/>
+          </p:cNvCxnSpPr>
+          <p:nvPr/>
+        </p:nvCxnSpPr>
+        <p:spPr>
+          <a:xfrm>
+            <a:off x="7793145" y="6080169"/>
+            <a:ext cx="0" cy="472591"/>
+          </a:xfrm>
+          <a:prstGeom prst="line">
+            <a:avLst/>
+          </a:prstGeom>
+          <a:noFill/>
+          <a:ln w="34925" cap="flat" cmpd="sng" algn="ctr">
+            <a:solidFill>
+              <a:srgbClr val="FF0000"/>
+            </a:solidFill>
+            <a:prstDash val="solid"/>
+            <a:miter lim="800000"/>
+          </a:ln>
+          <a:effectLst/>
+        </p:spPr>
+      </p:cxnSp>
+      <p:cxnSp>
+        <p:nvCxnSpPr>
+          <p:cNvPr id="122" name="Straight Connector 121">
+            <a:extLst>
+              <a:ext uri="{FF2B5EF4-FFF2-40B4-BE49-F238E27FC236}">
+                <a16:creationId xmlns:a16="http://schemas.microsoft.com/office/drawing/2014/main" id="{C9A1CC23-6908-9B4E-9945-3688381C2631}"/>
+              </a:ext>
+            </a:extLst>
+          </p:cNvPr>
+          <p:cNvCxnSpPr>
+            <a:cxnSpLocks/>
+            <a:endCxn id="91" idx="1"/>
+          </p:cNvCxnSpPr>
+          <p:nvPr/>
+        </p:nvCxnSpPr>
+        <p:spPr>
+          <a:xfrm>
+            <a:off x="6446777" y="5776348"/>
+            <a:ext cx="626382" cy="2"/>
+          </a:xfrm>
+          <a:prstGeom prst="line">
+            <a:avLst/>
+          </a:prstGeom>
+          <a:noFill/>
+          <a:ln w="34925" cap="flat" cmpd="sng" algn="ctr">
+            <a:solidFill>
+              <a:srgbClr val="FF0000"/>
+            </a:solidFill>
+            <a:prstDash val="solid"/>
+            <a:miter lim="800000"/>
+          </a:ln>
+          <a:effectLst/>
+        </p:spPr>
+      </p:cxnSp>
+      <p:cxnSp>
+        <p:nvCxnSpPr>
+          <p:cNvPr id="123" name="Straight Connector 122">
+            <a:extLst>
+              <a:ext uri="{FF2B5EF4-FFF2-40B4-BE49-F238E27FC236}">
+                <a16:creationId xmlns:a16="http://schemas.microsoft.com/office/drawing/2014/main" id="{B24E6B6D-129A-2D46-9BCE-92E794022010}"/>
+              </a:ext>
+            </a:extLst>
+          </p:cNvPr>
+          <p:cNvCxnSpPr>
+            <a:cxnSpLocks/>
+          </p:cNvCxnSpPr>
+          <p:nvPr/>
+        </p:nvCxnSpPr>
+        <p:spPr>
+          <a:xfrm flipH="1">
+            <a:off x="8496304" y="421248"/>
+            <a:ext cx="828969" cy="0"/>
+          </a:xfrm>
+          <a:prstGeom prst="line">
+            <a:avLst/>
+          </a:prstGeom>
+          <a:noFill/>
+          <a:ln w="34925" cap="flat" cmpd="sng" algn="ctr">
+            <a:solidFill>
+              <a:srgbClr val="00B050"/>
+            </a:solidFill>
+            <a:prstDash val="solid"/>
+            <a:miter lim="800000"/>
+          </a:ln>
+          <a:effectLst/>
+        </p:spPr>
+      </p:cxnSp>
+      <p:cxnSp>
+        <p:nvCxnSpPr>
+          <p:cNvPr id="124" name="Straight Connector 123">
+            <a:extLst>
+              <a:ext uri="{FF2B5EF4-FFF2-40B4-BE49-F238E27FC236}">
+                <a16:creationId xmlns:a16="http://schemas.microsoft.com/office/drawing/2014/main" id="{A3C422AA-6611-1349-84DD-3EAC7A58C89D}"/>
+              </a:ext>
+            </a:extLst>
+          </p:cNvPr>
+          <p:cNvCxnSpPr>
+            <a:cxnSpLocks/>
+          </p:cNvCxnSpPr>
+          <p:nvPr/>
+        </p:nvCxnSpPr>
+        <p:spPr>
+          <a:xfrm flipH="1">
+            <a:off x="5399536" y="2293932"/>
+            <a:ext cx="978515" cy="0"/>
+          </a:xfrm>
+          <a:prstGeom prst="line">
+            <a:avLst/>
+          </a:prstGeom>
+          <a:noFill/>
+          <a:ln w="34925" cap="flat" cmpd="sng" algn="ctr">
+            <a:solidFill>
+              <a:srgbClr val="00B050"/>
+            </a:solidFill>
+            <a:prstDash val="solid"/>
+            <a:miter lim="800000"/>
+            <a:headEnd type="none"/>
+            <a:tailEnd type="none"/>
+          </a:ln>
+          <a:effectLst/>
+        </p:spPr>
+      </p:cxnSp>
+      <p:cxnSp>
+        <p:nvCxnSpPr>
+          <p:cNvPr id="125" name="Straight Connector 124">
+            <a:extLst>
+              <a:ext uri="{FF2B5EF4-FFF2-40B4-BE49-F238E27FC236}">
+                <a16:creationId xmlns:a16="http://schemas.microsoft.com/office/drawing/2014/main" id="{8D91C36B-D79C-7F44-A05E-11D806A4DD36}"/>
+              </a:ext>
+            </a:extLst>
+          </p:cNvPr>
+          <p:cNvCxnSpPr>
+            <a:cxnSpLocks/>
+          </p:cNvCxnSpPr>
+          <p:nvPr/>
+        </p:nvCxnSpPr>
+        <p:spPr>
+          <a:xfrm flipV="1">
+            <a:off x="5082468" y="1479218"/>
+            <a:ext cx="580414" cy="507441"/>
+          </a:xfrm>
+          <a:prstGeom prst="line">
+            <a:avLst/>
+          </a:prstGeom>
+          <a:noFill/>
+          <a:ln w="34925" cap="flat" cmpd="sng" algn="ctr">
+            <a:solidFill>
+              <a:sysClr val="windowText" lastClr="000000"/>
+            </a:solidFill>
+            <a:prstDash val="solid"/>
+            <a:miter lim="800000"/>
+          </a:ln>
+          <a:effectLst/>
+        </p:spPr>
+      </p:cxnSp>
+      <p:cxnSp>
+        <p:nvCxnSpPr>
+          <p:cNvPr id="126" name="Straight Connector 125">
+            <a:extLst>
+              <a:ext uri="{FF2B5EF4-FFF2-40B4-BE49-F238E27FC236}">
+                <a16:creationId xmlns:a16="http://schemas.microsoft.com/office/drawing/2014/main" id="{F4924469-665B-A244-9E17-4F239E954503}"/>
+              </a:ext>
+            </a:extLst>
+          </p:cNvPr>
+          <p:cNvCxnSpPr>
+            <a:cxnSpLocks/>
+          </p:cNvCxnSpPr>
+          <p:nvPr/>
+        </p:nvCxnSpPr>
+        <p:spPr>
+          <a:xfrm flipV="1">
+            <a:off x="3589575" y="3726365"/>
+            <a:ext cx="102390" cy="738379"/>
+          </a:xfrm>
+          <a:prstGeom prst="line">
+            <a:avLst/>
+          </a:prstGeom>
+          <a:noFill/>
+          <a:ln w="34925" cap="flat" cmpd="sng" algn="ctr">
+            <a:solidFill>
+              <a:sysClr val="windowText" lastClr="000000"/>
+            </a:solidFill>
+            <a:prstDash val="solid"/>
+            <a:miter lim="800000"/>
+          </a:ln>
+          <a:effectLst/>
+        </p:spPr>
+      </p:cxnSp>
+      <p:cxnSp>
+        <p:nvCxnSpPr>
+          <p:cNvPr id="127" name="Straight Connector 126">
+            <a:extLst>
+              <a:ext uri="{FF2B5EF4-FFF2-40B4-BE49-F238E27FC236}">
+                <a16:creationId xmlns:a16="http://schemas.microsoft.com/office/drawing/2014/main" id="{EB4FAA58-199D-0146-8999-7BD747133121}"/>
+              </a:ext>
+            </a:extLst>
+          </p:cNvPr>
+          <p:cNvCxnSpPr>
+            <a:cxnSpLocks/>
+          </p:cNvCxnSpPr>
+          <p:nvPr/>
+        </p:nvCxnSpPr>
+        <p:spPr>
+          <a:xfrm flipH="1">
+            <a:off x="7247208" y="2393227"/>
+            <a:ext cx="535902" cy="1"/>
+          </a:xfrm>
+          <a:prstGeom prst="line">
+            <a:avLst/>
+          </a:prstGeom>
+          <a:noFill/>
+          <a:ln w="34925" cap="flat" cmpd="sng" algn="ctr">
+            <a:solidFill>
+              <a:sysClr val="windowText" lastClr="000000"/>
+            </a:solidFill>
+            <a:prstDash val="solid"/>
+            <a:miter lim="800000"/>
+          </a:ln>
+          <a:effectLst/>
+        </p:spPr>
+      </p:cxnSp>
+      <p:cxnSp>
+        <p:nvCxnSpPr>
+          <p:cNvPr id="128" name="Straight Connector 127">
+            <a:extLst>
+              <a:ext uri="{FF2B5EF4-FFF2-40B4-BE49-F238E27FC236}">
+                <a16:creationId xmlns:a16="http://schemas.microsoft.com/office/drawing/2014/main" id="{39C6F551-AFA7-194E-87FC-CA6BCF8A2D79}"/>
+              </a:ext>
+            </a:extLst>
+          </p:cNvPr>
+          <p:cNvCxnSpPr>
+            <a:cxnSpLocks/>
+          </p:cNvCxnSpPr>
+          <p:nvPr/>
+        </p:nvCxnSpPr>
+        <p:spPr>
+          <a:xfrm flipV="1">
+            <a:off x="6809756" y="3890319"/>
+            <a:ext cx="0" cy="580950"/>
+          </a:xfrm>
+          <a:prstGeom prst="line">
+            <a:avLst/>
+          </a:prstGeom>
+          <a:noFill/>
+          <a:ln w="34925" cap="flat" cmpd="sng" algn="ctr">
+            <a:solidFill>
+              <a:sysClr val="windowText" lastClr="000000"/>
+            </a:solidFill>
+            <a:prstDash val="solid"/>
+            <a:miter lim="800000"/>
+          </a:ln>
+          <a:effectLst/>
+        </p:spPr>
+      </p:cxnSp>
+      <p:cxnSp>
+        <p:nvCxnSpPr>
+          <p:cNvPr id="129" name="Straight Connector 128">
+            <a:extLst>
+              <a:ext uri="{FF2B5EF4-FFF2-40B4-BE49-F238E27FC236}">
+                <a16:creationId xmlns:a16="http://schemas.microsoft.com/office/drawing/2014/main" id="{92DE041B-6C6A-4147-9C67-C5078E3976A5}"/>
+              </a:ext>
+            </a:extLst>
+          </p:cNvPr>
+          <p:cNvCxnSpPr>
+            <a:cxnSpLocks/>
+            <a:endCxn id="79" idx="1"/>
+          </p:cNvCxnSpPr>
+          <p:nvPr/>
+        </p:nvCxnSpPr>
+        <p:spPr>
+          <a:xfrm flipV="1">
+            <a:off x="7806221" y="2591025"/>
+            <a:ext cx="174651" cy="632"/>
+          </a:xfrm>
+          <a:prstGeom prst="line">
+            <a:avLst/>
+          </a:prstGeom>
+          <a:noFill/>
+          <a:ln w="34925" cap="flat" cmpd="sng" algn="ctr">
+            <a:solidFill>
+              <a:sysClr val="windowText" lastClr="000000"/>
+            </a:solidFill>
+            <a:prstDash val="solid"/>
+            <a:miter lim="800000"/>
+          </a:ln>
+          <a:effectLst/>
+        </p:spPr>
+      </p:cxnSp>
+      <p:cxnSp>
+        <p:nvCxnSpPr>
+          <p:cNvPr id="130" name="Straight Connector 129">
+            <a:extLst>
+              <a:ext uri="{FF2B5EF4-FFF2-40B4-BE49-F238E27FC236}">
+                <a16:creationId xmlns:a16="http://schemas.microsoft.com/office/drawing/2014/main" id="{34401DEF-E40B-214F-87EB-C96E5242BD07}"/>
+              </a:ext>
+            </a:extLst>
+          </p:cNvPr>
+          <p:cNvCxnSpPr>
+            <a:cxnSpLocks/>
+          </p:cNvCxnSpPr>
+          <p:nvPr/>
+        </p:nvCxnSpPr>
+        <p:spPr>
+          <a:xfrm flipH="1">
+            <a:off x="1765692" y="2591656"/>
+            <a:ext cx="174651" cy="0"/>
+          </a:xfrm>
+          <a:prstGeom prst="line">
+            <a:avLst/>
+          </a:prstGeom>
+          <a:noFill/>
+          <a:ln w="34925" cap="flat" cmpd="sng" algn="ctr">
+            <a:solidFill>
+              <a:sysClr val="windowText" lastClr="000000"/>
+            </a:solidFill>
+            <a:prstDash val="solid"/>
+            <a:miter lim="800000"/>
+          </a:ln>
+          <a:effectLst/>
+        </p:spPr>
+      </p:cxnSp>
+      <p:cxnSp>
+        <p:nvCxnSpPr>
+          <p:cNvPr id="131" name="Straight Connector 130">
+            <a:extLst>
+              <a:ext uri="{FF2B5EF4-FFF2-40B4-BE49-F238E27FC236}">
+                <a16:creationId xmlns:a16="http://schemas.microsoft.com/office/drawing/2014/main" id="{75B87E43-74F7-9C40-8DBC-51CB2BBD244B}"/>
+              </a:ext>
+            </a:extLst>
+          </p:cNvPr>
+          <p:cNvCxnSpPr>
+            <a:cxnSpLocks/>
+          </p:cNvCxnSpPr>
+          <p:nvPr/>
+        </p:nvCxnSpPr>
+        <p:spPr>
+          <a:xfrm flipV="1">
+            <a:off x="1097621" y="2010196"/>
+            <a:ext cx="0" cy="283737"/>
+          </a:xfrm>
+          <a:prstGeom prst="line">
+            <a:avLst/>
+          </a:prstGeom>
+          <a:noFill/>
+          <a:ln w="34925" cap="flat" cmpd="sng" algn="ctr">
+            <a:solidFill>
+              <a:sysClr val="windowText" lastClr="000000"/>
+            </a:solidFill>
+            <a:prstDash val="solid"/>
+            <a:miter lim="800000"/>
+          </a:ln>
+          <a:effectLst/>
+        </p:spPr>
+      </p:cxnSp>
+      <p:cxnSp>
+        <p:nvCxnSpPr>
+          <p:cNvPr id="132" name="Straight Connector 131">
+            <a:extLst>
+              <a:ext uri="{FF2B5EF4-FFF2-40B4-BE49-F238E27FC236}">
+                <a16:creationId xmlns:a16="http://schemas.microsoft.com/office/drawing/2014/main" id="{ABE03EF7-9D06-3840-8543-94435276E965}"/>
+              </a:ext>
+            </a:extLst>
+          </p:cNvPr>
+          <p:cNvCxnSpPr>
+            <a:cxnSpLocks/>
+            <a:stCxn id="87" idx="0"/>
+          </p:cNvCxnSpPr>
+          <p:nvPr/>
+        </p:nvCxnSpPr>
+        <p:spPr>
+          <a:xfrm flipV="1">
+            <a:off x="6811433" y="2882238"/>
+            <a:ext cx="0" cy="186628"/>
+          </a:xfrm>
+          <a:prstGeom prst="line">
+            <a:avLst/>
+          </a:prstGeom>
+          <a:noFill/>
+          <a:ln w="34925" cap="flat" cmpd="sng" algn="ctr">
+            <a:solidFill>
+              <a:srgbClr val="00B050"/>
+            </a:solidFill>
+            <a:prstDash val="solid"/>
+            <a:miter lim="800000"/>
+            <a:headEnd type="none"/>
+            <a:tailEnd type="none"/>
+          </a:ln>
+          <a:effectLst/>
+        </p:spPr>
+      </p:cxnSp>
+      <p:cxnSp>
+        <p:nvCxnSpPr>
+          <p:cNvPr id="133" name="Straight Connector 132">
+            <a:extLst>
+              <a:ext uri="{FF2B5EF4-FFF2-40B4-BE49-F238E27FC236}">
+                <a16:creationId xmlns:a16="http://schemas.microsoft.com/office/drawing/2014/main" id="{0CC784A9-D3B6-E741-8F87-1E8DD9075FCC}"/>
+              </a:ext>
+            </a:extLst>
+          </p:cNvPr>
+          <p:cNvCxnSpPr>
+            <a:cxnSpLocks/>
+          </p:cNvCxnSpPr>
+          <p:nvPr/>
+        </p:nvCxnSpPr>
+        <p:spPr>
+          <a:xfrm flipH="1">
+            <a:off x="7247207" y="3481344"/>
+            <a:ext cx="441972" cy="0"/>
+          </a:xfrm>
+          <a:prstGeom prst="line">
+            <a:avLst/>
+          </a:prstGeom>
+          <a:noFill/>
+          <a:ln w="34925" cap="flat" cmpd="sng" algn="ctr">
+            <a:solidFill>
+              <a:srgbClr val="00B050"/>
+            </a:solidFill>
+            <a:prstDash val="solid"/>
+            <a:miter lim="800000"/>
+            <a:headEnd type="none"/>
+            <a:tailEnd type="none"/>
+          </a:ln>
+          <a:effectLst/>
+        </p:spPr>
+      </p:cxnSp>
+      <p:cxnSp>
+        <p:nvCxnSpPr>
+          <p:cNvPr id="134" name="Straight Connector 133">
+            <a:extLst>
+              <a:ext uri="{FF2B5EF4-FFF2-40B4-BE49-F238E27FC236}">
+                <a16:creationId xmlns:a16="http://schemas.microsoft.com/office/drawing/2014/main" id="{C40BE0BB-B8B3-B742-95BC-23ABC7652121}"/>
+              </a:ext>
+            </a:extLst>
+          </p:cNvPr>
+          <p:cNvCxnSpPr>
+            <a:cxnSpLocks/>
+          </p:cNvCxnSpPr>
+          <p:nvPr/>
+        </p:nvCxnSpPr>
+        <p:spPr>
+          <a:xfrm flipV="1">
+            <a:off x="6968221" y="3902102"/>
+            <a:ext cx="0" cy="1484005"/>
+          </a:xfrm>
+          <a:prstGeom prst="line">
+            <a:avLst/>
+          </a:prstGeom>
+          <a:noFill/>
+          <a:ln w="34925" cap="flat" cmpd="sng" algn="ctr">
+            <a:solidFill>
+              <a:srgbClr val="00B050"/>
+            </a:solidFill>
+            <a:prstDash val="solid"/>
+            <a:miter lim="800000"/>
+            <a:headEnd type="none"/>
+          </a:ln>
+          <a:effectLst/>
+        </p:spPr>
+      </p:cxnSp>
+      <p:cxnSp>
+        <p:nvCxnSpPr>
+          <p:cNvPr id="135" name="Straight Connector 134">
+            <a:extLst>
+              <a:ext uri="{FF2B5EF4-FFF2-40B4-BE49-F238E27FC236}">
+                <a16:creationId xmlns:a16="http://schemas.microsoft.com/office/drawing/2014/main" id="{FC6924A2-464C-4543-8176-C3BABE699A44}"/>
+              </a:ext>
+            </a:extLst>
+          </p:cNvPr>
+          <p:cNvCxnSpPr>
+            <a:cxnSpLocks/>
+          </p:cNvCxnSpPr>
+          <p:nvPr/>
+        </p:nvCxnSpPr>
+        <p:spPr>
+          <a:xfrm>
+            <a:off x="5734646" y="5366715"/>
+            <a:ext cx="1235448" cy="0"/>
+          </a:xfrm>
+          <a:prstGeom prst="line">
+            <a:avLst/>
+          </a:prstGeom>
+          <a:noFill/>
+          <a:ln w="34925" cap="flat" cmpd="sng" algn="ctr">
+            <a:solidFill>
+              <a:srgbClr val="00B050"/>
+            </a:solidFill>
+            <a:prstDash val="solid"/>
+            <a:miter lim="800000"/>
+            <a:headEnd type="none"/>
+            <a:tailEnd type="none"/>
+          </a:ln>
+          <a:effectLst/>
+        </p:spPr>
+      </p:cxnSp>
+      <p:cxnSp>
+        <p:nvCxnSpPr>
+          <p:cNvPr id="136" name="Straight Connector 135">
+            <a:extLst>
+              <a:ext uri="{FF2B5EF4-FFF2-40B4-BE49-F238E27FC236}">
+                <a16:creationId xmlns:a16="http://schemas.microsoft.com/office/drawing/2014/main" id="{8BEEE66E-7896-5A42-904D-D68735A32C3B}"/>
+              </a:ext>
+            </a:extLst>
+          </p:cNvPr>
+          <p:cNvCxnSpPr>
+            <a:cxnSpLocks/>
+            <a:stCxn id="90" idx="0"/>
+          </p:cNvCxnSpPr>
+          <p:nvPr/>
+        </p:nvCxnSpPr>
+        <p:spPr>
+          <a:xfrm flipV="1">
+            <a:off x="5730708" y="5348051"/>
+            <a:ext cx="0" cy="150728"/>
+          </a:xfrm>
+          <a:prstGeom prst="line">
+            <a:avLst/>
+          </a:prstGeom>
+          <a:noFill/>
+          <a:ln w="34925" cap="flat" cmpd="sng" algn="ctr">
+            <a:solidFill>
+              <a:srgbClr val="00B050"/>
+            </a:solidFill>
+            <a:prstDash val="solid"/>
+            <a:miter lim="800000"/>
+            <a:headEnd type="none"/>
+            <a:tailEnd type="none"/>
+          </a:ln>
+          <a:effectLst/>
+        </p:spPr>
+      </p:cxnSp>
+      <p:sp>
+        <p:nvSpPr>
+          <p:cNvPr id="137" name="Rectangle 136">
+            <a:extLst>
+              <a:ext uri="{FF2B5EF4-FFF2-40B4-BE49-F238E27FC236}">
+                <a16:creationId xmlns:a16="http://schemas.microsoft.com/office/drawing/2014/main" id="{F466AEDA-FEBD-6248-9A7F-A66C6CB7FCE8}"/>
+              </a:ext>
+            </a:extLst>
+          </p:cNvPr>
+          <p:cNvSpPr/>
+          <p:nvPr/>
+        </p:nvSpPr>
+        <p:spPr>
+          <a:xfrm rot="3316525">
+            <a:off x="3881006" y="3040314"/>
+            <a:ext cx="1674479" cy="81227"/>
+          </a:xfrm>
+          <a:prstGeom prst="rect">
+            <a:avLst/>
+          </a:prstGeom>
+          <a:solidFill>
+            <a:sysClr val="window" lastClr="FFFFFF">
+              <a:alpha val="85000"/>
+            </a:sysClr>
+          </a:solidFill>
+          <a:ln w="12700" cap="flat" cmpd="sng" algn="ctr">
+            <a:noFill/>
+            <a:prstDash val="solid"/>
+            <a:miter lim="800000"/>
+          </a:ln>
+          <a:effectLst/>
+        </p:spPr>
+        <p:txBody>
+          <a:bodyPr lIns="91432" tIns="45717" rIns="91432" bIns="45717" rtlCol="0" anchor="ctr"/>
+          <a:lstStyle/>
+          <a:p>
+            <a:pPr marL="0" marR="0" lvl="0" indent="0" algn="ctr" defTabSz="914322" eaLnBrk="1" fontAlgn="auto" latinLnBrk="0" hangingPunct="1">
+              <a:lnSpc>
+                <a:spcPct val="100000"/>
+              </a:lnSpc>
+              <a:spcBef>
+                <a:spcPts val="0"/>
+              </a:spcBef>
+              <a:spcAft>
+                <a:spcPts val="0"/>
+              </a:spcAft>
+              <a:buClrTx/>
+              <a:buSzTx/>
+              <a:buFontTx/>
+              <a:buNone/>
+              <a:tabLst/>
+              <a:defRPr/>
+            </a:pPr>
+            <a:endParaRPr kumimoji="0" lang="en-US" sz="1800" b="1" i="0" u="none" strike="noStrike" kern="0" cap="none" spc="0" normalizeH="0" baseline="0" noProof="0">
+              <a:ln>
+                <a:noFill/>
+              </a:ln>
+              <a:solidFill>
+                <a:prstClr val="white"/>
+              </a:solidFill>
+              <a:effectLst/>
+              <a:uLnTx/>
+              <a:uFillTx/>
+              <a:latin typeface="Calibri" panose="020F0502020204030204"/>
+              <a:ea typeface="+mn-ea"/>
+              <a:cs typeface="+mn-cs"/>
+            </a:endParaRPr>
+          </a:p>
+        </p:txBody>
+      </p:sp>
+      <p:cxnSp>
+        <p:nvCxnSpPr>
+          <p:cNvPr id="138" name="Straight Connector 137">
+            <a:extLst>
+              <a:ext uri="{FF2B5EF4-FFF2-40B4-BE49-F238E27FC236}">
+                <a16:creationId xmlns:a16="http://schemas.microsoft.com/office/drawing/2014/main" id="{A4BBA751-1983-474B-9183-0A9E79B8BB76}"/>
+              </a:ext>
+            </a:extLst>
+          </p:cNvPr>
+          <p:cNvCxnSpPr>
+            <a:cxnSpLocks/>
+            <a:endCxn id="81" idx="0"/>
+          </p:cNvCxnSpPr>
+          <p:nvPr/>
+        </p:nvCxnSpPr>
+        <p:spPr>
+          <a:xfrm flipH="1">
+            <a:off x="3698694" y="2469759"/>
+            <a:ext cx="1383772" cy="962977"/>
+          </a:xfrm>
+          <a:prstGeom prst="line">
+            <a:avLst/>
+          </a:prstGeom>
+          <a:noFill/>
+          <a:ln w="34925" cap="flat" cmpd="sng" algn="ctr">
+            <a:solidFill>
+              <a:srgbClr val="F7A209"/>
+            </a:solidFill>
+            <a:prstDash val="solid"/>
+            <a:miter lim="800000"/>
+          </a:ln>
+          <a:effectLst/>
+        </p:spPr>
+      </p:cxnSp>
+      <p:cxnSp>
+        <p:nvCxnSpPr>
+          <p:cNvPr id="139" name="Straight Connector 138">
+            <a:extLst>
+              <a:ext uri="{FF2B5EF4-FFF2-40B4-BE49-F238E27FC236}">
+                <a16:creationId xmlns:a16="http://schemas.microsoft.com/office/drawing/2014/main" id="{A3C422AA-6611-1349-84DD-3EAC7A58C89D}"/>
+              </a:ext>
+            </a:extLst>
+          </p:cNvPr>
+          <p:cNvCxnSpPr>
+            <a:cxnSpLocks/>
+          </p:cNvCxnSpPr>
+          <p:nvPr/>
+        </p:nvCxnSpPr>
+        <p:spPr>
+          <a:xfrm flipH="1">
+            <a:off x="3938504" y="4017188"/>
+            <a:ext cx="2614284" cy="0"/>
+          </a:xfrm>
+          <a:prstGeom prst="line">
+            <a:avLst/>
+          </a:prstGeom>
+          <a:noFill/>
+          <a:ln w="34925" cap="flat" cmpd="sng" algn="ctr">
+            <a:solidFill>
+              <a:srgbClr val="00B050"/>
+            </a:solidFill>
+            <a:prstDash val="solid"/>
+            <a:miter lim="800000"/>
+            <a:headEnd type="none"/>
+            <a:tailEnd type="none"/>
+          </a:ln>
+          <a:effectLst/>
+        </p:spPr>
+      </p:cxnSp>
+      <p:cxnSp>
+        <p:nvCxnSpPr>
+          <p:cNvPr id="140" name="Straight Connector 139">
+            <a:extLst>
+              <a:ext uri="{FF2B5EF4-FFF2-40B4-BE49-F238E27FC236}">
+                <a16:creationId xmlns:a16="http://schemas.microsoft.com/office/drawing/2014/main" id="{0CC784A9-D3B6-E741-8F87-1E8DD9075FCC}"/>
+              </a:ext>
+            </a:extLst>
+          </p:cNvPr>
+          <p:cNvCxnSpPr>
+            <a:cxnSpLocks/>
+          </p:cNvCxnSpPr>
+          <p:nvPr/>
+        </p:nvCxnSpPr>
+        <p:spPr>
+          <a:xfrm flipV="1">
+            <a:off x="3938502" y="3760649"/>
+            <a:ext cx="3" cy="256541"/>
+          </a:xfrm>
+          <a:prstGeom prst="line">
+            <a:avLst/>
+          </a:prstGeom>
+          <a:noFill/>
+          <a:ln w="34925" cap="flat" cmpd="sng" algn="ctr">
+            <a:solidFill>
+              <a:srgbClr val="00B050"/>
+            </a:solidFill>
+            <a:prstDash val="solid"/>
+            <a:miter lim="800000"/>
+            <a:headEnd type="none"/>
+            <a:tailEnd type="none"/>
+          </a:ln>
+          <a:effectLst/>
+        </p:spPr>
+      </p:cxnSp>
+      <p:cxnSp>
+        <p:nvCxnSpPr>
+          <p:cNvPr id="141" name="Straight Connector 140">
+            <a:extLst>
+              <a:ext uri="{FF2B5EF4-FFF2-40B4-BE49-F238E27FC236}">
+                <a16:creationId xmlns:a16="http://schemas.microsoft.com/office/drawing/2014/main" id="{0CC784A9-D3B6-E741-8F87-1E8DD9075FCC}"/>
+              </a:ext>
+            </a:extLst>
+          </p:cNvPr>
+          <p:cNvCxnSpPr>
+            <a:cxnSpLocks/>
+          </p:cNvCxnSpPr>
+          <p:nvPr/>
+        </p:nvCxnSpPr>
+        <p:spPr>
+          <a:xfrm flipV="1">
+            <a:off x="6564725" y="3889534"/>
+            <a:ext cx="3" cy="144811"/>
+          </a:xfrm>
+          <a:prstGeom prst="line">
+            <a:avLst/>
+          </a:prstGeom>
+          <a:noFill/>
+          <a:ln w="34925" cap="flat" cmpd="sng" algn="ctr">
+            <a:solidFill>
+              <a:srgbClr val="00B050"/>
+            </a:solidFill>
+            <a:prstDash val="solid"/>
+            <a:miter lim="800000"/>
+            <a:headEnd type="none"/>
+            <a:tailEnd type="none"/>
+          </a:ln>
+          <a:effectLst/>
+        </p:spPr>
+      </p:cxnSp>
+      <p:sp>
+        <p:nvSpPr>
+          <p:cNvPr id="142" name="Rectangle 141"/>
+          <p:cNvSpPr/>
+          <p:nvPr/>
+        </p:nvSpPr>
+        <p:spPr>
+          <a:xfrm>
+            <a:off x="2032518" y="3772728"/>
+            <a:ext cx="1503922" cy="369326"/>
+          </a:xfrm>
+          <a:prstGeom prst="rect">
+            <a:avLst/>
+          </a:prstGeom>
+        </p:spPr>
+        <p:txBody>
+          <a:bodyPr wrap="none" lIns="91432" tIns="45717" rIns="91432" bIns="45717">
+            <a:spAutoFit/>
+          </a:bodyPr>
+          <a:lstStyle/>
+          <a:p>
+            <a:pPr marL="0" marR="0" lvl="0" indent="0" defTabSz="914322" eaLnBrk="1" fontAlgn="auto" latinLnBrk="0" hangingPunct="1">
+              <a:lnSpc>
+                <a:spcPct val="100000"/>
+              </a:lnSpc>
+              <a:spcBef>
+                <a:spcPts val="0"/>
+              </a:spcBef>
+              <a:spcAft>
+                <a:spcPts val="0"/>
+              </a:spcAft>
+              <a:buClrTx/>
+              <a:buSzTx/>
+              <a:buFontTx/>
+              <a:buNone/>
+              <a:tabLst/>
+              <a:defRPr/>
+            </a:pPr>
+            <a:r>
+              <a:rPr kumimoji="0" lang="en-US" sz="1800" b="1" i="0" u="none" strike="noStrike" kern="0" cap="none" spc="0" normalizeH="0" baseline="0" noProof="0" dirty="0">
+                <a:ln>
+                  <a:noFill/>
+                </a:ln>
+                <a:solidFill>
+                  <a:prstClr val="black"/>
+                </a:solidFill>
+                <a:effectLst/>
+                <a:uLnTx/>
+                <a:uFillTx/>
+              </a:rPr>
+              <a:t>Thermal Liner</a:t>
+            </a:r>
+          </a:p>
+        </p:txBody>
+      </p:sp>
+      <p:cxnSp>
+        <p:nvCxnSpPr>
+          <p:cNvPr id="143" name="Straight Connector 142">
+            <a:extLst>
+              <a:ext uri="{FF2B5EF4-FFF2-40B4-BE49-F238E27FC236}">
+                <a16:creationId xmlns:a16="http://schemas.microsoft.com/office/drawing/2014/main" id="{A3C422AA-6611-1349-84DD-3EAC7A58C89D}"/>
+              </a:ext>
+            </a:extLst>
+          </p:cNvPr>
+          <p:cNvCxnSpPr>
+            <a:cxnSpLocks/>
+          </p:cNvCxnSpPr>
+          <p:nvPr/>
+        </p:nvCxnSpPr>
+        <p:spPr>
+          <a:xfrm flipH="1">
+            <a:off x="5406417" y="2446332"/>
+            <a:ext cx="978515" cy="0"/>
+          </a:xfrm>
+          <a:prstGeom prst="line">
+            <a:avLst/>
+          </a:prstGeom>
+          <a:noFill/>
+          <a:ln w="34925" cap="flat" cmpd="sng" algn="ctr">
+            <a:solidFill>
+              <a:srgbClr val="00B050"/>
+            </a:solidFill>
+            <a:prstDash val="solid"/>
+            <a:miter lim="800000"/>
+            <a:headEnd type="none"/>
+            <a:tailEnd type="none"/>
+          </a:ln>
+          <a:effectLst/>
+        </p:spPr>
+      </p:cxnSp>
+      <p:sp>
+        <p:nvSpPr>
+          <p:cNvPr id="144" name="TextBox 143"/>
+          <p:cNvSpPr txBox="1"/>
+          <p:nvPr/>
+        </p:nvSpPr>
+        <p:spPr>
+          <a:xfrm rot="19528294">
+            <a:off x="3924356" y="1733320"/>
+            <a:ext cx="893177" cy="369326"/>
+          </a:xfrm>
+          <a:prstGeom prst="rect">
+            <a:avLst/>
+          </a:prstGeom>
+          <a:noFill/>
+        </p:spPr>
+        <p:txBody>
+          <a:bodyPr wrap="none" lIns="91432" tIns="45717" rIns="91432" bIns="45717" rtlCol="0">
+            <a:spAutoFit/>
+          </a:bodyPr>
+          <a:lstStyle/>
+          <a:p>
+            <a:pPr marL="0" marR="0" lvl="0" indent="0" defTabSz="914322" eaLnBrk="1" fontAlgn="auto" latinLnBrk="0" hangingPunct="1">
+              <a:lnSpc>
+                <a:spcPct val="100000"/>
+              </a:lnSpc>
+              <a:spcBef>
+                <a:spcPts val="0"/>
+              </a:spcBef>
+              <a:spcAft>
+                <a:spcPts val="0"/>
+              </a:spcAft>
+              <a:buClrTx/>
+              <a:buSzTx/>
+              <a:buFontTx/>
+              <a:buNone/>
+              <a:tabLst/>
+              <a:defRPr/>
+            </a:pPr>
+            <a:r>
+              <a:rPr kumimoji="0" lang="en-US" sz="1800" b="1" i="0" u="none" strike="noStrike" kern="0" cap="none" spc="0" normalizeH="0" baseline="0" noProof="0" dirty="0">
+                <a:ln>
+                  <a:noFill/>
+                </a:ln>
+                <a:solidFill>
+                  <a:prstClr val="black"/>
+                </a:solidFill>
+                <a:effectLst/>
+                <a:uLnTx/>
+                <a:uFillTx/>
+              </a:rPr>
+              <a:t>1 K Box</a:t>
+            </a:r>
+          </a:p>
+        </p:txBody>
+      </p:sp>
+      <p:sp>
+        <p:nvSpPr>
+          <p:cNvPr id="145" name="Rectangle 144"/>
+          <p:cNvSpPr/>
+          <p:nvPr/>
+        </p:nvSpPr>
+        <p:spPr>
+          <a:xfrm>
+            <a:off x="6881783" y="224406"/>
+            <a:ext cx="1682867" cy="646325"/>
+          </a:xfrm>
+          <a:prstGeom prst="rect">
+            <a:avLst/>
+          </a:prstGeom>
+        </p:spPr>
+        <p:txBody>
+          <a:bodyPr wrap="square" lIns="91432" tIns="45717" rIns="91432" bIns="45717">
+            <a:spAutoFit/>
+          </a:bodyPr>
+          <a:lstStyle/>
+          <a:p>
+            <a:pPr marL="0" marR="0" lvl="0" indent="0" defTabSz="914322" eaLnBrk="1" fontAlgn="auto" latinLnBrk="0" hangingPunct="1">
+              <a:lnSpc>
+                <a:spcPct val="100000"/>
+              </a:lnSpc>
+              <a:spcBef>
+                <a:spcPts val="0"/>
+              </a:spcBef>
+              <a:spcAft>
+                <a:spcPts val="0"/>
+              </a:spcAft>
+              <a:buClrTx/>
+              <a:buSzTx/>
+              <a:buFontTx/>
+              <a:buNone/>
+              <a:tabLst/>
+              <a:defRPr/>
+            </a:pPr>
+            <a:r>
+              <a:rPr kumimoji="0" lang="en-US" sz="1800" b="1" i="0" u="none" strike="noStrike" kern="0" cap="none" spc="0" normalizeH="0" baseline="0" noProof="0" dirty="0">
+                <a:ln>
+                  <a:noFill/>
+                </a:ln>
+                <a:solidFill>
+                  <a:prstClr val="black"/>
+                </a:solidFill>
+                <a:effectLst/>
+                <a:uLnTx/>
+                <a:uFillTx/>
+              </a:rPr>
+              <a:t>Active Cooling</a:t>
+            </a:r>
+          </a:p>
+          <a:p>
+            <a:pPr marL="0" marR="0" lvl="0" indent="0" defTabSz="914322" eaLnBrk="1" fontAlgn="auto" latinLnBrk="0" hangingPunct="1">
+              <a:lnSpc>
+                <a:spcPct val="100000"/>
+              </a:lnSpc>
+              <a:spcBef>
+                <a:spcPts val="0"/>
+              </a:spcBef>
+              <a:spcAft>
+                <a:spcPts val="0"/>
+              </a:spcAft>
+              <a:buClrTx/>
+              <a:buSzTx/>
+              <a:buFontTx/>
+              <a:buNone/>
+              <a:tabLst/>
+              <a:defRPr/>
+            </a:pPr>
+            <a:r>
+              <a:rPr kumimoji="0" lang="en-US" sz="1800" b="1" i="0" u="none" strike="noStrike" kern="0" cap="none" spc="0" normalizeH="0" baseline="0" noProof="0" dirty="0">
+                <a:ln>
+                  <a:noFill/>
+                </a:ln>
+                <a:solidFill>
+                  <a:prstClr val="black"/>
+                </a:solidFill>
+                <a:effectLst/>
+                <a:uLnTx/>
+                <a:uFillTx/>
+              </a:rPr>
+              <a:t>Structure</a:t>
+            </a:r>
+          </a:p>
+        </p:txBody>
+      </p:sp>
+    </p:spTree>
+    <p:extLst>
+      <p:ext uri="{BB962C8B-B14F-4D97-AF65-F5344CB8AC3E}">
+        <p14:creationId xmlns:p14="http://schemas.microsoft.com/office/powerpoint/2010/main" val="1587789397"/>
       </p:ext>
     </p:extLst>
   </p:cSld>
